--- a/NEURONAL NETWORK.pptx
+++ b/NEURONAL NETWORK.pptx
@@ -5,21 +5,23 @@
     <p:sldMasterId id="2147483648" r:id="rId4"/>
   </p:sldMasterIdLst>
   <p:notesMasterIdLst>
-    <p:notesMasterId r:id="rId14"/>
+    <p:notesMasterId r:id="rId16"/>
   </p:notesMasterIdLst>
   <p:handoutMasterIdLst>
-    <p:handoutMasterId r:id="rId15"/>
+    <p:handoutMasterId r:id="rId17"/>
   </p:handoutMasterIdLst>
   <p:sldIdLst>
     <p:sldId id="256" r:id="rId5"/>
     <p:sldId id="269" r:id="rId6"/>
     <p:sldId id="268" r:id="rId7"/>
-    <p:sldId id="267" r:id="rId8"/>
-    <p:sldId id="274" r:id="rId9"/>
-    <p:sldId id="273" r:id="rId10"/>
-    <p:sldId id="271" r:id="rId11"/>
-    <p:sldId id="270" r:id="rId12"/>
-    <p:sldId id="272" r:id="rId13"/>
+    <p:sldId id="275" r:id="rId8"/>
+    <p:sldId id="267" r:id="rId9"/>
+    <p:sldId id="277" r:id="rId10"/>
+    <p:sldId id="274" r:id="rId11"/>
+    <p:sldId id="271" r:id="rId12"/>
+    <p:sldId id="276" r:id="rId13"/>
+    <p:sldId id="273" r:id="rId14"/>
+    <p:sldId id="272" r:id="rId15"/>
   </p:sldIdLst>
   <p:sldSz cx="12192000" cy="6858000"/>
   <p:notesSz cx="6858000" cy="9144000"/>
@@ -775,6 +777,178 @@
 </p:notes>
 </file>
 
+<file path=ppt/notesSlides/notesSlide10.xml><?xml version="1.0" encoding="utf-8"?>
+<p:notes xmlns:a="http://schemas.openxmlformats.org/drawingml/2006/main" xmlns:r="http://schemas.openxmlformats.org/officeDocument/2006/relationships" xmlns:p="http://schemas.openxmlformats.org/presentationml/2006/main">
+  <p:cSld>
+    <p:spTree>
+      <p:nvGrpSpPr>
+        <p:cNvPr id="1" name=""/>
+        <p:cNvGrpSpPr/>
+        <p:nvPr/>
+      </p:nvGrpSpPr>
+      <p:grpSpPr>
+        <a:xfrm>
+          <a:off x="0" y="0"/>
+          <a:ext cx="0" cy="0"/>
+          <a:chOff x="0" y="0"/>
+          <a:chExt cx="0" cy="0"/>
+        </a:xfrm>
+      </p:grpSpPr>
+      <p:sp>
+        <p:nvSpPr>
+          <p:cNvPr id="2" name="Marcador de imagen de diapositiva 1"/>
+          <p:cNvSpPr>
+            <a:spLocks noGrp="1" noRot="1" noChangeAspect="1"/>
+          </p:cNvSpPr>
+          <p:nvPr>
+            <p:ph type="sldImg"/>
+          </p:nvPr>
+        </p:nvSpPr>
+        <p:spPr/>
+      </p:sp>
+      <p:sp>
+        <p:nvSpPr>
+          <p:cNvPr id="3" name="Marcador de notas 2"/>
+          <p:cNvSpPr>
+            <a:spLocks noGrp="1"/>
+          </p:cNvSpPr>
+          <p:nvPr>
+            <p:ph type="body" idx="1"/>
+          </p:nvPr>
+        </p:nvSpPr>
+        <p:spPr/>
+        <p:txBody>
+          <a:bodyPr rtlCol="0"/>
+          <a:lstStyle/>
+          <a:p>
+            <a:pPr rtl="0"/>
+            <a:endParaRPr lang="es-MX"/>
+          </a:p>
+        </p:txBody>
+      </p:sp>
+      <p:sp>
+        <p:nvSpPr>
+          <p:cNvPr id="4" name="Marcador de número de diapositiva 3"/>
+          <p:cNvSpPr>
+            <a:spLocks noGrp="1"/>
+          </p:cNvSpPr>
+          <p:nvPr>
+            <p:ph type="sldNum" sz="quarter" idx="5"/>
+          </p:nvPr>
+        </p:nvSpPr>
+        <p:spPr/>
+        <p:txBody>
+          <a:bodyPr rtlCol="0"/>
+          <a:lstStyle/>
+          <a:p>
+            <a:pPr rtl="0"/>
+            <a:fld id="{EE000EEB-8338-48D7-8EE8-EE0082EF7602}" type="slidenum">
+              <a:rPr lang="es-MX" smtClean="0"/>
+              <a:t>10</a:t>
+            </a:fld>
+            <a:endParaRPr lang="es-MX"/>
+          </a:p>
+        </p:txBody>
+      </p:sp>
+    </p:spTree>
+    <p:extLst>
+      <p:ext uri="{BB962C8B-B14F-4D97-AF65-F5344CB8AC3E}">
+        <p14:creationId xmlns:p14="http://schemas.microsoft.com/office/powerpoint/2010/main" val="3548465149"/>
+      </p:ext>
+    </p:extLst>
+  </p:cSld>
+  <p:clrMapOvr>
+    <a:masterClrMapping/>
+  </p:clrMapOvr>
+</p:notes>
+</file>
+
+<file path=ppt/notesSlides/notesSlide11.xml><?xml version="1.0" encoding="utf-8"?>
+<p:notes xmlns:a="http://schemas.openxmlformats.org/drawingml/2006/main" xmlns:r="http://schemas.openxmlformats.org/officeDocument/2006/relationships" xmlns:p="http://schemas.openxmlformats.org/presentationml/2006/main">
+  <p:cSld>
+    <p:spTree>
+      <p:nvGrpSpPr>
+        <p:cNvPr id="1" name=""/>
+        <p:cNvGrpSpPr/>
+        <p:nvPr/>
+      </p:nvGrpSpPr>
+      <p:grpSpPr>
+        <a:xfrm>
+          <a:off x="0" y="0"/>
+          <a:ext cx="0" cy="0"/>
+          <a:chOff x="0" y="0"/>
+          <a:chExt cx="0" cy="0"/>
+        </a:xfrm>
+      </p:grpSpPr>
+      <p:sp>
+        <p:nvSpPr>
+          <p:cNvPr id="2" name="Marcador de imagen de diapositiva 1"/>
+          <p:cNvSpPr>
+            <a:spLocks noGrp="1" noRot="1" noChangeAspect="1"/>
+          </p:cNvSpPr>
+          <p:nvPr>
+            <p:ph type="sldImg"/>
+          </p:nvPr>
+        </p:nvSpPr>
+        <p:spPr/>
+      </p:sp>
+      <p:sp>
+        <p:nvSpPr>
+          <p:cNvPr id="3" name="Marcador de notas 2"/>
+          <p:cNvSpPr>
+            <a:spLocks noGrp="1"/>
+          </p:cNvSpPr>
+          <p:nvPr>
+            <p:ph type="body" idx="1"/>
+          </p:nvPr>
+        </p:nvSpPr>
+        <p:spPr/>
+        <p:txBody>
+          <a:bodyPr rtlCol="0"/>
+          <a:lstStyle/>
+          <a:p>
+            <a:pPr rtl="0"/>
+            <a:endParaRPr lang="es-MX"/>
+          </a:p>
+        </p:txBody>
+      </p:sp>
+      <p:sp>
+        <p:nvSpPr>
+          <p:cNvPr id="4" name="Marcador de número de diapositiva 3"/>
+          <p:cNvSpPr>
+            <a:spLocks noGrp="1"/>
+          </p:cNvSpPr>
+          <p:nvPr>
+            <p:ph type="sldNum" sz="quarter" idx="5"/>
+          </p:nvPr>
+        </p:nvSpPr>
+        <p:spPr/>
+        <p:txBody>
+          <a:bodyPr rtlCol="0"/>
+          <a:lstStyle/>
+          <a:p>
+            <a:pPr rtl="0"/>
+            <a:fld id="{EE000EEB-8338-48D7-8EE8-EE0082EF7602}" type="slidenum">
+              <a:rPr lang="es-MX" smtClean="0"/>
+              <a:t>11</a:t>
+            </a:fld>
+            <a:endParaRPr lang="es-MX"/>
+          </a:p>
+        </p:txBody>
+      </p:sp>
+    </p:spTree>
+    <p:extLst>
+      <p:ext uri="{BB962C8B-B14F-4D97-AF65-F5344CB8AC3E}">
+        <p14:creationId xmlns:p14="http://schemas.microsoft.com/office/powerpoint/2010/main" val="625100947"/>
+      </p:ext>
+    </p:extLst>
+  </p:cSld>
+  <p:clrMapOvr>
+    <a:masterClrMapping/>
+  </p:clrMapOvr>
+</p:notes>
+</file>
+
 <file path=ppt/notesSlides/notesSlide2.xml><?xml version="1.0" encoding="utf-8"?>
 <p:notes xmlns:a="http://schemas.openxmlformats.org/drawingml/2006/main" xmlns:r="http://schemas.openxmlformats.org/officeDocument/2006/relationships" xmlns:p="http://schemas.openxmlformats.org/presentationml/2006/main">
   <p:cSld>
@@ -1023,7 +1197,7 @@
     </p:spTree>
     <p:extLst>
       <p:ext uri="{BB962C8B-B14F-4D97-AF65-F5344CB8AC3E}">
-        <p14:creationId xmlns:p14="http://schemas.microsoft.com/office/powerpoint/2010/main" val="3672966601"/>
+        <p14:creationId xmlns:p14="http://schemas.microsoft.com/office/powerpoint/2010/main" val="593802884"/>
       </p:ext>
     </p:extLst>
   </p:cSld>
@@ -1109,7 +1283,7 @@
     </p:spTree>
     <p:extLst>
       <p:ext uri="{BB962C8B-B14F-4D97-AF65-F5344CB8AC3E}">
-        <p14:creationId xmlns:p14="http://schemas.microsoft.com/office/powerpoint/2010/main" val="3434421349"/>
+        <p14:creationId xmlns:p14="http://schemas.microsoft.com/office/powerpoint/2010/main" val="3672966601"/>
       </p:ext>
     </p:extLst>
   </p:cSld>
@@ -1195,7 +1369,7 @@
     </p:spTree>
     <p:extLst>
       <p:ext uri="{BB962C8B-B14F-4D97-AF65-F5344CB8AC3E}">
-        <p14:creationId xmlns:p14="http://schemas.microsoft.com/office/powerpoint/2010/main" val="3548465149"/>
+        <p14:creationId xmlns:p14="http://schemas.microsoft.com/office/powerpoint/2010/main" val="2473962462"/>
       </p:ext>
     </p:extLst>
   </p:cSld>
@@ -1281,7 +1455,7 @@
     </p:spTree>
     <p:extLst>
       <p:ext uri="{BB962C8B-B14F-4D97-AF65-F5344CB8AC3E}">
-        <p14:creationId xmlns:p14="http://schemas.microsoft.com/office/powerpoint/2010/main" val="2030893742"/>
+        <p14:creationId xmlns:p14="http://schemas.microsoft.com/office/powerpoint/2010/main" val="3434421349"/>
       </p:ext>
     </p:extLst>
   </p:cSld>
@@ -1367,7 +1541,7 @@
     </p:spTree>
     <p:extLst>
       <p:ext uri="{BB962C8B-B14F-4D97-AF65-F5344CB8AC3E}">
-        <p14:creationId xmlns:p14="http://schemas.microsoft.com/office/powerpoint/2010/main" val="2530599414"/>
+        <p14:creationId xmlns:p14="http://schemas.microsoft.com/office/powerpoint/2010/main" val="2030893742"/>
       </p:ext>
     </p:extLst>
   </p:cSld>
@@ -1453,7 +1627,7 @@
     </p:spTree>
     <p:extLst>
       <p:ext uri="{BB962C8B-B14F-4D97-AF65-F5344CB8AC3E}">
-        <p14:creationId xmlns:p14="http://schemas.microsoft.com/office/powerpoint/2010/main" val="625100947"/>
+        <p14:creationId xmlns:p14="http://schemas.microsoft.com/office/powerpoint/2010/main" val="1822744838"/>
       </p:ext>
     </p:extLst>
   </p:cSld>
@@ -7423,8 +7597,8 @@
         </p:nvSpPr>
         <p:spPr>
           <a:xfrm>
-            <a:off x="1092324" y="1447800"/>
-            <a:ext cx="10031287" cy="3329581"/>
+            <a:off x="749425" y="104285"/>
+            <a:ext cx="10031287" cy="1348381"/>
           </a:xfrm>
         </p:spPr>
         <p:txBody>
@@ -7459,7 +7633,7 @@
         </p:nvSpPr>
         <p:spPr>
           <a:xfrm>
-            <a:off x="1154955" y="4777380"/>
+            <a:off x="1683171" y="5254953"/>
             <a:ext cx="8825658" cy="1302144"/>
           </a:xfrm>
         </p:spPr>
@@ -7556,6 +7730,49 @@
           </a:fontRef>
         </p:style>
       </p:sp>
+      <p:pic>
+        <p:nvPicPr>
+          <p:cNvPr id="6" name="Imagen 5">
+            <a:extLst>
+              <a:ext uri="{FF2B5EF4-FFF2-40B4-BE49-F238E27FC236}">
+                <a16:creationId xmlns:a16="http://schemas.microsoft.com/office/drawing/2014/main" id="{1A982CE8-311C-566E-6A30-68A4F4980621}"/>
+              </a:ext>
+            </a:extLst>
+          </p:cNvPr>
+          <p:cNvPicPr>
+            <a:picLocks noChangeAspect="1"/>
+          </p:cNvPicPr>
+          <p:nvPr/>
+        </p:nvPicPr>
+        <p:blipFill>
+          <a:blip r:embed="rId5"/>
+          <a:stretch>
+            <a:fillRect/>
+          </a:stretch>
+        </p:blipFill>
+        <p:spPr>
+          <a:xfrm>
+            <a:off x="4103715" y="1475057"/>
+            <a:ext cx="3779896" cy="3779896"/>
+          </a:xfrm>
+          <a:prstGeom prst="roundRect">
+            <a:avLst>
+              <a:gd name="adj" fmla="val 8594"/>
+            </a:avLst>
+          </a:prstGeom>
+          <a:solidFill>
+            <a:srgbClr val="FFFFFF">
+              <a:shade val="85000"/>
+            </a:srgbClr>
+          </a:solidFill>
+          <a:ln>
+            <a:noFill/>
+          </a:ln>
+          <a:effectLst>
+            <a:reflection blurRad="12700" stA="38000" endPos="28000" dist="5000" dir="5400000" sy="-100000" algn="bl" rotWithShape="0"/>
+          </a:effectLst>
+        </p:spPr>
+      </p:pic>
     </p:spTree>
     <p:extLst>
       <p:ext uri="{BB962C8B-B14F-4D97-AF65-F5344CB8AC3E}">
@@ -7569,698 +7786,7 @@
 </p:sld>
 </file>
 
-<file path=ppt/slides/slide2.xml><?xml version="1.0" encoding="utf-8"?>
-<p:sld xmlns:a="http://schemas.openxmlformats.org/drawingml/2006/main" xmlns:r="http://schemas.openxmlformats.org/officeDocument/2006/relationships" xmlns:p="http://schemas.openxmlformats.org/presentationml/2006/main">
-  <p:cSld>
-    <p:bg>
-      <p:bgPr>
-        <a:blipFill rotWithShape="1">
-          <a:blip r:embed="rId3">
-            <a:duotone>
-              <a:schemeClr val="bg2">
-                <a:shade val="62000"/>
-                <a:hueMod val="108000"/>
-                <a:satMod val="164000"/>
-                <a:lumMod val="69000"/>
-              </a:schemeClr>
-              <a:schemeClr val="bg2">
-                <a:tint val="96000"/>
-                <a:hueMod val="90000"/>
-                <a:satMod val="130000"/>
-                <a:lumMod val="134000"/>
-              </a:schemeClr>
-            </a:duotone>
-          </a:blip>
-          <a:stretch/>
-        </a:blipFill>
-        <a:effectLst/>
-      </p:bgPr>
-    </p:bg>
-    <p:spTree>
-      <p:nvGrpSpPr>
-        <p:cNvPr id="1" name=""/>
-        <p:cNvGrpSpPr/>
-        <p:nvPr/>
-      </p:nvGrpSpPr>
-      <p:grpSpPr>
-        <a:xfrm>
-          <a:off x="0" y="0"/>
-          <a:ext cx="0" cy="0"/>
-          <a:chOff x="0" y="0"/>
-          <a:chExt cx="0" cy="0"/>
-        </a:xfrm>
-      </p:grpSpPr>
-      <p:sp>
-        <p:nvSpPr>
-          <p:cNvPr id="2" name="Título 1">
-            <a:extLst>
-              <a:ext uri="{FF2B5EF4-FFF2-40B4-BE49-F238E27FC236}">
-                <a16:creationId xmlns:a16="http://schemas.microsoft.com/office/drawing/2014/main" id="{CC4174D3-6B10-409E-9110-EEBEAA7E38C0}"/>
-              </a:ext>
-            </a:extLst>
-          </p:cNvPr>
-          <p:cNvSpPr>
-            <a:spLocks noGrp="1"/>
-          </p:cNvSpPr>
-          <p:nvPr>
-            <p:ph type="title"/>
-          </p:nvPr>
-        </p:nvSpPr>
-        <p:spPr>
-          <a:xfrm>
-            <a:off x="650668" y="629266"/>
-            <a:ext cx="4802031" cy="643480"/>
-          </a:xfrm>
-        </p:spPr>
-        <p:txBody>
-          <a:bodyPr rtlCol="0">
-            <a:normAutofit fontScale="90000"/>
-          </a:bodyPr>
-          <a:lstStyle/>
-          <a:p>
-            <a:pPr rtl="0"/>
-            <a:r>
-              <a:rPr lang="es-MX" dirty="0"/>
-              <a:t>Introducción</a:t>
-            </a:r>
-          </a:p>
-        </p:txBody>
-      </p:sp>
-      <p:sp>
-        <p:nvSpPr>
-          <p:cNvPr id="78" name="Rectángulo 77">
-            <a:extLst>
-              <a:ext uri="{FF2B5EF4-FFF2-40B4-BE49-F238E27FC236}">
-                <a16:creationId xmlns:a16="http://schemas.microsoft.com/office/drawing/2014/main" id="{7527E565-DE8D-445C-9879-AD1D04415A78}"/>
-              </a:ext>
-              <a:ext uri="{C183D7F6-B498-43B3-948B-1728B52AA6E4}">
-                <adec:decorative xmlns:adec="http://schemas.microsoft.com/office/drawing/2017/decorative" val="1"/>
-              </a:ext>
-            </a:extLst>
-          </p:cNvPr>
-          <p:cNvSpPr>
-            <a:spLocks noGrp="1" noRot="1" noChangeAspect="1" noMove="1" noResize="1" noEditPoints="1" noAdjustHandles="1" noChangeArrowheads="1" noChangeShapeType="1" noTextEdit="1"/>
-          </p:cNvSpPr>
-          <p:nvPr>
-            <p:extLst>
-              <p:ext uri="{386F3935-93C4-4BCD-93E2-E3B085C9AB24}">
-                <p16:designElem xmlns:p16="http://schemas.microsoft.com/office/powerpoint/2015/main" val="1"/>
-              </p:ext>
-            </p:extLst>
-          </p:nvPr>
-        </p:nvSpPr>
-        <p:spPr>
-          <a:xfrm>
-            <a:off x="10437812" y="0"/>
-            <a:ext cx="685800" cy="1143000"/>
-          </a:xfrm>
-          <a:prstGeom prst="rect">
-            <a:avLst/>
-          </a:prstGeom>
-          <a:solidFill>
-            <a:schemeClr val="accent1"/>
-          </a:solidFill>
-          <a:ln>
-            <a:noFill/>
-          </a:ln>
-        </p:spPr>
-        <p:style>
-          <a:lnRef idx="1">
-            <a:schemeClr val="accent1"/>
-          </a:lnRef>
-          <a:fillRef idx="3">
-            <a:schemeClr val="accent1"/>
-          </a:fillRef>
-          <a:effectRef idx="2">
-            <a:schemeClr val="accent1"/>
-          </a:effectRef>
-          <a:fontRef idx="minor">
-            <a:schemeClr val="lt1"/>
-          </a:fontRef>
-        </p:style>
-      </p:sp>
-      <p:pic>
-        <p:nvPicPr>
-          <p:cNvPr id="11" name="Marcador de contenido 10">
-            <a:extLst>
-              <a:ext uri="{FF2B5EF4-FFF2-40B4-BE49-F238E27FC236}">
-                <a16:creationId xmlns:a16="http://schemas.microsoft.com/office/drawing/2014/main" id="{3F7D11B3-39D8-569D-E183-E43AF8D53ED9}"/>
-              </a:ext>
-            </a:extLst>
-          </p:cNvPr>
-          <p:cNvPicPr>
-            <a:picLocks noGrp="1" noChangeAspect="1"/>
-          </p:cNvPicPr>
-          <p:nvPr>
-            <p:ph idx="1"/>
-          </p:nvPr>
-        </p:nvPicPr>
-        <p:blipFill rotWithShape="1">
-          <a:blip r:embed="rId4"/>
-          <a:srcRect l="22236" t="5225" r="21517" b="4145"/>
-          <a:stretch/>
-        </p:blipFill>
-        <p:spPr>
-          <a:xfrm>
-            <a:off x="6351372" y="958731"/>
-            <a:ext cx="5840627" cy="5899269"/>
-          </a:xfrm>
-        </p:spPr>
-      </p:pic>
-      <p:sp>
-        <p:nvSpPr>
-          <p:cNvPr id="12" name="CuadroTexto 11">
-            <a:extLst>
-              <a:ext uri="{FF2B5EF4-FFF2-40B4-BE49-F238E27FC236}">
-                <a16:creationId xmlns:a16="http://schemas.microsoft.com/office/drawing/2014/main" id="{63C58A24-4EB4-FB48-788F-EEF9689F9E16}"/>
-              </a:ext>
-            </a:extLst>
-          </p:cNvPr>
-          <p:cNvSpPr txBox="1"/>
-          <p:nvPr/>
-        </p:nvSpPr>
-        <p:spPr>
-          <a:xfrm>
-            <a:off x="650668" y="1767016"/>
-            <a:ext cx="4563883" cy="3693319"/>
-          </a:xfrm>
-          <a:prstGeom prst="rect">
-            <a:avLst/>
-          </a:prstGeom>
-          <a:noFill/>
-        </p:spPr>
-        <p:txBody>
-          <a:bodyPr wrap="square" rtlCol="0">
-            <a:spAutoFit/>
-          </a:bodyPr>
-          <a:lstStyle/>
-          <a:p>
-            <a:r>
-              <a:rPr lang="es-MX" dirty="0"/>
-              <a:t>Las redes neuronales son una forma de inteligencia artificial  que intenta simular el comportamiento del cerebro humano.</a:t>
-            </a:r>
-          </a:p>
-          <a:p>
-            <a:endParaRPr lang="es-MX" dirty="0"/>
-          </a:p>
-          <a:p>
-            <a:r>
-              <a:rPr lang="es-MX" dirty="0"/>
-              <a:t>Están construidas por una gran cantidad de neuronas, que se conectan entre sí para procesar la información.</a:t>
-            </a:r>
-          </a:p>
-          <a:p>
-            <a:endParaRPr lang="es-MX" dirty="0"/>
-          </a:p>
-          <a:p>
-            <a:r>
-              <a:rPr lang="es-MX" dirty="0"/>
-              <a:t>Pueden ser usadas para procesar imágenes, entender lenguaje natural y realizar inferencias. </a:t>
-            </a:r>
-          </a:p>
-        </p:txBody>
-      </p:sp>
-    </p:spTree>
-    <p:extLst>
-      <p:ext uri="{BB962C8B-B14F-4D97-AF65-F5344CB8AC3E}">
-        <p14:creationId xmlns:p14="http://schemas.microsoft.com/office/powerpoint/2010/main" val="2333881612"/>
-      </p:ext>
-    </p:extLst>
-  </p:cSld>
-  <p:clrMapOvr>
-    <a:masterClrMapping/>
-  </p:clrMapOvr>
-</p:sld>
-</file>
-
-<file path=ppt/slides/slide3.xml><?xml version="1.0" encoding="utf-8"?>
-<p:sld xmlns:a="http://schemas.openxmlformats.org/drawingml/2006/main" xmlns:r="http://schemas.openxmlformats.org/officeDocument/2006/relationships" xmlns:p="http://schemas.openxmlformats.org/presentationml/2006/main">
-  <p:cSld>
-    <p:bg>
-      <p:bgPr>
-        <a:blipFill rotWithShape="1">
-          <a:blip r:embed="rId3">
-            <a:duotone>
-              <a:schemeClr val="bg2">
-                <a:shade val="62000"/>
-                <a:hueMod val="108000"/>
-                <a:satMod val="164000"/>
-                <a:lumMod val="69000"/>
-              </a:schemeClr>
-              <a:schemeClr val="bg2">
-                <a:tint val="96000"/>
-                <a:hueMod val="90000"/>
-                <a:satMod val="130000"/>
-                <a:lumMod val="134000"/>
-              </a:schemeClr>
-            </a:duotone>
-          </a:blip>
-          <a:stretch/>
-        </a:blipFill>
-        <a:effectLst/>
-      </p:bgPr>
-    </p:bg>
-    <p:spTree>
-      <p:nvGrpSpPr>
-        <p:cNvPr id="1" name=""/>
-        <p:cNvGrpSpPr/>
-        <p:nvPr/>
-      </p:nvGrpSpPr>
-      <p:grpSpPr>
-        <a:xfrm>
-          <a:off x="0" y="0"/>
-          <a:ext cx="0" cy="0"/>
-          <a:chOff x="0" y="0"/>
-          <a:chExt cx="0" cy="0"/>
-        </a:xfrm>
-      </p:grpSpPr>
-      <p:pic>
-        <p:nvPicPr>
-          <p:cNvPr id="49" name="Imagen 48">
-            <a:extLst>
-              <a:ext uri="{FF2B5EF4-FFF2-40B4-BE49-F238E27FC236}">
-                <a16:creationId xmlns:a16="http://schemas.microsoft.com/office/drawing/2014/main" id="{AA085689-791F-4B8F-9F30-12415B97D366}"/>
-              </a:ext>
-              <a:ext uri="{C183D7F6-B498-43B3-948B-1728B52AA6E4}">
-                <adec:decorative xmlns:adec="http://schemas.microsoft.com/office/drawing/2017/decorative" val="1"/>
-              </a:ext>
-            </a:extLst>
-          </p:cNvPr>
-          <p:cNvPicPr>
-            <a:picLocks noGrp="1" noRot="1" noChangeAspect="1" noMove="1" noResize="1" noEditPoints="1" noAdjustHandles="1" noChangeArrowheads="1" noChangeShapeType="1" noCrop="1"/>
-          </p:cNvPicPr>
-          <p:nvPr>
-            <p:extLst>
-              <p:ext uri="{386F3935-93C4-4BCD-93E2-E3B085C9AB24}">
-                <p16:designElem xmlns:p16="http://schemas.microsoft.com/office/powerpoint/2015/main" val="1"/>
-              </p:ext>
-            </p:extLst>
-          </p:nvPr>
-        </p:nvPicPr>
-        <p:blipFill rotWithShape="1">
-          <a:blip r:embed="rId4">
-            <a:extLst>
-              <a:ext uri="{28A0092B-C50C-407E-A947-70E740481C1C}">
-                <a14:useLocalDpi xmlns:a14="http://schemas.microsoft.com/office/drawing/2010/main"/>
-              </a:ext>
-            </a:extLst>
-          </a:blip>
-          <a:srcRect l="3613"/>
-          <a:stretch/>
-        </p:blipFill>
-        <p:spPr>
-          <a:xfrm>
-            <a:off x="0" y="2669685"/>
-            <a:ext cx="4037012" cy="4188315"/>
-          </a:xfrm>
-          <a:prstGeom prst="rect">
-            <a:avLst/>
-          </a:prstGeom>
-        </p:spPr>
-      </p:pic>
-      <p:pic>
-        <p:nvPicPr>
-          <p:cNvPr id="51" name="Imagen 50">
-            <a:extLst>
-              <a:ext uri="{FF2B5EF4-FFF2-40B4-BE49-F238E27FC236}">
-                <a16:creationId xmlns:a16="http://schemas.microsoft.com/office/drawing/2014/main" id="{AA3FED7F-6821-47C0-A464-E9278B24129E}"/>
-              </a:ext>
-              <a:ext uri="{C183D7F6-B498-43B3-948B-1728B52AA6E4}">
-                <adec:decorative xmlns:adec="http://schemas.microsoft.com/office/drawing/2017/decorative" val="1"/>
-              </a:ext>
-            </a:extLst>
-          </p:cNvPr>
-          <p:cNvPicPr>
-            <a:picLocks noGrp="1" noRot="1" noChangeAspect="1" noMove="1" noResize="1" noEditPoints="1" noAdjustHandles="1" noChangeArrowheads="1" noChangeShapeType="1" noCrop="1"/>
-          </p:cNvPicPr>
-          <p:nvPr>
-            <p:extLst>
-              <p:ext uri="{386F3935-93C4-4BCD-93E2-E3B085C9AB24}">
-                <p16:designElem xmlns:p16="http://schemas.microsoft.com/office/powerpoint/2015/main" val="1"/>
-              </p:ext>
-            </p:extLst>
-          </p:nvPr>
-        </p:nvPicPr>
-        <p:blipFill rotWithShape="1">
-          <a:blip r:embed="rId5">
-            <a:extLst>
-              <a:ext uri="{28A0092B-C50C-407E-A947-70E740481C1C}">
-                <a14:useLocalDpi xmlns:a14="http://schemas.microsoft.com/office/drawing/2010/main"/>
-              </a:ext>
-            </a:extLst>
-          </a:blip>
-          <a:srcRect l="35640"/>
-          <a:stretch/>
-        </p:blipFill>
-        <p:spPr>
-          <a:xfrm>
-            <a:off x="0" y="2892347"/>
-            <a:ext cx="1522412" cy="2365453"/>
-          </a:xfrm>
-          <a:prstGeom prst="rect">
-            <a:avLst/>
-          </a:prstGeom>
-        </p:spPr>
-      </p:pic>
-      <p:sp>
-        <p:nvSpPr>
-          <p:cNvPr id="53" name="Elipse 52">
-            <a:extLst>
-              <a:ext uri="{FF2B5EF4-FFF2-40B4-BE49-F238E27FC236}">
-                <a16:creationId xmlns:a16="http://schemas.microsoft.com/office/drawing/2014/main" id="{8F54B2FB-3F54-4350-8D1B-F86D677CA7ED}"/>
-              </a:ext>
-              <a:ext uri="{C183D7F6-B498-43B3-948B-1728B52AA6E4}">
-                <adec:decorative xmlns:adec="http://schemas.microsoft.com/office/drawing/2017/decorative" val="1"/>
-              </a:ext>
-            </a:extLst>
-          </p:cNvPr>
-          <p:cNvSpPr>
-            <a:spLocks noGrp="1" noRot="1" noChangeAspect="1" noMove="1" noResize="1" noEditPoints="1" noAdjustHandles="1" noChangeArrowheads="1" noChangeShapeType="1" noTextEdit="1"/>
-          </p:cNvSpPr>
-          <p:nvPr>
-            <p:extLst>
-              <p:ext uri="{386F3935-93C4-4BCD-93E2-E3B085C9AB24}">
-                <p16:designElem xmlns:p16="http://schemas.microsoft.com/office/powerpoint/2015/main" val="1"/>
-              </p:ext>
-            </p:extLst>
-          </p:nvPr>
-        </p:nvSpPr>
-        <p:spPr>
-          <a:xfrm>
-            <a:off x="8609012" y="1676400"/>
-            <a:ext cx="2819400" cy="2819400"/>
-          </a:xfrm>
-          <a:prstGeom prst="ellipse">
-            <a:avLst/>
-          </a:prstGeom>
-          <a:gradFill flip="none" rotWithShape="1">
-            <a:gsLst>
-              <a:gs pos="0">
-                <a:schemeClr val="bg2">
-                  <a:lumMod val="40000"/>
-                  <a:lumOff val="60000"/>
-                  <a:alpha val="7000"/>
-                </a:schemeClr>
-              </a:gs>
-              <a:gs pos="69000">
-                <a:schemeClr val="bg2">
-                  <a:lumMod val="40000"/>
-                  <a:lumOff val="60000"/>
-                  <a:alpha val="0"/>
-                </a:schemeClr>
-              </a:gs>
-              <a:gs pos="36000">
-                <a:schemeClr val="bg2">
-                  <a:lumMod val="40000"/>
-                  <a:lumOff val="60000"/>
-                  <a:alpha val="6000"/>
-                </a:schemeClr>
-              </a:gs>
-            </a:gsLst>
-            <a:path path="circle">
-              <a:fillToRect l="50000" t="50000" r="50000" b="50000"/>
-            </a:path>
-            <a:tileRect/>
-          </a:gradFill>
-          <a:ln>
-            <a:noFill/>
-          </a:ln>
-          <a:effectLst/>
-        </p:spPr>
-        <p:style>
-          <a:lnRef idx="1">
-            <a:schemeClr val="accent1"/>
-          </a:lnRef>
-          <a:fillRef idx="3">
-            <a:schemeClr val="accent1"/>
-          </a:fillRef>
-          <a:effectRef idx="2">
-            <a:schemeClr val="accent1"/>
-          </a:effectRef>
-          <a:fontRef idx="minor">
-            <a:schemeClr val="lt1"/>
-          </a:fontRef>
-        </p:style>
-      </p:sp>
-      <p:pic>
-        <p:nvPicPr>
-          <p:cNvPr id="55" name="Imagen 54">
-            <a:extLst>
-              <a:ext uri="{FF2B5EF4-FFF2-40B4-BE49-F238E27FC236}">
-                <a16:creationId xmlns:a16="http://schemas.microsoft.com/office/drawing/2014/main" id="{561B34F5-88E5-4711-BC16-3005C29AD7C6}"/>
-              </a:ext>
-              <a:ext uri="{C183D7F6-B498-43B3-948B-1728B52AA6E4}">
-                <adec:decorative xmlns:adec="http://schemas.microsoft.com/office/drawing/2017/decorative" val="1"/>
-              </a:ext>
-            </a:extLst>
-          </p:cNvPr>
-          <p:cNvPicPr>
-            <a:picLocks noGrp="1" noRot="1" noChangeAspect="1" noMove="1" noResize="1" noEditPoints="1" noAdjustHandles="1" noChangeArrowheads="1" noChangeShapeType="1" noCrop="1"/>
-          </p:cNvPicPr>
-          <p:nvPr>
-            <p:extLst>
-              <p:ext uri="{386F3935-93C4-4BCD-93E2-E3B085C9AB24}">
-                <p16:designElem xmlns:p16="http://schemas.microsoft.com/office/powerpoint/2015/main" val="1"/>
-              </p:ext>
-            </p:extLst>
-          </p:nvPr>
-        </p:nvPicPr>
-        <p:blipFill rotWithShape="1">
-          <a:blip r:embed="rId6">
-            <a:extLst>
-              <a:ext uri="{28A0092B-C50C-407E-A947-70E740481C1C}">
-                <a14:useLocalDpi xmlns:a14="http://schemas.microsoft.com/office/drawing/2010/main"/>
-              </a:ext>
-            </a:extLst>
-          </a:blip>
-          <a:srcRect t="28813"/>
-          <a:stretch/>
-        </p:blipFill>
-        <p:spPr>
-          <a:xfrm>
-            <a:off x="7999412" y="0"/>
-            <a:ext cx="1603387" cy="1141407"/>
-          </a:xfrm>
-          <a:prstGeom prst="rect">
-            <a:avLst/>
-          </a:prstGeom>
-        </p:spPr>
-      </p:pic>
-      <p:pic>
-        <p:nvPicPr>
-          <p:cNvPr id="57" name="Imagen 56">
-            <a:extLst>
-              <a:ext uri="{FF2B5EF4-FFF2-40B4-BE49-F238E27FC236}">
-                <a16:creationId xmlns:a16="http://schemas.microsoft.com/office/drawing/2014/main" id="{4F3661D0-2268-4D3E-88BA-0647BCBE33AF}"/>
-              </a:ext>
-              <a:ext uri="{C183D7F6-B498-43B3-948B-1728B52AA6E4}">
-                <adec:decorative xmlns:adec="http://schemas.microsoft.com/office/drawing/2017/decorative" val="1"/>
-              </a:ext>
-            </a:extLst>
-          </p:cNvPr>
-          <p:cNvPicPr>
-            <a:picLocks noGrp="1" noRot="1" noChangeAspect="1" noMove="1" noResize="1" noEditPoints="1" noAdjustHandles="1" noChangeArrowheads="1" noChangeShapeType="1" noCrop="1"/>
-          </p:cNvPicPr>
-          <p:nvPr>
-            <p:extLst>
-              <p:ext uri="{386F3935-93C4-4BCD-93E2-E3B085C9AB24}">
-                <p16:designElem xmlns:p16="http://schemas.microsoft.com/office/powerpoint/2015/main" val="1"/>
-              </p:ext>
-            </p:extLst>
-          </p:nvPr>
-        </p:nvPicPr>
-        <p:blipFill rotWithShape="1">
-          <a:blip r:embed="rId7">
-            <a:extLst>
-              <a:ext uri="{28A0092B-C50C-407E-A947-70E740481C1C}">
-                <a14:useLocalDpi xmlns:a14="http://schemas.microsoft.com/office/drawing/2010/main"/>
-              </a:ext>
-            </a:extLst>
-          </a:blip>
-          <a:srcRect b="23320"/>
-          <a:stretch/>
-        </p:blipFill>
-        <p:spPr>
-          <a:xfrm>
-            <a:off x="8609012" y="6096000"/>
-            <a:ext cx="993734" cy="762000"/>
-          </a:xfrm>
-          <a:prstGeom prst="rect">
-            <a:avLst/>
-          </a:prstGeom>
-        </p:spPr>
-      </p:pic>
-      <p:sp>
-        <p:nvSpPr>
-          <p:cNvPr id="59" name="Rectángulo 58">
-            <a:extLst>
-              <a:ext uri="{FF2B5EF4-FFF2-40B4-BE49-F238E27FC236}">
-                <a16:creationId xmlns:a16="http://schemas.microsoft.com/office/drawing/2014/main" id="{DDB56DB5-0324-4F79-9AB8-CB18C1DC8743}"/>
-              </a:ext>
-              <a:ext uri="{C183D7F6-B498-43B3-948B-1728B52AA6E4}">
-                <adec:decorative xmlns:adec="http://schemas.microsoft.com/office/drawing/2017/decorative" val="1"/>
-              </a:ext>
-            </a:extLst>
-          </p:cNvPr>
-          <p:cNvSpPr>
-            <a:spLocks noGrp="1" noRot="1" noChangeAspect="1" noMove="1" noResize="1" noEditPoints="1" noAdjustHandles="1" noChangeArrowheads="1" noChangeShapeType="1" noTextEdit="1"/>
-          </p:cNvSpPr>
-          <p:nvPr>
-            <p:extLst>
-              <p:ext uri="{386F3935-93C4-4BCD-93E2-E3B085C9AB24}">
-                <p16:designElem xmlns:p16="http://schemas.microsoft.com/office/powerpoint/2015/main" val="1"/>
-              </p:ext>
-            </p:extLst>
-          </p:nvPr>
-        </p:nvSpPr>
-        <p:spPr>
-          <a:xfrm>
-            <a:off x="10437812" y="0"/>
-            <a:ext cx="685800" cy="1143000"/>
-          </a:xfrm>
-          <a:prstGeom prst="rect">
-            <a:avLst/>
-          </a:prstGeom>
-          <a:solidFill>
-            <a:schemeClr val="accent1"/>
-          </a:solidFill>
-          <a:ln>
-            <a:noFill/>
-          </a:ln>
-        </p:spPr>
-        <p:style>
-          <a:lnRef idx="1">
-            <a:schemeClr val="accent1"/>
-          </a:lnRef>
-          <a:fillRef idx="3">
-            <a:schemeClr val="accent1"/>
-          </a:fillRef>
-          <a:effectRef idx="2">
-            <a:schemeClr val="accent1"/>
-          </a:effectRef>
-          <a:fontRef idx="minor">
-            <a:schemeClr val="lt1"/>
-          </a:fontRef>
-        </p:style>
-      </p:sp>
-      <p:sp>
-        <p:nvSpPr>
-          <p:cNvPr id="3" name="Título 2">
-            <a:extLst>
-              <a:ext uri="{FF2B5EF4-FFF2-40B4-BE49-F238E27FC236}">
-                <a16:creationId xmlns:a16="http://schemas.microsoft.com/office/drawing/2014/main" id="{9A850E04-00D7-9AF6-A9C0-571E441C698A}"/>
-              </a:ext>
-            </a:extLst>
-          </p:cNvPr>
-          <p:cNvSpPr>
-            <a:spLocks noGrp="1"/>
-          </p:cNvSpPr>
-          <p:nvPr>
-            <p:ph type="title"/>
-          </p:nvPr>
-        </p:nvSpPr>
-        <p:spPr>
-          <a:xfrm>
-            <a:off x="1393638" y="274277"/>
-            <a:ext cx="9404723" cy="1400530"/>
-          </a:xfrm>
-        </p:spPr>
-        <p:txBody>
-          <a:bodyPr/>
-          <a:lstStyle/>
-          <a:p>
-            <a:r>
-              <a:rPr lang="es-MX" dirty="0"/>
-              <a:t>NN para identificar imágenes o</a:t>
-            </a:r>
-            <a:br>
-              <a:rPr lang="es-MX" dirty="0"/>
-            </a:br>
-            <a:r>
-              <a:rPr lang="es-MX" dirty="0"/>
-              <a:t>NN CONVOLUCIONALES</a:t>
-            </a:r>
-          </a:p>
-        </p:txBody>
-      </p:sp>
-      <p:pic>
-        <p:nvPicPr>
-          <p:cNvPr id="5" name="Imagen 4">
-            <a:extLst>
-              <a:ext uri="{FF2B5EF4-FFF2-40B4-BE49-F238E27FC236}">
-                <a16:creationId xmlns:a16="http://schemas.microsoft.com/office/drawing/2014/main" id="{3FD19286-7AE7-4175-1E70-B87E326E0E32}"/>
-              </a:ext>
-            </a:extLst>
-          </p:cNvPr>
-          <p:cNvPicPr>
-            <a:picLocks noChangeAspect="1"/>
-          </p:cNvPicPr>
-          <p:nvPr/>
-        </p:nvPicPr>
-        <p:blipFill rotWithShape="1">
-          <a:blip r:embed="rId8"/>
-          <a:srcRect t="18960" b="15950"/>
-          <a:stretch/>
-        </p:blipFill>
-        <p:spPr>
-          <a:xfrm>
-            <a:off x="2376881" y="1909006"/>
-            <a:ext cx="7435059" cy="3410465"/>
-          </a:xfrm>
-          <a:prstGeom prst="rect">
-            <a:avLst/>
-          </a:prstGeom>
-        </p:spPr>
-      </p:pic>
-      <p:sp>
-        <p:nvSpPr>
-          <p:cNvPr id="8" name="CuadroTexto 7">
-            <a:extLst>
-              <a:ext uri="{FF2B5EF4-FFF2-40B4-BE49-F238E27FC236}">
-                <a16:creationId xmlns:a16="http://schemas.microsoft.com/office/drawing/2014/main" id="{34A644AD-CD33-7587-DE54-4B0E7D1797D1}"/>
-              </a:ext>
-            </a:extLst>
-          </p:cNvPr>
-          <p:cNvSpPr txBox="1"/>
-          <p:nvPr/>
-        </p:nvSpPr>
-        <p:spPr>
-          <a:xfrm>
-            <a:off x="1602730" y="5553670"/>
-            <a:ext cx="8983362" cy="923330"/>
-          </a:xfrm>
-          <a:prstGeom prst="rect">
-            <a:avLst/>
-          </a:prstGeom>
-          <a:noFill/>
-        </p:spPr>
-        <p:txBody>
-          <a:bodyPr wrap="square" rtlCol="0">
-            <a:spAutoFit/>
-          </a:bodyPr>
-          <a:lstStyle/>
-          <a:p>
-            <a:r>
-              <a:rPr lang="es-MX" i="1" dirty="0"/>
-              <a:t>La convolución consiste en realizar un barrido de la imagen para tomar grupos de píxeles cercanos entre sí de la imagen de entrada y realizar un producto punto contra un kernel.</a:t>
-            </a:r>
-          </a:p>
-        </p:txBody>
-      </p:sp>
-    </p:spTree>
-    <p:extLst>
-      <p:ext uri="{BB962C8B-B14F-4D97-AF65-F5344CB8AC3E}">
-        <p14:creationId xmlns:p14="http://schemas.microsoft.com/office/powerpoint/2010/main" val="555089011"/>
-      </p:ext>
-    </p:extLst>
-  </p:cSld>
-  <p:clrMapOvr>
-    <a:masterClrMapping/>
-  </p:clrMapOvr>
-</p:sld>
-</file>
-
-<file path=ppt/slides/slide4.xml><?xml version="1.0" encoding="utf-8"?>
+<file path=ppt/slides/slide10.xml><?xml version="1.0" encoding="utf-8"?>
 <p:sld xmlns:a="http://schemas.openxmlformats.org/drawingml/2006/main" xmlns:r="http://schemas.openxmlformats.org/officeDocument/2006/relationships" xmlns:p="http://schemas.openxmlformats.org/presentationml/2006/main">
   <p:cSld>
     <p:bg>
@@ -8331,7 +7857,7 @@
         </p:blipFill>
         <p:spPr>
           <a:xfrm flipH="1">
-            <a:off x="20" y="10"/>
+            <a:off x="20" y="0"/>
             <a:ext cx="12191980" cy="6857990"/>
           </a:xfrm>
           <a:prstGeom prst="rect">
@@ -8394,10 +7920,10 @@
       </p:sp>
       <p:sp>
         <p:nvSpPr>
-          <p:cNvPr id="6" name="Título 2">
+          <p:cNvPr id="4" name="Título 2">
             <a:extLst>
               <a:ext uri="{FF2B5EF4-FFF2-40B4-BE49-F238E27FC236}">
-                <a16:creationId xmlns:a16="http://schemas.microsoft.com/office/drawing/2014/main" id="{78DCA2BF-DACB-0E52-6E1B-4D80B2AFF064}"/>
+                <a16:creationId xmlns:a16="http://schemas.microsoft.com/office/drawing/2014/main" id="{0AFC5A94-3110-0FBC-FB9E-34D496CF3959}"/>
               </a:ext>
             </a:extLst>
           </p:cNvPr>
@@ -8408,8 +7934,8 @@
         </p:nvSpPr>
         <p:spPr>
           <a:xfrm>
-            <a:off x="2443963" y="185118"/>
-            <a:ext cx="9404723" cy="772764"/>
+            <a:off x="1801411" y="173896"/>
+            <a:ext cx="3289573" cy="795208"/>
           </a:xfrm>
           <a:prstGeom prst="rect">
             <a:avLst/>
@@ -8493,96 +8019,199 @@
           </a:lstStyle>
           <a:p>
             <a:r>
-              <a:rPr lang="es-MX" sz="4000" dirty="0"/>
-              <a:t>NN CONVOLUCIONALES</a:t>
-            </a:r>
-          </a:p>
-        </p:txBody>
-      </p:sp>
-      <p:sp>
-        <p:nvSpPr>
-          <p:cNvPr id="7" name="CuadroTexto 6">
+              <a:rPr lang="es-MX" sz="4400" dirty="0"/>
+              <a:t>CÓDIGO</a:t>
+            </a:r>
+          </a:p>
+        </p:txBody>
+      </p:sp>
+    </p:spTree>
+    <p:extLst>
+      <p:ext uri="{BB962C8B-B14F-4D97-AF65-F5344CB8AC3E}">
+        <p14:creationId xmlns:p14="http://schemas.microsoft.com/office/powerpoint/2010/main" val="879875596"/>
+      </p:ext>
+    </p:extLst>
+  </p:cSld>
+  <p:clrMapOvr>
+    <a:masterClrMapping/>
+  </p:clrMapOvr>
+</p:sld>
+</file>
+
+<file path=ppt/slides/slide11.xml><?xml version="1.0" encoding="utf-8"?>
+<p:sld xmlns:a="http://schemas.openxmlformats.org/drawingml/2006/main" xmlns:r="http://schemas.openxmlformats.org/officeDocument/2006/relationships" xmlns:p="http://schemas.openxmlformats.org/presentationml/2006/main">
+  <p:cSld>
+    <p:bg>
+      <p:bgPr>
+        <a:blipFill rotWithShape="1">
+          <a:blip r:embed="rId3">
+            <a:duotone>
+              <a:schemeClr val="bg2">
+                <a:shade val="62000"/>
+                <a:hueMod val="108000"/>
+                <a:satMod val="164000"/>
+                <a:lumMod val="69000"/>
+              </a:schemeClr>
+              <a:schemeClr val="bg2">
+                <a:tint val="96000"/>
+                <a:hueMod val="90000"/>
+                <a:satMod val="130000"/>
+                <a:lumMod val="134000"/>
+              </a:schemeClr>
+            </a:duotone>
+          </a:blip>
+          <a:stretch/>
+        </a:blipFill>
+        <a:effectLst/>
+      </p:bgPr>
+    </p:bg>
+    <p:spTree>
+      <p:nvGrpSpPr>
+        <p:cNvPr id="1" name=""/>
+        <p:cNvGrpSpPr/>
+        <p:nvPr/>
+      </p:nvGrpSpPr>
+      <p:grpSpPr>
+        <a:xfrm>
+          <a:off x="0" y="0"/>
+          <a:ext cx="0" cy="0"/>
+          <a:chOff x="0" y="0"/>
+          <a:chExt cx="0" cy="0"/>
+        </a:xfrm>
+      </p:grpSpPr>
+      <p:pic>
+        <p:nvPicPr>
+          <p:cNvPr id="15" name="Imagen 14" descr="diseño abstracto">
             <a:extLst>
               <a:ext uri="{FF2B5EF4-FFF2-40B4-BE49-F238E27FC236}">
-                <a16:creationId xmlns:a16="http://schemas.microsoft.com/office/drawing/2014/main" id="{E84792A2-82FA-A087-0A53-8A8D330CFA34}"/>
+                <a16:creationId xmlns:a16="http://schemas.microsoft.com/office/drawing/2014/main" id="{6D363037-1741-4470-A023-883E2FFD5840}"/>
               </a:ext>
             </a:extLst>
           </p:cNvPr>
-          <p:cNvSpPr txBox="1"/>
+          <p:cNvPicPr>
+            <a:picLocks noChangeAspect="1"/>
+          </p:cNvPicPr>
           <p:nvPr/>
-        </p:nvSpPr>
-        <p:spPr>
-          <a:xfrm>
-            <a:off x="972534" y="1142990"/>
-            <a:ext cx="1733595" cy="523220"/>
+        </p:nvPicPr>
+        <p:blipFill rotWithShape="1">
+          <a:blip r:embed="rId4">
+            <a:duotone>
+              <a:prstClr val="black"/>
+              <a:schemeClr val="accent5">
+                <a:tint val="45000"/>
+                <a:satMod val="400000"/>
+              </a:schemeClr>
+            </a:duotone>
+            <a:alphaModFix amt="25000"/>
+          </a:blip>
+          <a:srcRect t="18308" r="6818" b="2872"/>
+          <a:stretch/>
+        </p:blipFill>
+        <p:spPr>
+          <a:xfrm flipH="1">
+            <a:off x="20" y="10"/>
+            <a:ext cx="12191980" cy="6857990"/>
           </a:xfrm>
           <a:prstGeom prst="rect">
             <a:avLst/>
           </a:prstGeom>
-          <a:noFill/>
-        </p:spPr>
-        <p:txBody>
-          <a:bodyPr wrap="square" rtlCol="0">
-            <a:spAutoFit/>
+        </p:spPr>
+      </p:pic>
+      <p:sp>
+        <p:nvSpPr>
+          <p:cNvPr id="12" name="Título 11">
+            <a:extLst>
+              <a:ext uri="{FF2B5EF4-FFF2-40B4-BE49-F238E27FC236}">
+                <a16:creationId xmlns:a16="http://schemas.microsoft.com/office/drawing/2014/main" id="{970C361B-D32E-42E0-A41E-86C3D9AC886F}"/>
+              </a:ext>
+            </a:extLst>
+          </p:cNvPr>
+          <p:cNvSpPr>
+            <a:spLocks noGrp="1"/>
+          </p:cNvSpPr>
+          <p:nvPr>
+            <p:ph type="ctrTitle"/>
+          </p:nvPr>
+        </p:nvSpPr>
+        <p:spPr>
+          <a:xfrm>
+            <a:off x="806087" y="333633"/>
+            <a:ext cx="8825658" cy="1070354"/>
+          </a:xfrm>
+        </p:spPr>
+        <p:txBody>
+          <a:bodyPr rtlCol="0">
+            <a:normAutofit fontScale="90000"/>
           </a:bodyPr>
           <a:lstStyle/>
           <a:p>
-            <a:r>
-              <a:rPr lang="es-MX" sz="2800" i="1" dirty="0"/>
-              <a:t>¿</a:t>
-            </a:r>
-            <a:r>
-              <a:rPr lang="es-MX" sz="2800" dirty="0"/>
-              <a:t>Kernel</a:t>
-            </a:r>
-            <a:r>
-              <a:rPr lang="es-MX" sz="2800" i="1" dirty="0"/>
-              <a:t>?</a:t>
-            </a:r>
-          </a:p>
-        </p:txBody>
-      </p:sp>
-      <p:sp>
-        <p:nvSpPr>
-          <p:cNvPr id="8" name="CuadroTexto 7">
+            <a:pPr rtl="0"/>
+            <a:r>
+              <a:rPr lang="es-MX" dirty="0"/>
+              <a:t>Gracias</a:t>
+            </a:r>
+          </a:p>
+        </p:txBody>
+      </p:sp>
+      <p:sp>
+        <p:nvSpPr>
+          <p:cNvPr id="57" name="Rectángulo 56">
             <a:extLst>
               <a:ext uri="{FF2B5EF4-FFF2-40B4-BE49-F238E27FC236}">
-                <a16:creationId xmlns:a16="http://schemas.microsoft.com/office/drawing/2014/main" id="{184DAED6-16D3-003C-4412-63F2240D366E}"/>
+                <a16:creationId xmlns:a16="http://schemas.microsoft.com/office/drawing/2014/main" id="{318E9D62-7BA3-4D5E-8915-0D0E8661E3D7}"/>
+              </a:ext>
+              <a:ext uri="{C183D7F6-B498-43B3-948B-1728B52AA6E4}">
+                <adec:decorative xmlns:adec="http://schemas.microsoft.com/office/drawing/2017/decorative" val="1"/>
               </a:ext>
             </a:extLst>
           </p:cNvPr>
-          <p:cNvSpPr txBox="1"/>
-          <p:nvPr/>
-        </p:nvSpPr>
-        <p:spPr>
-          <a:xfrm>
-            <a:off x="842437" y="1738569"/>
-            <a:ext cx="10507126" cy="1569660"/>
+          <p:cNvSpPr>
+            <a:spLocks noGrp="1" noRot="1" noChangeAspect="1" noMove="1" noResize="1" noEditPoints="1" noAdjustHandles="1" noChangeArrowheads="1" noChangeShapeType="1" noTextEdit="1"/>
+          </p:cNvSpPr>
+          <p:nvPr>
+            <p:extLst>
+              <p:ext uri="{386F3935-93C4-4BCD-93E2-E3B085C9AB24}">
+                <p16:designElem xmlns:p16="http://schemas.microsoft.com/office/powerpoint/2015/main" val="1"/>
+              </p:ext>
+            </p:extLst>
+          </p:nvPr>
+        </p:nvSpPr>
+        <p:spPr>
+          <a:xfrm>
+            <a:off x="10437812" y="0"/>
+            <a:ext cx="685800" cy="1143000"/>
           </a:xfrm>
           <a:prstGeom prst="rect">
             <a:avLst/>
           </a:prstGeom>
-          <a:noFill/>
-        </p:spPr>
-        <p:txBody>
-          <a:bodyPr wrap="square" rtlCol="0">
-            <a:spAutoFit/>
-          </a:bodyPr>
-          <a:lstStyle/>
-          <a:p>
-            <a:r>
-              <a:rPr lang="es-MX" sz="2400" i="1" dirty="0"/>
-              <a:t>Es un filtro, el cual, se le aplica a la imagen a procesar para así extraer características especiales de la imagen para después hacer uso de estos nuevos valores filtrados. Principalmente se detectan bordes, desenfoque, entre otras características. </a:t>
-            </a:r>
-          </a:p>
-        </p:txBody>
+          <a:solidFill>
+            <a:schemeClr val="accent1"/>
+          </a:solidFill>
+          <a:ln>
+            <a:noFill/>
+          </a:ln>
+        </p:spPr>
+        <p:style>
+          <a:lnRef idx="1">
+            <a:schemeClr val="accent1"/>
+          </a:lnRef>
+          <a:fillRef idx="3">
+            <a:schemeClr val="accent1"/>
+          </a:fillRef>
+          <a:effectRef idx="2">
+            <a:schemeClr val="accent1"/>
+          </a:effectRef>
+          <a:fontRef idx="minor">
+            <a:schemeClr val="lt1"/>
+          </a:fontRef>
+        </p:style>
       </p:sp>
       <p:pic>
         <p:nvPicPr>
-          <p:cNvPr id="10" name="Imagen 9">
+          <p:cNvPr id="5" name="Imagen 4">
             <a:extLst>
               <a:ext uri="{FF2B5EF4-FFF2-40B4-BE49-F238E27FC236}">
-                <a16:creationId xmlns:a16="http://schemas.microsoft.com/office/drawing/2014/main" id="{3D712274-6CD8-36E4-1A45-7C9617227A7B}"/>
+                <a16:creationId xmlns:a16="http://schemas.microsoft.com/office/drawing/2014/main" id="{832D7B0F-F137-A3EF-D9D5-AC43398EADB1}"/>
               </a:ext>
             </a:extLst>
           </p:cNvPr>
@@ -8599,8 +8228,8 @@
         </p:blipFill>
         <p:spPr>
           <a:xfrm>
-            <a:off x="2662739" y="3631198"/>
-            <a:ext cx="6866522" cy="2903833"/>
+            <a:off x="934351" y="1737610"/>
+            <a:ext cx="3650006" cy="3650006"/>
           </a:xfrm>
           <a:prstGeom prst="rect">
             <a:avLst/>
@@ -8610,7 +8239,1123 @@
     </p:spTree>
     <p:extLst>
       <p:ext uri="{BB962C8B-B14F-4D97-AF65-F5344CB8AC3E}">
-        <p14:creationId xmlns:p14="http://schemas.microsoft.com/office/powerpoint/2010/main" val="510767980"/>
+        <p14:creationId xmlns:p14="http://schemas.microsoft.com/office/powerpoint/2010/main" val="1691836883"/>
+      </p:ext>
+    </p:extLst>
+  </p:cSld>
+  <p:clrMapOvr>
+    <a:masterClrMapping/>
+  </p:clrMapOvr>
+</p:sld>
+</file>
+
+<file path=ppt/slides/slide2.xml><?xml version="1.0" encoding="utf-8"?>
+<p:sld xmlns:a="http://schemas.openxmlformats.org/drawingml/2006/main" xmlns:r="http://schemas.openxmlformats.org/officeDocument/2006/relationships" xmlns:p="http://schemas.openxmlformats.org/presentationml/2006/main">
+  <p:cSld>
+    <p:bg>
+      <p:bgPr>
+        <a:blipFill rotWithShape="1">
+          <a:blip r:embed="rId3">
+            <a:duotone>
+              <a:schemeClr val="bg2">
+                <a:shade val="62000"/>
+                <a:hueMod val="108000"/>
+                <a:satMod val="164000"/>
+                <a:lumMod val="69000"/>
+              </a:schemeClr>
+              <a:schemeClr val="bg2">
+                <a:tint val="96000"/>
+                <a:hueMod val="90000"/>
+                <a:satMod val="130000"/>
+                <a:lumMod val="134000"/>
+              </a:schemeClr>
+            </a:duotone>
+          </a:blip>
+          <a:stretch/>
+        </a:blipFill>
+        <a:effectLst/>
+      </p:bgPr>
+    </p:bg>
+    <p:spTree>
+      <p:nvGrpSpPr>
+        <p:cNvPr id="1" name=""/>
+        <p:cNvGrpSpPr/>
+        <p:nvPr/>
+      </p:nvGrpSpPr>
+      <p:grpSpPr>
+        <a:xfrm>
+          <a:off x="0" y="0"/>
+          <a:ext cx="0" cy="0"/>
+          <a:chOff x="0" y="0"/>
+          <a:chExt cx="0" cy="0"/>
+        </a:xfrm>
+      </p:grpSpPr>
+      <p:sp>
+        <p:nvSpPr>
+          <p:cNvPr id="2" name="Título 1">
+            <a:extLst>
+              <a:ext uri="{FF2B5EF4-FFF2-40B4-BE49-F238E27FC236}">
+                <a16:creationId xmlns:a16="http://schemas.microsoft.com/office/drawing/2014/main" id="{CC4174D3-6B10-409E-9110-EEBEAA7E38C0}"/>
+              </a:ext>
+            </a:extLst>
+          </p:cNvPr>
+          <p:cNvSpPr>
+            <a:spLocks noGrp="1"/>
+          </p:cNvSpPr>
+          <p:nvPr>
+            <p:ph type="title"/>
+          </p:nvPr>
+        </p:nvSpPr>
+        <p:spPr>
+          <a:xfrm>
+            <a:off x="650668" y="629266"/>
+            <a:ext cx="4802031" cy="643480"/>
+          </a:xfrm>
+        </p:spPr>
+        <p:txBody>
+          <a:bodyPr rtlCol="0">
+            <a:normAutofit fontScale="90000"/>
+          </a:bodyPr>
+          <a:lstStyle/>
+          <a:p>
+            <a:pPr rtl="0"/>
+            <a:r>
+              <a:rPr lang="es-MX" dirty="0"/>
+              <a:t>Introducción</a:t>
+            </a:r>
+          </a:p>
+        </p:txBody>
+      </p:sp>
+      <p:sp>
+        <p:nvSpPr>
+          <p:cNvPr id="78" name="Rectángulo 77">
+            <a:extLst>
+              <a:ext uri="{FF2B5EF4-FFF2-40B4-BE49-F238E27FC236}">
+                <a16:creationId xmlns:a16="http://schemas.microsoft.com/office/drawing/2014/main" id="{7527E565-DE8D-445C-9879-AD1D04415A78}"/>
+              </a:ext>
+              <a:ext uri="{C183D7F6-B498-43B3-948B-1728B52AA6E4}">
+                <adec:decorative xmlns:adec="http://schemas.microsoft.com/office/drawing/2017/decorative" val="1"/>
+              </a:ext>
+            </a:extLst>
+          </p:cNvPr>
+          <p:cNvSpPr>
+            <a:spLocks noGrp="1" noRot="1" noChangeAspect="1" noMove="1" noResize="1" noEditPoints="1" noAdjustHandles="1" noChangeArrowheads="1" noChangeShapeType="1" noTextEdit="1"/>
+          </p:cNvSpPr>
+          <p:nvPr>
+            <p:extLst>
+              <p:ext uri="{386F3935-93C4-4BCD-93E2-E3B085C9AB24}">
+                <p16:designElem xmlns:p16="http://schemas.microsoft.com/office/powerpoint/2015/main" val="1"/>
+              </p:ext>
+            </p:extLst>
+          </p:nvPr>
+        </p:nvSpPr>
+        <p:spPr>
+          <a:xfrm>
+            <a:off x="10437812" y="0"/>
+            <a:ext cx="685800" cy="1143000"/>
+          </a:xfrm>
+          <a:prstGeom prst="rect">
+            <a:avLst/>
+          </a:prstGeom>
+          <a:solidFill>
+            <a:schemeClr val="accent1"/>
+          </a:solidFill>
+          <a:ln>
+            <a:noFill/>
+          </a:ln>
+        </p:spPr>
+        <p:style>
+          <a:lnRef idx="1">
+            <a:schemeClr val="accent1"/>
+          </a:lnRef>
+          <a:fillRef idx="3">
+            <a:schemeClr val="accent1"/>
+          </a:fillRef>
+          <a:effectRef idx="2">
+            <a:schemeClr val="accent1"/>
+          </a:effectRef>
+          <a:fontRef idx="minor">
+            <a:schemeClr val="lt1"/>
+          </a:fontRef>
+        </p:style>
+      </p:sp>
+      <p:pic>
+        <p:nvPicPr>
+          <p:cNvPr id="11" name="Marcador de contenido 10">
+            <a:extLst>
+              <a:ext uri="{FF2B5EF4-FFF2-40B4-BE49-F238E27FC236}">
+                <a16:creationId xmlns:a16="http://schemas.microsoft.com/office/drawing/2014/main" id="{3F7D11B3-39D8-569D-E183-E43AF8D53ED9}"/>
+              </a:ext>
+            </a:extLst>
+          </p:cNvPr>
+          <p:cNvPicPr>
+            <a:picLocks noGrp="1" noChangeAspect="1"/>
+          </p:cNvPicPr>
+          <p:nvPr>
+            <p:ph idx="1"/>
+          </p:nvPr>
+        </p:nvPicPr>
+        <p:blipFill rotWithShape="1">
+          <a:blip r:embed="rId4"/>
+          <a:srcRect l="22236" t="5225" r="21517" b="4145"/>
+          <a:stretch/>
+        </p:blipFill>
+        <p:spPr>
+          <a:xfrm>
+            <a:off x="6351372" y="958731"/>
+            <a:ext cx="5840627" cy="5899269"/>
+          </a:xfrm>
+        </p:spPr>
+      </p:pic>
+      <p:sp>
+        <p:nvSpPr>
+          <p:cNvPr id="12" name="CuadroTexto 11">
+            <a:extLst>
+              <a:ext uri="{FF2B5EF4-FFF2-40B4-BE49-F238E27FC236}">
+                <a16:creationId xmlns:a16="http://schemas.microsoft.com/office/drawing/2014/main" id="{63C58A24-4EB4-FB48-788F-EEF9689F9E16}"/>
+              </a:ext>
+            </a:extLst>
+          </p:cNvPr>
+          <p:cNvSpPr txBox="1"/>
+          <p:nvPr/>
+        </p:nvSpPr>
+        <p:spPr>
+          <a:xfrm>
+            <a:off x="650668" y="1767016"/>
+            <a:ext cx="4563883" cy="3693319"/>
+          </a:xfrm>
+          <a:prstGeom prst="rect">
+            <a:avLst/>
+          </a:prstGeom>
+          <a:noFill/>
+        </p:spPr>
+        <p:txBody>
+          <a:bodyPr wrap="square" rtlCol="0">
+            <a:spAutoFit/>
+          </a:bodyPr>
+          <a:lstStyle/>
+          <a:p>
+            <a:r>
+              <a:rPr lang="es-MX" dirty="0"/>
+              <a:t>Las redes neuronales son una forma de inteligencia artificial  que intenta simular el comportamiento del cerebro humano.</a:t>
+            </a:r>
+          </a:p>
+          <a:p>
+            <a:endParaRPr lang="es-MX" dirty="0"/>
+          </a:p>
+          <a:p>
+            <a:r>
+              <a:rPr lang="es-MX" dirty="0"/>
+              <a:t>Están construidas por una gran cantidad de neuronas, que se conectan entre sí para procesar la información.</a:t>
+            </a:r>
+          </a:p>
+          <a:p>
+            <a:endParaRPr lang="es-MX" dirty="0"/>
+          </a:p>
+          <a:p>
+            <a:r>
+              <a:rPr lang="es-MX" dirty="0"/>
+              <a:t>Pueden ser usadas para procesar imágenes, entender lenguaje natural y realizar inferencias. </a:t>
+            </a:r>
+          </a:p>
+        </p:txBody>
+      </p:sp>
+    </p:spTree>
+    <p:extLst>
+      <p:ext uri="{BB962C8B-B14F-4D97-AF65-F5344CB8AC3E}">
+        <p14:creationId xmlns:p14="http://schemas.microsoft.com/office/powerpoint/2010/main" val="2333881612"/>
+      </p:ext>
+    </p:extLst>
+  </p:cSld>
+  <p:clrMapOvr>
+    <a:masterClrMapping/>
+  </p:clrMapOvr>
+</p:sld>
+</file>
+
+<file path=ppt/slides/slide3.xml><?xml version="1.0" encoding="utf-8"?>
+<p:sld xmlns:a="http://schemas.openxmlformats.org/drawingml/2006/main" xmlns:r="http://schemas.openxmlformats.org/officeDocument/2006/relationships" xmlns:p="http://schemas.openxmlformats.org/presentationml/2006/main">
+  <p:cSld>
+    <p:bg>
+      <p:bgPr>
+        <a:blipFill rotWithShape="1">
+          <a:blip r:embed="rId3">
+            <a:duotone>
+              <a:schemeClr val="bg2">
+                <a:shade val="62000"/>
+                <a:hueMod val="108000"/>
+                <a:satMod val="164000"/>
+                <a:lumMod val="69000"/>
+              </a:schemeClr>
+              <a:schemeClr val="bg2">
+                <a:tint val="96000"/>
+                <a:hueMod val="90000"/>
+                <a:satMod val="130000"/>
+                <a:lumMod val="134000"/>
+              </a:schemeClr>
+            </a:duotone>
+          </a:blip>
+          <a:stretch/>
+        </a:blipFill>
+        <a:effectLst/>
+      </p:bgPr>
+    </p:bg>
+    <p:spTree>
+      <p:nvGrpSpPr>
+        <p:cNvPr id="1" name=""/>
+        <p:cNvGrpSpPr/>
+        <p:nvPr/>
+      </p:nvGrpSpPr>
+      <p:grpSpPr>
+        <a:xfrm>
+          <a:off x="0" y="0"/>
+          <a:ext cx="0" cy="0"/>
+          <a:chOff x="0" y="0"/>
+          <a:chExt cx="0" cy="0"/>
+        </a:xfrm>
+      </p:grpSpPr>
+      <p:pic>
+        <p:nvPicPr>
+          <p:cNvPr id="49" name="Imagen 48">
+            <a:extLst>
+              <a:ext uri="{FF2B5EF4-FFF2-40B4-BE49-F238E27FC236}">
+                <a16:creationId xmlns:a16="http://schemas.microsoft.com/office/drawing/2014/main" id="{AA085689-791F-4B8F-9F30-12415B97D366}"/>
+              </a:ext>
+              <a:ext uri="{C183D7F6-B498-43B3-948B-1728B52AA6E4}">
+                <adec:decorative xmlns:adec="http://schemas.microsoft.com/office/drawing/2017/decorative" val="1"/>
+              </a:ext>
+            </a:extLst>
+          </p:cNvPr>
+          <p:cNvPicPr>
+            <a:picLocks noGrp="1" noRot="1" noChangeAspect="1" noMove="1" noResize="1" noEditPoints="1" noAdjustHandles="1" noChangeArrowheads="1" noChangeShapeType="1" noCrop="1"/>
+          </p:cNvPicPr>
+          <p:nvPr>
+            <p:extLst>
+              <p:ext uri="{386F3935-93C4-4BCD-93E2-E3B085C9AB24}">
+                <p16:designElem xmlns:p16="http://schemas.microsoft.com/office/powerpoint/2015/main" val="1"/>
+              </p:ext>
+            </p:extLst>
+          </p:nvPr>
+        </p:nvPicPr>
+        <p:blipFill rotWithShape="1">
+          <a:blip r:embed="rId4">
+            <a:extLst>
+              <a:ext uri="{28A0092B-C50C-407E-A947-70E740481C1C}">
+                <a14:useLocalDpi xmlns:a14="http://schemas.microsoft.com/office/drawing/2010/main"/>
+              </a:ext>
+            </a:extLst>
+          </a:blip>
+          <a:srcRect l="3613"/>
+          <a:stretch/>
+        </p:blipFill>
+        <p:spPr>
+          <a:xfrm>
+            <a:off x="0" y="2669685"/>
+            <a:ext cx="4037012" cy="4188315"/>
+          </a:xfrm>
+          <a:prstGeom prst="rect">
+            <a:avLst/>
+          </a:prstGeom>
+        </p:spPr>
+      </p:pic>
+      <p:pic>
+        <p:nvPicPr>
+          <p:cNvPr id="51" name="Imagen 50">
+            <a:extLst>
+              <a:ext uri="{FF2B5EF4-FFF2-40B4-BE49-F238E27FC236}">
+                <a16:creationId xmlns:a16="http://schemas.microsoft.com/office/drawing/2014/main" id="{AA3FED7F-6821-47C0-A464-E9278B24129E}"/>
+              </a:ext>
+              <a:ext uri="{C183D7F6-B498-43B3-948B-1728B52AA6E4}">
+                <adec:decorative xmlns:adec="http://schemas.microsoft.com/office/drawing/2017/decorative" val="1"/>
+              </a:ext>
+            </a:extLst>
+          </p:cNvPr>
+          <p:cNvPicPr>
+            <a:picLocks noGrp="1" noRot="1" noChangeAspect="1" noMove="1" noResize="1" noEditPoints="1" noAdjustHandles="1" noChangeArrowheads="1" noChangeShapeType="1" noCrop="1"/>
+          </p:cNvPicPr>
+          <p:nvPr>
+            <p:extLst>
+              <p:ext uri="{386F3935-93C4-4BCD-93E2-E3B085C9AB24}">
+                <p16:designElem xmlns:p16="http://schemas.microsoft.com/office/powerpoint/2015/main" val="1"/>
+              </p:ext>
+            </p:extLst>
+          </p:nvPr>
+        </p:nvPicPr>
+        <p:blipFill rotWithShape="1">
+          <a:blip r:embed="rId5">
+            <a:extLst>
+              <a:ext uri="{28A0092B-C50C-407E-A947-70E740481C1C}">
+                <a14:useLocalDpi xmlns:a14="http://schemas.microsoft.com/office/drawing/2010/main"/>
+              </a:ext>
+            </a:extLst>
+          </a:blip>
+          <a:srcRect l="35640"/>
+          <a:stretch/>
+        </p:blipFill>
+        <p:spPr>
+          <a:xfrm>
+            <a:off x="0" y="2892347"/>
+            <a:ext cx="1522412" cy="2365453"/>
+          </a:xfrm>
+          <a:prstGeom prst="rect">
+            <a:avLst/>
+          </a:prstGeom>
+        </p:spPr>
+      </p:pic>
+      <p:sp>
+        <p:nvSpPr>
+          <p:cNvPr id="53" name="Elipse 52">
+            <a:extLst>
+              <a:ext uri="{FF2B5EF4-FFF2-40B4-BE49-F238E27FC236}">
+                <a16:creationId xmlns:a16="http://schemas.microsoft.com/office/drawing/2014/main" id="{8F54B2FB-3F54-4350-8D1B-F86D677CA7ED}"/>
+              </a:ext>
+              <a:ext uri="{C183D7F6-B498-43B3-948B-1728B52AA6E4}">
+                <adec:decorative xmlns:adec="http://schemas.microsoft.com/office/drawing/2017/decorative" val="1"/>
+              </a:ext>
+            </a:extLst>
+          </p:cNvPr>
+          <p:cNvSpPr>
+            <a:spLocks noGrp="1" noRot="1" noChangeAspect="1" noMove="1" noResize="1" noEditPoints="1" noAdjustHandles="1" noChangeArrowheads="1" noChangeShapeType="1" noTextEdit="1"/>
+          </p:cNvSpPr>
+          <p:nvPr>
+            <p:extLst>
+              <p:ext uri="{386F3935-93C4-4BCD-93E2-E3B085C9AB24}">
+                <p16:designElem xmlns:p16="http://schemas.microsoft.com/office/powerpoint/2015/main" val="1"/>
+              </p:ext>
+            </p:extLst>
+          </p:nvPr>
+        </p:nvSpPr>
+        <p:spPr>
+          <a:xfrm>
+            <a:off x="8609012" y="1676400"/>
+            <a:ext cx="2819400" cy="2819400"/>
+          </a:xfrm>
+          <a:prstGeom prst="ellipse">
+            <a:avLst/>
+          </a:prstGeom>
+          <a:gradFill flip="none" rotWithShape="1">
+            <a:gsLst>
+              <a:gs pos="0">
+                <a:schemeClr val="bg2">
+                  <a:lumMod val="40000"/>
+                  <a:lumOff val="60000"/>
+                  <a:alpha val="7000"/>
+                </a:schemeClr>
+              </a:gs>
+              <a:gs pos="69000">
+                <a:schemeClr val="bg2">
+                  <a:lumMod val="40000"/>
+                  <a:lumOff val="60000"/>
+                  <a:alpha val="0"/>
+                </a:schemeClr>
+              </a:gs>
+              <a:gs pos="36000">
+                <a:schemeClr val="bg2">
+                  <a:lumMod val="40000"/>
+                  <a:lumOff val="60000"/>
+                  <a:alpha val="6000"/>
+                </a:schemeClr>
+              </a:gs>
+            </a:gsLst>
+            <a:path path="circle">
+              <a:fillToRect l="50000" t="50000" r="50000" b="50000"/>
+            </a:path>
+            <a:tileRect/>
+          </a:gradFill>
+          <a:ln>
+            <a:noFill/>
+          </a:ln>
+          <a:effectLst/>
+        </p:spPr>
+        <p:style>
+          <a:lnRef idx="1">
+            <a:schemeClr val="accent1"/>
+          </a:lnRef>
+          <a:fillRef idx="3">
+            <a:schemeClr val="accent1"/>
+          </a:fillRef>
+          <a:effectRef idx="2">
+            <a:schemeClr val="accent1"/>
+          </a:effectRef>
+          <a:fontRef idx="minor">
+            <a:schemeClr val="lt1"/>
+          </a:fontRef>
+        </p:style>
+      </p:sp>
+      <p:pic>
+        <p:nvPicPr>
+          <p:cNvPr id="55" name="Imagen 54">
+            <a:extLst>
+              <a:ext uri="{FF2B5EF4-FFF2-40B4-BE49-F238E27FC236}">
+                <a16:creationId xmlns:a16="http://schemas.microsoft.com/office/drawing/2014/main" id="{561B34F5-88E5-4711-BC16-3005C29AD7C6}"/>
+              </a:ext>
+              <a:ext uri="{C183D7F6-B498-43B3-948B-1728B52AA6E4}">
+                <adec:decorative xmlns:adec="http://schemas.microsoft.com/office/drawing/2017/decorative" val="1"/>
+              </a:ext>
+            </a:extLst>
+          </p:cNvPr>
+          <p:cNvPicPr>
+            <a:picLocks noGrp="1" noRot="1" noChangeAspect="1" noMove="1" noResize="1" noEditPoints="1" noAdjustHandles="1" noChangeArrowheads="1" noChangeShapeType="1" noCrop="1"/>
+          </p:cNvPicPr>
+          <p:nvPr>
+            <p:extLst>
+              <p:ext uri="{386F3935-93C4-4BCD-93E2-E3B085C9AB24}">
+                <p16:designElem xmlns:p16="http://schemas.microsoft.com/office/powerpoint/2015/main" val="1"/>
+              </p:ext>
+            </p:extLst>
+          </p:nvPr>
+        </p:nvPicPr>
+        <p:blipFill rotWithShape="1">
+          <a:blip r:embed="rId6">
+            <a:extLst>
+              <a:ext uri="{28A0092B-C50C-407E-A947-70E740481C1C}">
+                <a14:useLocalDpi xmlns:a14="http://schemas.microsoft.com/office/drawing/2010/main"/>
+              </a:ext>
+            </a:extLst>
+          </a:blip>
+          <a:srcRect t="28813"/>
+          <a:stretch/>
+        </p:blipFill>
+        <p:spPr>
+          <a:xfrm>
+            <a:off x="7999412" y="0"/>
+            <a:ext cx="1603387" cy="1141407"/>
+          </a:xfrm>
+          <a:prstGeom prst="rect">
+            <a:avLst/>
+          </a:prstGeom>
+        </p:spPr>
+      </p:pic>
+      <p:pic>
+        <p:nvPicPr>
+          <p:cNvPr id="57" name="Imagen 56">
+            <a:extLst>
+              <a:ext uri="{FF2B5EF4-FFF2-40B4-BE49-F238E27FC236}">
+                <a16:creationId xmlns:a16="http://schemas.microsoft.com/office/drawing/2014/main" id="{4F3661D0-2268-4D3E-88BA-0647BCBE33AF}"/>
+              </a:ext>
+              <a:ext uri="{C183D7F6-B498-43B3-948B-1728B52AA6E4}">
+                <adec:decorative xmlns:adec="http://schemas.microsoft.com/office/drawing/2017/decorative" val="1"/>
+              </a:ext>
+            </a:extLst>
+          </p:cNvPr>
+          <p:cNvPicPr>
+            <a:picLocks noGrp="1" noRot="1" noChangeAspect="1" noMove="1" noResize="1" noEditPoints="1" noAdjustHandles="1" noChangeArrowheads="1" noChangeShapeType="1" noCrop="1"/>
+          </p:cNvPicPr>
+          <p:nvPr>
+            <p:extLst>
+              <p:ext uri="{386F3935-93C4-4BCD-93E2-E3B085C9AB24}">
+                <p16:designElem xmlns:p16="http://schemas.microsoft.com/office/powerpoint/2015/main" val="1"/>
+              </p:ext>
+            </p:extLst>
+          </p:nvPr>
+        </p:nvPicPr>
+        <p:blipFill rotWithShape="1">
+          <a:blip r:embed="rId7">
+            <a:extLst>
+              <a:ext uri="{28A0092B-C50C-407E-A947-70E740481C1C}">
+                <a14:useLocalDpi xmlns:a14="http://schemas.microsoft.com/office/drawing/2010/main"/>
+              </a:ext>
+            </a:extLst>
+          </a:blip>
+          <a:srcRect b="23320"/>
+          <a:stretch/>
+        </p:blipFill>
+        <p:spPr>
+          <a:xfrm>
+            <a:off x="8609012" y="6096000"/>
+            <a:ext cx="993734" cy="762000"/>
+          </a:xfrm>
+          <a:prstGeom prst="rect">
+            <a:avLst/>
+          </a:prstGeom>
+        </p:spPr>
+      </p:pic>
+      <p:sp>
+        <p:nvSpPr>
+          <p:cNvPr id="59" name="Rectángulo 58">
+            <a:extLst>
+              <a:ext uri="{FF2B5EF4-FFF2-40B4-BE49-F238E27FC236}">
+                <a16:creationId xmlns:a16="http://schemas.microsoft.com/office/drawing/2014/main" id="{DDB56DB5-0324-4F79-9AB8-CB18C1DC8743}"/>
+              </a:ext>
+              <a:ext uri="{C183D7F6-B498-43B3-948B-1728B52AA6E4}">
+                <adec:decorative xmlns:adec="http://schemas.microsoft.com/office/drawing/2017/decorative" val="1"/>
+              </a:ext>
+            </a:extLst>
+          </p:cNvPr>
+          <p:cNvSpPr>
+            <a:spLocks noGrp="1" noRot="1" noChangeAspect="1" noMove="1" noResize="1" noEditPoints="1" noAdjustHandles="1" noChangeArrowheads="1" noChangeShapeType="1" noTextEdit="1"/>
+          </p:cNvSpPr>
+          <p:nvPr>
+            <p:extLst>
+              <p:ext uri="{386F3935-93C4-4BCD-93E2-E3B085C9AB24}">
+                <p16:designElem xmlns:p16="http://schemas.microsoft.com/office/powerpoint/2015/main" val="1"/>
+              </p:ext>
+            </p:extLst>
+          </p:nvPr>
+        </p:nvSpPr>
+        <p:spPr>
+          <a:xfrm>
+            <a:off x="10437812" y="0"/>
+            <a:ext cx="685800" cy="1143000"/>
+          </a:xfrm>
+          <a:prstGeom prst="rect">
+            <a:avLst/>
+          </a:prstGeom>
+          <a:solidFill>
+            <a:schemeClr val="accent1"/>
+          </a:solidFill>
+          <a:ln>
+            <a:noFill/>
+          </a:ln>
+        </p:spPr>
+        <p:style>
+          <a:lnRef idx="1">
+            <a:schemeClr val="accent1"/>
+          </a:lnRef>
+          <a:fillRef idx="3">
+            <a:schemeClr val="accent1"/>
+          </a:fillRef>
+          <a:effectRef idx="2">
+            <a:schemeClr val="accent1"/>
+          </a:effectRef>
+          <a:fontRef idx="minor">
+            <a:schemeClr val="lt1"/>
+          </a:fontRef>
+        </p:style>
+      </p:sp>
+      <p:sp>
+        <p:nvSpPr>
+          <p:cNvPr id="3" name="Título 2">
+            <a:extLst>
+              <a:ext uri="{FF2B5EF4-FFF2-40B4-BE49-F238E27FC236}">
+                <a16:creationId xmlns:a16="http://schemas.microsoft.com/office/drawing/2014/main" id="{9A850E04-00D7-9AF6-A9C0-571E441C698A}"/>
+              </a:ext>
+            </a:extLst>
+          </p:cNvPr>
+          <p:cNvSpPr>
+            <a:spLocks noGrp="1"/>
+          </p:cNvSpPr>
+          <p:nvPr>
+            <p:ph type="title"/>
+          </p:nvPr>
+        </p:nvSpPr>
+        <p:spPr>
+          <a:xfrm>
+            <a:off x="1393638" y="274277"/>
+            <a:ext cx="9404723" cy="1400530"/>
+          </a:xfrm>
+        </p:spPr>
+        <p:txBody>
+          <a:bodyPr/>
+          <a:lstStyle/>
+          <a:p>
+            <a:r>
+              <a:rPr lang="es-MX" dirty="0"/>
+              <a:t>NN para identificar imágenes o</a:t>
+            </a:r>
+            <a:br>
+              <a:rPr lang="es-MX" dirty="0"/>
+            </a:br>
+            <a:r>
+              <a:rPr lang="es-MX" dirty="0"/>
+              <a:t>NN CONVOLUCIONALES</a:t>
+            </a:r>
+          </a:p>
+        </p:txBody>
+      </p:sp>
+      <p:pic>
+        <p:nvPicPr>
+          <p:cNvPr id="5" name="Imagen 4">
+            <a:extLst>
+              <a:ext uri="{FF2B5EF4-FFF2-40B4-BE49-F238E27FC236}">
+                <a16:creationId xmlns:a16="http://schemas.microsoft.com/office/drawing/2014/main" id="{3FD19286-7AE7-4175-1E70-B87E326E0E32}"/>
+              </a:ext>
+            </a:extLst>
+          </p:cNvPr>
+          <p:cNvPicPr>
+            <a:picLocks noChangeAspect="1"/>
+          </p:cNvPicPr>
+          <p:nvPr/>
+        </p:nvPicPr>
+        <p:blipFill rotWithShape="1">
+          <a:blip r:embed="rId8"/>
+          <a:srcRect t="18960" b="15950"/>
+          <a:stretch/>
+        </p:blipFill>
+        <p:spPr>
+          <a:xfrm>
+            <a:off x="2376881" y="1909006"/>
+            <a:ext cx="7435059" cy="3410465"/>
+          </a:xfrm>
+          <a:prstGeom prst="rect">
+            <a:avLst/>
+          </a:prstGeom>
+        </p:spPr>
+      </p:pic>
+      <p:sp>
+        <p:nvSpPr>
+          <p:cNvPr id="8" name="CuadroTexto 7">
+            <a:extLst>
+              <a:ext uri="{FF2B5EF4-FFF2-40B4-BE49-F238E27FC236}">
+                <a16:creationId xmlns:a16="http://schemas.microsoft.com/office/drawing/2014/main" id="{34A644AD-CD33-7587-DE54-4B0E7D1797D1}"/>
+              </a:ext>
+            </a:extLst>
+          </p:cNvPr>
+          <p:cNvSpPr txBox="1"/>
+          <p:nvPr/>
+        </p:nvSpPr>
+        <p:spPr>
+          <a:xfrm>
+            <a:off x="1602730" y="5553670"/>
+            <a:ext cx="8983362" cy="923330"/>
+          </a:xfrm>
+          <a:prstGeom prst="rect">
+            <a:avLst/>
+          </a:prstGeom>
+          <a:noFill/>
+        </p:spPr>
+        <p:txBody>
+          <a:bodyPr wrap="square" rtlCol="0">
+            <a:spAutoFit/>
+          </a:bodyPr>
+          <a:lstStyle/>
+          <a:p>
+            <a:r>
+              <a:rPr lang="es-MX" i="1" dirty="0"/>
+              <a:t>La convolución consiste en realizar un barrido de la imagen para tomar grupos de píxeles cercanos entre sí de la imagen de entrada y realizar un producto punto contra un kernel.</a:t>
+            </a:r>
+          </a:p>
+        </p:txBody>
+      </p:sp>
+    </p:spTree>
+    <p:extLst>
+      <p:ext uri="{BB962C8B-B14F-4D97-AF65-F5344CB8AC3E}">
+        <p14:creationId xmlns:p14="http://schemas.microsoft.com/office/powerpoint/2010/main" val="555089011"/>
+      </p:ext>
+    </p:extLst>
+  </p:cSld>
+  <p:clrMapOvr>
+    <a:masterClrMapping/>
+  </p:clrMapOvr>
+</p:sld>
+</file>
+
+<file path=ppt/slides/slide4.xml><?xml version="1.0" encoding="utf-8"?>
+<p:sld xmlns:a="http://schemas.openxmlformats.org/drawingml/2006/main" xmlns:r="http://schemas.openxmlformats.org/officeDocument/2006/relationships" xmlns:p="http://schemas.openxmlformats.org/presentationml/2006/main">
+  <p:cSld>
+    <p:bg>
+      <p:bgPr>
+        <a:blipFill rotWithShape="1">
+          <a:blip r:embed="rId3">
+            <a:duotone>
+              <a:schemeClr val="bg2">
+                <a:shade val="62000"/>
+                <a:hueMod val="108000"/>
+                <a:satMod val="164000"/>
+                <a:lumMod val="69000"/>
+              </a:schemeClr>
+              <a:schemeClr val="bg2">
+                <a:tint val="96000"/>
+                <a:hueMod val="90000"/>
+                <a:satMod val="130000"/>
+                <a:lumMod val="134000"/>
+              </a:schemeClr>
+            </a:duotone>
+          </a:blip>
+          <a:stretch/>
+        </a:blipFill>
+        <a:effectLst/>
+      </p:bgPr>
+    </p:bg>
+    <p:spTree>
+      <p:nvGrpSpPr>
+        <p:cNvPr id="1" name=""/>
+        <p:cNvGrpSpPr/>
+        <p:nvPr/>
+      </p:nvGrpSpPr>
+      <p:grpSpPr>
+        <a:xfrm>
+          <a:off x="0" y="0"/>
+          <a:ext cx="0" cy="0"/>
+          <a:chOff x="0" y="0"/>
+          <a:chExt cx="0" cy="0"/>
+        </a:xfrm>
+      </p:grpSpPr>
+      <p:pic>
+        <p:nvPicPr>
+          <p:cNvPr id="49" name="Imagen 48">
+            <a:extLst>
+              <a:ext uri="{FF2B5EF4-FFF2-40B4-BE49-F238E27FC236}">
+                <a16:creationId xmlns:a16="http://schemas.microsoft.com/office/drawing/2014/main" id="{AA085689-791F-4B8F-9F30-12415B97D366}"/>
+              </a:ext>
+              <a:ext uri="{C183D7F6-B498-43B3-948B-1728B52AA6E4}">
+                <adec:decorative xmlns:adec="http://schemas.microsoft.com/office/drawing/2017/decorative" val="1"/>
+              </a:ext>
+            </a:extLst>
+          </p:cNvPr>
+          <p:cNvPicPr>
+            <a:picLocks noGrp="1" noRot="1" noChangeAspect="1" noMove="1" noResize="1" noEditPoints="1" noAdjustHandles="1" noChangeArrowheads="1" noChangeShapeType="1" noCrop="1"/>
+          </p:cNvPicPr>
+          <p:nvPr>
+            <p:extLst>
+              <p:ext uri="{386F3935-93C4-4BCD-93E2-E3B085C9AB24}">
+                <p16:designElem xmlns:p16="http://schemas.microsoft.com/office/powerpoint/2015/main" val="1"/>
+              </p:ext>
+            </p:extLst>
+          </p:nvPr>
+        </p:nvPicPr>
+        <p:blipFill rotWithShape="1">
+          <a:blip r:embed="rId4">
+            <a:extLst>
+              <a:ext uri="{28A0092B-C50C-407E-A947-70E740481C1C}">
+                <a14:useLocalDpi xmlns:a14="http://schemas.microsoft.com/office/drawing/2010/main"/>
+              </a:ext>
+            </a:extLst>
+          </a:blip>
+          <a:srcRect l="3613"/>
+          <a:stretch/>
+        </p:blipFill>
+        <p:spPr>
+          <a:xfrm>
+            <a:off x="0" y="2669685"/>
+            <a:ext cx="4037012" cy="4188315"/>
+          </a:xfrm>
+          <a:prstGeom prst="rect">
+            <a:avLst/>
+          </a:prstGeom>
+        </p:spPr>
+      </p:pic>
+      <p:pic>
+        <p:nvPicPr>
+          <p:cNvPr id="51" name="Imagen 50">
+            <a:extLst>
+              <a:ext uri="{FF2B5EF4-FFF2-40B4-BE49-F238E27FC236}">
+                <a16:creationId xmlns:a16="http://schemas.microsoft.com/office/drawing/2014/main" id="{AA3FED7F-6821-47C0-A464-E9278B24129E}"/>
+              </a:ext>
+              <a:ext uri="{C183D7F6-B498-43B3-948B-1728B52AA6E4}">
+                <adec:decorative xmlns:adec="http://schemas.microsoft.com/office/drawing/2017/decorative" val="1"/>
+              </a:ext>
+            </a:extLst>
+          </p:cNvPr>
+          <p:cNvPicPr>
+            <a:picLocks noGrp="1" noRot="1" noChangeAspect="1" noMove="1" noResize="1" noEditPoints="1" noAdjustHandles="1" noChangeArrowheads="1" noChangeShapeType="1" noCrop="1"/>
+          </p:cNvPicPr>
+          <p:nvPr>
+            <p:extLst>
+              <p:ext uri="{386F3935-93C4-4BCD-93E2-E3B085C9AB24}">
+                <p16:designElem xmlns:p16="http://schemas.microsoft.com/office/powerpoint/2015/main" val="1"/>
+              </p:ext>
+            </p:extLst>
+          </p:nvPr>
+        </p:nvPicPr>
+        <p:blipFill rotWithShape="1">
+          <a:blip r:embed="rId5">
+            <a:extLst>
+              <a:ext uri="{28A0092B-C50C-407E-A947-70E740481C1C}">
+                <a14:useLocalDpi xmlns:a14="http://schemas.microsoft.com/office/drawing/2010/main"/>
+              </a:ext>
+            </a:extLst>
+          </a:blip>
+          <a:srcRect l="35640"/>
+          <a:stretch/>
+        </p:blipFill>
+        <p:spPr>
+          <a:xfrm>
+            <a:off x="0" y="2892347"/>
+            <a:ext cx="1522412" cy="2365453"/>
+          </a:xfrm>
+          <a:prstGeom prst="rect">
+            <a:avLst/>
+          </a:prstGeom>
+        </p:spPr>
+      </p:pic>
+      <p:sp>
+        <p:nvSpPr>
+          <p:cNvPr id="53" name="Elipse 52">
+            <a:extLst>
+              <a:ext uri="{FF2B5EF4-FFF2-40B4-BE49-F238E27FC236}">
+                <a16:creationId xmlns:a16="http://schemas.microsoft.com/office/drawing/2014/main" id="{8F54B2FB-3F54-4350-8D1B-F86D677CA7ED}"/>
+              </a:ext>
+              <a:ext uri="{C183D7F6-B498-43B3-948B-1728B52AA6E4}">
+                <adec:decorative xmlns:adec="http://schemas.microsoft.com/office/drawing/2017/decorative" val="1"/>
+              </a:ext>
+            </a:extLst>
+          </p:cNvPr>
+          <p:cNvSpPr>
+            <a:spLocks noGrp="1" noRot="1" noChangeAspect="1" noMove="1" noResize="1" noEditPoints="1" noAdjustHandles="1" noChangeArrowheads="1" noChangeShapeType="1" noTextEdit="1"/>
+          </p:cNvSpPr>
+          <p:nvPr>
+            <p:extLst>
+              <p:ext uri="{386F3935-93C4-4BCD-93E2-E3B085C9AB24}">
+                <p16:designElem xmlns:p16="http://schemas.microsoft.com/office/powerpoint/2015/main" val="1"/>
+              </p:ext>
+            </p:extLst>
+          </p:nvPr>
+        </p:nvSpPr>
+        <p:spPr>
+          <a:xfrm>
+            <a:off x="8609012" y="1676400"/>
+            <a:ext cx="2819400" cy="2819400"/>
+          </a:xfrm>
+          <a:prstGeom prst="ellipse">
+            <a:avLst/>
+          </a:prstGeom>
+          <a:gradFill flip="none" rotWithShape="1">
+            <a:gsLst>
+              <a:gs pos="0">
+                <a:schemeClr val="bg2">
+                  <a:lumMod val="40000"/>
+                  <a:lumOff val="60000"/>
+                  <a:alpha val="7000"/>
+                </a:schemeClr>
+              </a:gs>
+              <a:gs pos="69000">
+                <a:schemeClr val="bg2">
+                  <a:lumMod val="40000"/>
+                  <a:lumOff val="60000"/>
+                  <a:alpha val="0"/>
+                </a:schemeClr>
+              </a:gs>
+              <a:gs pos="36000">
+                <a:schemeClr val="bg2">
+                  <a:lumMod val="40000"/>
+                  <a:lumOff val="60000"/>
+                  <a:alpha val="6000"/>
+                </a:schemeClr>
+              </a:gs>
+            </a:gsLst>
+            <a:path path="circle">
+              <a:fillToRect l="50000" t="50000" r="50000" b="50000"/>
+            </a:path>
+            <a:tileRect/>
+          </a:gradFill>
+          <a:ln>
+            <a:noFill/>
+          </a:ln>
+          <a:effectLst/>
+        </p:spPr>
+        <p:style>
+          <a:lnRef idx="1">
+            <a:schemeClr val="accent1"/>
+          </a:lnRef>
+          <a:fillRef idx="3">
+            <a:schemeClr val="accent1"/>
+          </a:fillRef>
+          <a:effectRef idx="2">
+            <a:schemeClr val="accent1"/>
+          </a:effectRef>
+          <a:fontRef idx="minor">
+            <a:schemeClr val="lt1"/>
+          </a:fontRef>
+        </p:style>
+      </p:sp>
+      <p:pic>
+        <p:nvPicPr>
+          <p:cNvPr id="55" name="Imagen 54">
+            <a:extLst>
+              <a:ext uri="{FF2B5EF4-FFF2-40B4-BE49-F238E27FC236}">
+                <a16:creationId xmlns:a16="http://schemas.microsoft.com/office/drawing/2014/main" id="{561B34F5-88E5-4711-BC16-3005C29AD7C6}"/>
+              </a:ext>
+              <a:ext uri="{C183D7F6-B498-43B3-948B-1728B52AA6E4}">
+                <adec:decorative xmlns:adec="http://schemas.microsoft.com/office/drawing/2017/decorative" val="1"/>
+              </a:ext>
+            </a:extLst>
+          </p:cNvPr>
+          <p:cNvPicPr>
+            <a:picLocks noGrp="1" noRot="1" noChangeAspect="1" noMove="1" noResize="1" noEditPoints="1" noAdjustHandles="1" noChangeArrowheads="1" noChangeShapeType="1" noCrop="1"/>
+          </p:cNvPicPr>
+          <p:nvPr>
+            <p:extLst>
+              <p:ext uri="{386F3935-93C4-4BCD-93E2-E3B085C9AB24}">
+                <p16:designElem xmlns:p16="http://schemas.microsoft.com/office/powerpoint/2015/main" val="1"/>
+              </p:ext>
+            </p:extLst>
+          </p:nvPr>
+        </p:nvPicPr>
+        <p:blipFill rotWithShape="1">
+          <a:blip r:embed="rId6">
+            <a:extLst>
+              <a:ext uri="{28A0092B-C50C-407E-A947-70E740481C1C}">
+                <a14:useLocalDpi xmlns:a14="http://schemas.microsoft.com/office/drawing/2010/main"/>
+              </a:ext>
+            </a:extLst>
+          </a:blip>
+          <a:srcRect t="28813"/>
+          <a:stretch/>
+        </p:blipFill>
+        <p:spPr>
+          <a:xfrm>
+            <a:off x="7999412" y="0"/>
+            <a:ext cx="1603387" cy="1141407"/>
+          </a:xfrm>
+          <a:prstGeom prst="rect">
+            <a:avLst/>
+          </a:prstGeom>
+        </p:spPr>
+      </p:pic>
+      <p:pic>
+        <p:nvPicPr>
+          <p:cNvPr id="57" name="Imagen 56">
+            <a:extLst>
+              <a:ext uri="{FF2B5EF4-FFF2-40B4-BE49-F238E27FC236}">
+                <a16:creationId xmlns:a16="http://schemas.microsoft.com/office/drawing/2014/main" id="{4F3661D0-2268-4D3E-88BA-0647BCBE33AF}"/>
+              </a:ext>
+              <a:ext uri="{C183D7F6-B498-43B3-948B-1728B52AA6E4}">
+                <adec:decorative xmlns:adec="http://schemas.microsoft.com/office/drawing/2017/decorative" val="1"/>
+              </a:ext>
+            </a:extLst>
+          </p:cNvPr>
+          <p:cNvPicPr>
+            <a:picLocks noGrp="1" noRot="1" noChangeAspect="1" noMove="1" noResize="1" noEditPoints="1" noAdjustHandles="1" noChangeArrowheads="1" noChangeShapeType="1" noCrop="1"/>
+          </p:cNvPicPr>
+          <p:nvPr>
+            <p:extLst>
+              <p:ext uri="{386F3935-93C4-4BCD-93E2-E3B085C9AB24}">
+                <p16:designElem xmlns:p16="http://schemas.microsoft.com/office/powerpoint/2015/main" val="1"/>
+              </p:ext>
+            </p:extLst>
+          </p:nvPr>
+        </p:nvPicPr>
+        <p:blipFill rotWithShape="1">
+          <a:blip r:embed="rId7">
+            <a:extLst>
+              <a:ext uri="{28A0092B-C50C-407E-A947-70E740481C1C}">
+                <a14:useLocalDpi xmlns:a14="http://schemas.microsoft.com/office/drawing/2010/main"/>
+              </a:ext>
+            </a:extLst>
+          </a:blip>
+          <a:srcRect b="23320"/>
+          <a:stretch/>
+        </p:blipFill>
+        <p:spPr>
+          <a:xfrm>
+            <a:off x="8609012" y="6096000"/>
+            <a:ext cx="993734" cy="762000"/>
+          </a:xfrm>
+          <a:prstGeom prst="rect">
+            <a:avLst/>
+          </a:prstGeom>
+        </p:spPr>
+      </p:pic>
+      <p:sp>
+        <p:nvSpPr>
+          <p:cNvPr id="59" name="Rectángulo 58">
+            <a:extLst>
+              <a:ext uri="{FF2B5EF4-FFF2-40B4-BE49-F238E27FC236}">
+                <a16:creationId xmlns:a16="http://schemas.microsoft.com/office/drawing/2014/main" id="{DDB56DB5-0324-4F79-9AB8-CB18C1DC8743}"/>
+              </a:ext>
+              <a:ext uri="{C183D7F6-B498-43B3-948B-1728B52AA6E4}">
+                <adec:decorative xmlns:adec="http://schemas.microsoft.com/office/drawing/2017/decorative" val="1"/>
+              </a:ext>
+            </a:extLst>
+          </p:cNvPr>
+          <p:cNvSpPr>
+            <a:spLocks noGrp="1" noRot="1" noChangeAspect="1" noMove="1" noResize="1" noEditPoints="1" noAdjustHandles="1" noChangeArrowheads="1" noChangeShapeType="1" noTextEdit="1"/>
+          </p:cNvSpPr>
+          <p:nvPr>
+            <p:extLst>
+              <p:ext uri="{386F3935-93C4-4BCD-93E2-E3B085C9AB24}">
+                <p16:designElem xmlns:p16="http://schemas.microsoft.com/office/powerpoint/2015/main" val="1"/>
+              </p:ext>
+            </p:extLst>
+          </p:nvPr>
+        </p:nvSpPr>
+        <p:spPr>
+          <a:xfrm>
+            <a:off x="10437812" y="0"/>
+            <a:ext cx="685800" cy="1143000"/>
+          </a:xfrm>
+          <a:prstGeom prst="rect">
+            <a:avLst/>
+          </a:prstGeom>
+          <a:solidFill>
+            <a:schemeClr val="accent1"/>
+          </a:solidFill>
+          <a:ln>
+            <a:noFill/>
+          </a:ln>
+        </p:spPr>
+        <p:style>
+          <a:lnRef idx="1">
+            <a:schemeClr val="accent1"/>
+          </a:lnRef>
+          <a:fillRef idx="3">
+            <a:schemeClr val="accent1"/>
+          </a:fillRef>
+          <a:effectRef idx="2">
+            <a:schemeClr val="accent1"/>
+          </a:effectRef>
+          <a:fontRef idx="minor">
+            <a:schemeClr val="lt1"/>
+          </a:fontRef>
+        </p:style>
+      </p:sp>
+      <p:sp>
+        <p:nvSpPr>
+          <p:cNvPr id="3" name="Título 2">
+            <a:extLst>
+              <a:ext uri="{FF2B5EF4-FFF2-40B4-BE49-F238E27FC236}">
+                <a16:creationId xmlns:a16="http://schemas.microsoft.com/office/drawing/2014/main" id="{9A850E04-00D7-9AF6-A9C0-571E441C698A}"/>
+              </a:ext>
+            </a:extLst>
+          </p:cNvPr>
+          <p:cNvSpPr>
+            <a:spLocks noGrp="1"/>
+          </p:cNvSpPr>
+          <p:nvPr>
+            <p:ph type="title"/>
+          </p:nvPr>
+        </p:nvSpPr>
+        <p:spPr>
+          <a:xfrm>
+            <a:off x="1393638" y="274277"/>
+            <a:ext cx="9404723" cy="795208"/>
+          </a:xfrm>
+        </p:spPr>
+        <p:txBody>
+          <a:bodyPr/>
+          <a:lstStyle/>
+          <a:p>
+            <a:r>
+              <a:rPr lang="es-MX" dirty="0"/>
+              <a:t>NN CONVOLUCIONALES</a:t>
+            </a:r>
+          </a:p>
+        </p:txBody>
+      </p:sp>
+      <p:pic>
+        <p:nvPicPr>
+          <p:cNvPr id="6" name="Imagen 5">
+            <a:extLst>
+              <a:ext uri="{FF2B5EF4-FFF2-40B4-BE49-F238E27FC236}">
+                <a16:creationId xmlns:a16="http://schemas.microsoft.com/office/drawing/2014/main" id="{359BDF74-E9A5-8CDE-440D-7DCC2232438C}"/>
+              </a:ext>
+            </a:extLst>
+          </p:cNvPr>
+          <p:cNvPicPr>
+            <a:picLocks noChangeAspect="1"/>
+          </p:cNvPicPr>
+          <p:nvPr/>
+        </p:nvPicPr>
+        <p:blipFill rotWithShape="1">
+          <a:blip r:embed="rId8"/>
+          <a:srcRect b="10103"/>
+          <a:stretch/>
+        </p:blipFill>
+        <p:spPr>
+          <a:xfrm>
+            <a:off x="959678" y="1869584"/>
+            <a:ext cx="10269467" cy="3765163"/>
+          </a:xfrm>
+          <a:prstGeom prst="rect">
+            <a:avLst/>
+          </a:prstGeom>
+        </p:spPr>
+      </p:pic>
+    </p:spTree>
+    <p:extLst>
+      <p:ext uri="{BB962C8B-B14F-4D97-AF65-F5344CB8AC3E}">
+        <p14:creationId xmlns:p14="http://schemas.microsoft.com/office/powerpoint/2010/main" val="3067767135"/>
       </p:ext>
     </p:extLst>
   </p:cSld>
@@ -8752,10 +9497,225 @@
           </a:fontRef>
         </p:style>
       </p:sp>
+      <p:sp>
+        <p:nvSpPr>
+          <p:cNvPr id="6" name="Título 2">
+            <a:extLst>
+              <a:ext uri="{FF2B5EF4-FFF2-40B4-BE49-F238E27FC236}">
+                <a16:creationId xmlns:a16="http://schemas.microsoft.com/office/drawing/2014/main" id="{78DCA2BF-DACB-0E52-6E1B-4D80B2AFF064}"/>
+              </a:ext>
+            </a:extLst>
+          </p:cNvPr>
+          <p:cNvSpPr txBox="1">
+            <a:spLocks/>
+          </p:cNvSpPr>
+          <p:nvPr/>
+        </p:nvSpPr>
+        <p:spPr>
+          <a:xfrm>
+            <a:off x="2443963" y="185118"/>
+            <a:ext cx="9404723" cy="772764"/>
+          </a:xfrm>
+          <a:prstGeom prst="rect">
+            <a:avLst/>
+          </a:prstGeom>
+        </p:spPr>
+        <p:txBody>
+          <a:bodyPr vert="horz" lIns="91440" tIns="45720" rIns="91440" bIns="45720" rtlCol="0" anchor="b">
+            <a:noAutofit/>
+          </a:bodyPr>
+          <a:lstStyle>
+            <a:lvl1pPr algn="l" defTabSz="457200" rtl="0" eaLnBrk="1" latinLnBrk="0" hangingPunct="1">
+              <a:spcBef>
+                <a:spcPct val="0"/>
+              </a:spcBef>
+              <a:buNone/>
+              <a:defRPr sz="7200" b="0" i="0" kern="1200">
+                <a:solidFill>
+                  <a:schemeClr val="tx2"/>
+                </a:solidFill>
+                <a:latin typeface="+mj-lt"/>
+                <a:ea typeface="+mj-ea"/>
+                <a:cs typeface="+mj-cs"/>
+              </a:defRPr>
+            </a:lvl1pPr>
+            <a:lvl2pPr eaLnBrk="1" hangingPunct="1">
+              <a:defRPr>
+                <a:solidFill>
+                  <a:schemeClr val="tx2"/>
+                </a:solidFill>
+              </a:defRPr>
+            </a:lvl2pPr>
+            <a:lvl3pPr eaLnBrk="1" hangingPunct="1">
+              <a:defRPr>
+                <a:solidFill>
+                  <a:schemeClr val="tx2"/>
+                </a:solidFill>
+              </a:defRPr>
+            </a:lvl3pPr>
+            <a:lvl4pPr eaLnBrk="1" hangingPunct="1">
+              <a:defRPr>
+                <a:solidFill>
+                  <a:schemeClr val="tx2"/>
+                </a:solidFill>
+              </a:defRPr>
+            </a:lvl4pPr>
+            <a:lvl5pPr eaLnBrk="1" hangingPunct="1">
+              <a:defRPr>
+                <a:solidFill>
+                  <a:schemeClr val="tx2"/>
+                </a:solidFill>
+              </a:defRPr>
+            </a:lvl5pPr>
+            <a:lvl6pPr eaLnBrk="1" hangingPunct="1">
+              <a:defRPr>
+                <a:solidFill>
+                  <a:schemeClr val="tx2"/>
+                </a:solidFill>
+              </a:defRPr>
+            </a:lvl6pPr>
+            <a:lvl7pPr eaLnBrk="1" hangingPunct="1">
+              <a:defRPr>
+                <a:solidFill>
+                  <a:schemeClr val="tx2"/>
+                </a:solidFill>
+              </a:defRPr>
+            </a:lvl7pPr>
+            <a:lvl8pPr eaLnBrk="1" hangingPunct="1">
+              <a:defRPr>
+                <a:solidFill>
+                  <a:schemeClr val="tx2"/>
+                </a:solidFill>
+              </a:defRPr>
+            </a:lvl8pPr>
+            <a:lvl9pPr eaLnBrk="1" hangingPunct="1">
+              <a:defRPr>
+                <a:solidFill>
+                  <a:schemeClr val="tx2"/>
+                </a:solidFill>
+              </a:defRPr>
+            </a:lvl9pPr>
+          </a:lstStyle>
+          <a:p>
+            <a:r>
+              <a:rPr lang="es-MX" sz="4000" dirty="0"/>
+              <a:t>NN CONVOLUCIONALES</a:t>
+            </a:r>
+          </a:p>
+        </p:txBody>
+      </p:sp>
+      <p:sp>
+        <p:nvSpPr>
+          <p:cNvPr id="7" name="CuadroTexto 6">
+            <a:extLst>
+              <a:ext uri="{FF2B5EF4-FFF2-40B4-BE49-F238E27FC236}">
+                <a16:creationId xmlns:a16="http://schemas.microsoft.com/office/drawing/2014/main" id="{E84792A2-82FA-A087-0A53-8A8D330CFA34}"/>
+              </a:ext>
+            </a:extLst>
+          </p:cNvPr>
+          <p:cNvSpPr txBox="1"/>
+          <p:nvPr/>
+        </p:nvSpPr>
+        <p:spPr>
+          <a:xfrm>
+            <a:off x="972534" y="1142990"/>
+            <a:ext cx="1733595" cy="523220"/>
+          </a:xfrm>
+          <a:prstGeom prst="rect">
+            <a:avLst/>
+          </a:prstGeom>
+          <a:noFill/>
+        </p:spPr>
+        <p:txBody>
+          <a:bodyPr wrap="square" rtlCol="0">
+            <a:spAutoFit/>
+          </a:bodyPr>
+          <a:lstStyle/>
+          <a:p>
+            <a:r>
+              <a:rPr lang="es-MX" sz="2800" i="1" dirty="0"/>
+              <a:t>¿</a:t>
+            </a:r>
+            <a:r>
+              <a:rPr lang="es-MX" sz="2800" dirty="0"/>
+              <a:t>Kernel</a:t>
+            </a:r>
+            <a:r>
+              <a:rPr lang="es-MX" sz="2800" i="1" dirty="0"/>
+              <a:t>?</a:t>
+            </a:r>
+          </a:p>
+        </p:txBody>
+      </p:sp>
+      <p:sp>
+        <p:nvSpPr>
+          <p:cNvPr id="8" name="CuadroTexto 7">
+            <a:extLst>
+              <a:ext uri="{FF2B5EF4-FFF2-40B4-BE49-F238E27FC236}">
+                <a16:creationId xmlns:a16="http://schemas.microsoft.com/office/drawing/2014/main" id="{184DAED6-16D3-003C-4412-63F2240D366E}"/>
+              </a:ext>
+            </a:extLst>
+          </p:cNvPr>
+          <p:cNvSpPr txBox="1"/>
+          <p:nvPr/>
+        </p:nvSpPr>
+        <p:spPr>
+          <a:xfrm>
+            <a:off x="842437" y="1738569"/>
+            <a:ext cx="10507126" cy="1569660"/>
+          </a:xfrm>
+          <a:prstGeom prst="rect">
+            <a:avLst/>
+          </a:prstGeom>
+          <a:noFill/>
+        </p:spPr>
+        <p:txBody>
+          <a:bodyPr wrap="square" rtlCol="0">
+            <a:spAutoFit/>
+          </a:bodyPr>
+          <a:lstStyle/>
+          <a:p>
+            <a:r>
+              <a:rPr lang="es-MX" sz="2400" i="1" dirty="0"/>
+              <a:t>Es un filtro, el cual, se le aplica a la imagen a procesar para así extraer características especiales de la imagen para después hacer uso de estos nuevos valores filtrados. Principalmente se detectan bordes, desenfoque, entre otras características. </a:t>
+            </a:r>
+          </a:p>
+        </p:txBody>
+      </p:sp>
+      <p:pic>
+        <p:nvPicPr>
+          <p:cNvPr id="10" name="Imagen 9">
+            <a:extLst>
+              <a:ext uri="{FF2B5EF4-FFF2-40B4-BE49-F238E27FC236}">
+                <a16:creationId xmlns:a16="http://schemas.microsoft.com/office/drawing/2014/main" id="{3D712274-6CD8-36E4-1A45-7C9617227A7B}"/>
+              </a:ext>
+            </a:extLst>
+          </p:cNvPr>
+          <p:cNvPicPr>
+            <a:picLocks noChangeAspect="1"/>
+          </p:cNvPicPr>
+          <p:nvPr/>
+        </p:nvPicPr>
+        <p:blipFill>
+          <a:blip r:embed="rId5"/>
+          <a:stretch>
+            <a:fillRect/>
+          </a:stretch>
+        </p:blipFill>
+        <p:spPr>
+          <a:xfrm>
+            <a:off x="2662739" y="3631198"/>
+            <a:ext cx="6866522" cy="2903833"/>
+          </a:xfrm>
+          <a:prstGeom prst="rect">
+            <a:avLst/>
+          </a:prstGeom>
+        </p:spPr>
+      </p:pic>
     </p:spTree>
     <p:extLst>
       <p:ext uri="{BB962C8B-B14F-4D97-AF65-F5344CB8AC3E}">
-        <p14:creationId xmlns:p14="http://schemas.microsoft.com/office/powerpoint/2010/main" val="3027272604"/>
+        <p14:creationId xmlns:p14="http://schemas.microsoft.com/office/powerpoint/2010/main" val="510767980"/>
       </p:ext>
     </p:extLst>
   </p:cSld>
@@ -8808,57 +9768,19 @@
       </p:grpSpPr>
       <p:pic>
         <p:nvPicPr>
-          <p:cNvPr id="15" name="Imagen 14" descr="diseño abstracto">
+          <p:cNvPr id="49" name="Imagen 48">
             <a:extLst>
               <a:ext uri="{FF2B5EF4-FFF2-40B4-BE49-F238E27FC236}">
-                <a16:creationId xmlns:a16="http://schemas.microsoft.com/office/drawing/2014/main" id="{6D363037-1741-4470-A023-883E2FFD5840}"/>
+                <a16:creationId xmlns:a16="http://schemas.microsoft.com/office/drawing/2014/main" id="{AA085689-791F-4B8F-9F30-12415B97D366}"/>
+              </a:ext>
+              <a:ext uri="{C183D7F6-B498-43B3-948B-1728B52AA6E4}">
+                <adec:decorative xmlns:adec="http://schemas.microsoft.com/office/drawing/2017/decorative" val="1"/>
               </a:ext>
             </a:extLst>
           </p:cNvPr>
           <p:cNvPicPr>
-            <a:picLocks noChangeAspect="1"/>
+            <a:picLocks noGrp="1" noRot="1" noChangeAspect="1" noMove="1" noResize="1" noEditPoints="1" noAdjustHandles="1" noChangeArrowheads="1" noChangeShapeType="1" noCrop="1"/>
           </p:cNvPicPr>
-          <p:nvPr/>
-        </p:nvPicPr>
-        <p:blipFill rotWithShape="1">
-          <a:blip r:embed="rId4">
-            <a:duotone>
-              <a:prstClr val="black"/>
-              <a:schemeClr val="accent5">
-                <a:tint val="45000"/>
-                <a:satMod val="400000"/>
-              </a:schemeClr>
-            </a:duotone>
-            <a:alphaModFix amt="25000"/>
-          </a:blip>
-          <a:srcRect t="18308" r="6818" b="2872"/>
-          <a:stretch/>
-        </p:blipFill>
-        <p:spPr>
-          <a:xfrm flipH="1">
-            <a:off x="20" y="10"/>
-            <a:ext cx="12191980" cy="6857990"/>
-          </a:xfrm>
-          <a:prstGeom prst="rect">
-            <a:avLst/>
-          </a:prstGeom>
-        </p:spPr>
-      </p:pic>
-      <p:sp>
-        <p:nvSpPr>
-          <p:cNvPr id="57" name="Rectángulo 56">
-            <a:extLst>
-              <a:ext uri="{FF2B5EF4-FFF2-40B4-BE49-F238E27FC236}">
-                <a16:creationId xmlns:a16="http://schemas.microsoft.com/office/drawing/2014/main" id="{318E9D62-7BA3-4D5E-8915-0D0E8661E3D7}"/>
-              </a:ext>
-              <a:ext uri="{C183D7F6-B498-43B3-948B-1728B52AA6E4}">
-                <adec:decorative xmlns:adec="http://schemas.microsoft.com/office/drawing/2017/decorative" val="1"/>
-              </a:ext>
-            </a:extLst>
-          </p:cNvPr>
-          <p:cNvSpPr>
-            <a:spLocks noGrp="1" noRot="1" noChangeAspect="1" noMove="1" noResize="1" noEditPoints="1" noAdjustHandles="1" noChangeArrowheads="1" noChangeShapeType="1" noTextEdit="1"/>
-          </p:cNvSpPr>
           <p:nvPr>
             <p:extLst>
               <p:ext uri="{386F3935-93C4-4BCD-93E2-E3B085C9AB24}">
@@ -8866,21 +9788,136 @@
               </p:ext>
             </p:extLst>
           </p:nvPr>
-        </p:nvSpPr>
-        <p:spPr>
-          <a:xfrm>
-            <a:off x="10437812" y="0"/>
-            <a:ext cx="685800" cy="1143000"/>
+        </p:nvPicPr>
+        <p:blipFill rotWithShape="1">
+          <a:blip r:embed="rId4">
+            <a:extLst>
+              <a:ext uri="{28A0092B-C50C-407E-A947-70E740481C1C}">
+                <a14:useLocalDpi xmlns:a14="http://schemas.microsoft.com/office/drawing/2010/main"/>
+              </a:ext>
+            </a:extLst>
+          </a:blip>
+          <a:srcRect l="3613"/>
+          <a:stretch/>
+        </p:blipFill>
+        <p:spPr>
+          <a:xfrm>
+            <a:off x="0" y="2669685"/>
+            <a:ext cx="4037012" cy="4188315"/>
           </a:xfrm>
           <a:prstGeom prst="rect">
             <a:avLst/>
           </a:prstGeom>
-          <a:solidFill>
-            <a:schemeClr val="accent1"/>
-          </a:solidFill>
+        </p:spPr>
+      </p:pic>
+      <p:pic>
+        <p:nvPicPr>
+          <p:cNvPr id="51" name="Imagen 50">
+            <a:extLst>
+              <a:ext uri="{FF2B5EF4-FFF2-40B4-BE49-F238E27FC236}">
+                <a16:creationId xmlns:a16="http://schemas.microsoft.com/office/drawing/2014/main" id="{AA3FED7F-6821-47C0-A464-E9278B24129E}"/>
+              </a:ext>
+              <a:ext uri="{C183D7F6-B498-43B3-948B-1728B52AA6E4}">
+                <adec:decorative xmlns:adec="http://schemas.microsoft.com/office/drawing/2017/decorative" val="1"/>
+              </a:ext>
+            </a:extLst>
+          </p:cNvPr>
+          <p:cNvPicPr>
+            <a:picLocks noGrp="1" noRot="1" noChangeAspect="1" noMove="1" noResize="1" noEditPoints="1" noAdjustHandles="1" noChangeArrowheads="1" noChangeShapeType="1" noCrop="1"/>
+          </p:cNvPicPr>
+          <p:nvPr>
+            <p:extLst>
+              <p:ext uri="{386F3935-93C4-4BCD-93E2-E3B085C9AB24}">
+                <p16:designElem xmlns:p16="http://schemas.microsoft.com/office/powerpoint/2015/main" val="1"/>
+              </p:ext>
+            </p:extLst>
+          </p:nvPr>
+        </p:nvPicPr>
+        <p:blipFill rotWithShape="1">
+          <a:blip r:embed="rId5">
+            <a:extLst>
+              <a:ext uri="{28A0092B-C50C-407E-A947-70E740481C1C}">
+                <a14:useLocalDpi xmlns:a14="http://schemas.microsoft.com/office/drawing/2010/main"/>
+              </a:ext>
+            </a:extLst>
+          </a:blip>
+          <a:srcRect l="35640"/>
+          <a:stretch/>
+        </p:blipFill>
+        <p:spPr>
+          <a:xfrm>
+            <a:off x="0" y="2892347"/>
+            <a:ext cx="1522412" cy="2365453"/>
+          </a:xfrm>
+          <a:prstGeom prst="rect">
+            <a:avLst/>
+          </a:prstGeom>
+        </p:spPr>
+      </p:pic>
+      <p:sp>
+        <p:nvSpPr>
+          <p:cNvPr id="53" name="Elipse 52">
+            <a:extLst>
+              <a:ext uri="{FF2B5EF4-FFF2-40B4-BE49-F238E27FC236}">
+                <a16:creationId xmlns:a16="http://schemas.microsoft.com/office/drawing/2014/main" id="{8F54B2FB-3F54-4350-8D1B-F86D677CA7ED}"/>
+              </a:ext>
+              <a:ext uri="{C183D7F6-B498-43B3-948B-1728B52AA6E4}">
+                <adec:decorative xmlns:adec="http://schemas.microsoft.com/office/drawing/2017/decorative" val="1"/>
+              </a:ext>
+            </a:extLst>
+          </p:cNvPr>
+          <p:cNvSpPr>
+            <a:spLocks noGrp="1" noRot="1" noChangeAspect="1" noMove="1" noResize="1" noEditPoints="1" noAdjustHandles="1" noChangeArrowheads="1" noChangeShapeType="1" noTextEdit="1"/>
+          </p:cNvSpPr>
+          <p:nvPr>
+            <p:extLst>
+              <p:ext uri="{386F3935-93C4-4BCD-93E2-E3B085C9AB24}">
+                <p16:designElem xmlns:p16="http://schemas.microsoft.com/office/powerpoint/2015/main" val="1"/>
+              </p:ext>
+            </p:extLst>
+          </p:nvPr>
+        </p:nvSpPr>
+        <p:spPr>
+          <a:xfrm>
+            <a:off x="8609012" y="1676400"/>
+            <a:ext cx="2819400" cy="2819400"/>
+          </a:xfrm>
+          <a:prstGeom prst="ellipse">
+            <a:avLst/>
+          </a:prstGeom>
+          <a:gradFill flip="none" rotWithShape="1">
+            <a:gsLst>
+              <a:gs pos="0">
+                <a:schemeClr val="bg2">
+                  <a:lumMod val="40000"/>
+                  <a:lumOff val="60000"/>
+                  <a:alpha val="7000"/>
+                </a:schemeClr>
+              </a:gs>
+              <a:gs pos="69000">
+                <a:schemeClr val="bg2">
+                  <a:lumMod val="40000"/>
+                  <a:lumOff val="60000"/>
+                  <a:alpha val="0"/>
+                </a:schemeClr>
+              </a:gs>
+              <a:gs pos="36000">
+                <a:schemeClr val="bg2">
+                  <a:lumMod val="40000"/>
+                  <a:lumOff val="60000"/>
+                  <a:alpha val="6000"/>
+                </a:schemeClr>
+              </a:gs>
+            </a:gsLst>
+            <a:path path="circle">
+              <a:fillToRect l="50000" t="50000" r="50000" b="50000"/>
+            </a:path>
+            <a:tileRect/>
+          </a:gradFill>
           <a:ln>
             <a:noFill/>
           </a:ln>
+          <a:effectLst/>
         </p:spPr>
         <p:style>
           <a:lnRef idx="1">
@@ -8897,10 +9934,220 @@
           </a:fontRef>
         </p:style>
       </p:sp>
+      <p:pic>
+        <p:nvPicPr>
+          <p:cNvPr id="55" name="Imagen 54">
+            <a:extLst>
+              <a:ext uri="{FF2B5EF4-FFF2-40B4-BE49-F238E27FC236}">
+                <a16:creationId xmlns:a16="http://schemas.microsoft.com/office/drawing/2014/main" id="{561B34F5-88E5-4711-BC16-3005C29AD7C6}"/>
+              </a:ext>
+              <a:ext uri="{C183D7F6-B498-43B3-948B-1728B52AA6E4}">
+                <adec:decorative xmlns:adec="http://schemas.microsoft.com/office/drawing/2017/decorative" val="1"/>
+              </a:ext>
+            </a:extLst>
+          </p:cNvPr>
+          <p:cNvPicPr>
+            <a:picLocks noGrp="1" noRot="1" noChangeAspect="1" noMove="1" noResize="1" noEditPoints="1" noAdjustHandles="1" noChangeArrowheads="1" noChangeShapeType="1" noCrop="1"/>
+          </p:cNvPicPr>
+          <p:nvPr>
+            <p:extLst>
+              <p:ext uri="{386F3935-93C4-4BCD-93E2-E3B085C9AB24}">
+                <p16:designElem xmlns:p16="http://schemas.microsoft.com/office/powerpoint/2015/main" val="1"/>
+              </p:ext>
+            </p:extLst>
+          </p:nvPr>
+        </p:nvPicPr>
+        <p:blipFill rotWithShape="1">
+          <a:blip r:embed="rId6">
+            <a:extLst>
+              <a:ext uri="{28A0092B-C50C-407E-A947-70E740481C1C}">
+                <a14:useLocalDpi xmlns:a14="http://schemas.microsoft.com/office/drawing/2010/main"/>
+              </a:ext>
+            </a:extLst>
+          </a:blip>
+          <a:srcRect t="28813"/>
+          <a:stretch/>
+        </p:blipFill>
+        <p:spPr>
+          <a:xfrm>
+            <a:off x="7999412" y="0"/>
+            <a:ext cx="1603387" cy="1141407"/>
+          </a:xfrm>
+          <a:prstGeom prst="rect">
+            <a:avLst/>
+          </a:prstGeom>
+        </p:spPr>
+      </p:pic>
+      <p:pic>
+        <p:nvPicPr>
+          <p:cNvPr id="57" name="Imagen 56">
+            <a:extLst>
+              <a:ext uri="{FF2B5EF4-FFF2-40B4-BE49-F238E27FC236}">
+                <a16:creationId xmlns:a16="http://schemas.microsoft.com/office/drawing/2014/main" id="{4F3661D0-2268-4D3E-88BA-0647BCBE33AF}"/>
+              </a:ext>
+              <a:ext uri="{C183D7F6-B498-43B3-948B-1728B52AA6E4}">
+                <adec:decorative xmlns:adec="http://schemas.microsoft.com/office/drawing/2017/decorative" val="1"/>
+              </a:ext>
+            </a:extLst>
+          </p:cNvPr>
+          <p:cNvPicPr>
+            <a:picLocks noGrp="1" noRot="1" noChangeAspect="1" noMove="1" noResize="1" noEditPoints="1" noAdjustHandles="1" noChangeArrowheads="1" noChangeShapeType="1" noCrop="1"/>
+          </p:cNvPicPr>
+          <p:nvPr>
+            <p:extLst>
+              <p:ext uri="{386F3935-93C4-4BCD-93E2-E3B085C9AB24}">
+                <p16:designElem xmlns:p16="http://schemas.microsoft.com/office/powerpoint/2015/main" val="1"/>
+              </p:ext>
+            </p:extLst>
+          </p:nvPr>
+        </p:nvPicPr>
+        <p:blipFill rotWithShape="1">
+          <a:blip r:embed="rId7">
+            <a:extLst>
+              <a:ext uri="{28A0092B-C50C-407E-A947-70E740481C1C}">
+                <a14:useLocalDpi xmlns:a14="http://schemas.microsoft.com/office/drawing/2010/main"/>
+              </a:ext>
+            </a:extLst>
+          </a:blip>
+          <a:srcRect b="23320"/>
+          <a:stretch/>
+        </p:blipFill>
+        <p:spPr>
+          <a:xfrm>
+            <a:off x="8609012" y="6096000"/>
+            <a:ext cx="993734" cy="762000"/>
+          </a:xfrm>
+          <a:prstGeom prst="rect">
+            <a:avLst/>
+          </a:prstGeom>
+        </p:spPr>
+      </p:pic>
+      <p:sp>
+        <p:nvSpPr>
+          <p:cNvPr id="59" name="Rectángulo 58">
+            <a:extLst>
+              <a:ext uri="{FF2B5EF4-FFF2-40B4-BE49-F238E27FC236}">
+                <a16:creationId xmlns:a16="http://schemas.microsoft.com/office/drawing/2014/main" id="{DDB56DB5-0324-4F79-9AB8-CB18C1DC8743}"/>
+              </a:ext>
+              <a:ext uri="{C183D7F6-B498-43B3-948B-1728B52AA6E4}">
+                <adec:decorative xmlns:adec="http://schemas.microsoft.com/office/drawing/2017/decorative" val="1"/>
+              </a:ext>
+            </a:extLst>
+          </p:cNvPr>
+          <p:cNvSpPr>
+            <a:spLocks noGrp="1" noRot="1" noChangeAspect="1" noMove="1" noResize="1" noEditPoints="1" noAdjustHandles="1" noChangeArrowheads="1" noChangeShapeType="1" noTextEdit="1"/>
+          </p:cNvSpPr>
+          <p:nvPr>
+            <p:extLst>
+              <p:ext uri="{386F3935-93C4-4BCD-93E2-E3B085C9AB24}">
+                <p16:designElem xmlns:p16="http://schemas.microsoft.com/office/powerpoint/2015/main" val="1"/>
+              </p:ext>
+            </p:extLst>
+          </p:nvPr>
+        </p:nvSpPr>
+        <p:spPr>
+          <a:xfrm>
+            <a:off x="10437812" y="0"/>
+            <a:ext cx="685800" cy="1143000"/>
+          </a:xfrm>
+          <a:prstGeom prst="rect">
+            <a:avLst/>
+          </a:prstGeom>
+          <a:solidFill>
+            <a:schemeClr val="accent1"/>
+          </a:solidFill>
+          <a:ln>
+            <a:noFill/>
+          </a:ln>
+        </p:spPr>
+        <p:style>
+          <a:lnRef idx="1">
+            <a:schemeClr val="accent1"/>
+          </a:lnRef>
+          <a:fillRef idx="3">
+            <a:schemeClr val="accent1"/>
+          </a:fillRef>
+          <a:effectRef idx="2">
+            <a:schemeClr val="accent1"/>
+          </a:effectRef>
+          <a:fontRef idx="minor">
+            <a:schemeClr val="lt1"/>
+          </a:fontRef>
+        </p:style>
+      </p:sp>
+      <p:sp>
+        <p:nvSpPr>
+          <p:cNvPr id="3" name="Título 2">
+            <a:extLst>
+              <a:ext uri="{FF2B5EF4-FFF2-40B4-BE49-F238E27FC236}">
+                <a16:creationId xmlns:a16="http://schemas.microsoft.com/office/drawing/2014/main" id="{9A850E04-00D7-9AF6-A9C0-571E441C698A}"/>
+              </a:ext>
+            </a:extLst>
+          </p:cNvPr>
+          <p:cNvSpPr>
+            <a:spLocks noGrp="1"/>
+          </p:cNvSpPr>
+          <p:nvPr>
+            <p:ph type="title"/>
+          </p:nvPr>
+        </p:nvSpPr>
+        <p:spPr>
+          <a:xfrm>
+            <a:off x="1393638" y="274277"/>
+            <a:ext cx="9404723" cy="795208"/>
+          </a:xfrm>
+        </p:spPr>
+        <p:txBody>
+          <a:bodyPr/>
+          <a:lstStyle/>
+          <a:p>
+            <a:r>
+              <a:rPr lang="es-MX" dirty="0"/>
+              <a:t>NN CONVOLUCIONALES</a:t>
+            </a:r>
+          </a:p>
+        </p:txBody>
+      </p:sp>
+      <p:pic>
+        <p:nvPicPr>
+          <p:cNvPr id="4" name="Imagen 3">
+            <a:extLst>
+              <a:ext uri="{FF2B5EF4-FFF2-40B4-BE49-F238E27FC236}">
+                <a16:creationId xmlns:a16="http://schemas.microsoft.com/office/drawing/2014/main" id="{802334DE-B0FD-6EC3-CD00-EB0B77C58170}"/>
+              </a:ext>
+            </a:extLst>
+          </p:cNvPr>
+          <p:cNvPicPr>
+            <a:picLocks noChangeAspect="1"/>
+          </p:cNvPicPr>
+          <p:nvPr/>
+        </p:nvPicPr>
+        <p:blipFill>
+          <a:blip r:embed="rId8"/>
+          <a:stretch>
+            <a:fillRect/>
+          </a:stretch>
+        </p:blipFill>
+        <p:spPr>
+          <a:xfrm>
+            <a:off x="1447655" y="1295400"/>
+            <a:ext cx="8848725" cy="5181600"/>
+          </a:xfrm>
+          <a:prstGeom prst="rect">
+            <a:avLst/>
+          </a:prstGeom>
+          <a:ln>
+            <a:noFill/>
+          </a:ln>
+          <a:effectLst>
+            <a:softEdge rad="112500"/>
+          </a:effectLst>
+        </p:spPr>
+      </p:pic>
     </p:spTree>
     <p:extLst>
       <p:ext uri="{BB962C8B-B14F-4D97-AF65-F5344CB8AC3E}">
-        <p14:creationId xmlns:p14="http://schemas.microsoft.com/office/powerpoint/2010/main" val="879875596"/>
+        <p14:creationId xmlns:p14="http://schemas.microsoft.com/office/powerpoint/2010/main" val="1323269416"/>
       </p:ext>
     </p:extLst>
   </p:cSld>
@@ -8953,19 +10200,57 @@
       </p:grpSpPr>
       <p:pic>
         <p:nvPicPr>
-          <p:cNvPr id="49" name="Imagen 48">
+          <p:cNvPr id="15" name="Imagen 14" descr="diseño abstracto">
             <a:extLst>
               <a:ext uri="{FF2B5EF4-FFF2-40B4-BE49-F238E27FC236}">
-                <a16:creationId xmlns:a16="http://schemas.microsoft.com/office/drawing/2014/main" id="{AA085689-791F-4B8F-9F30-12415B97D366}"/>
-              </a:ext>
-              <a:ext uri="{C183D7F6-B498-43B3-948B-1728B52AA6E4}">
-                <adec:decorative xmlns:adec="http://schemas.microsoft.com/office/drawing/2017/decorative" val="1"/>
+                <a16:creationId xmlns:a16="http://schemas.microsoft.com/office/drawing/2014/main" id="{6D363037-1741-4470-A023-883E2FFD5840}"/>
               </a:ext>
             </a:extLst>
           </p:cNvPr>
           <p:cNvPicPr>
-            <a:picLocks noGrp="1" noRot="1" noChangeAspect="1" noMove="1" noResize="1" noEditPoints="1" noAdjustHandles="1" noChangeArrowheads="1" noChangeShapeType="1" noCrop="1"/>
+            <a:picLocks noChangeAspect="1"/>
           </p:cNvPicPr>
+          <p:nvPr/>
+        </p:nvPicPr>
+        <p:blipFill rotWithShape="1">
+          <a:blip r:embed="rId4">
+            <a:duotone>
+              <a:prstClr val="black"/>
+              <a:schemeClr val="accent5">
+                <a:tint val="45000"/>
+                <a:satMod val="400000"/>
+              </a:schemeClr>
+            </a:duotone>
+            <a:alphaModFix amt="25000"/>
+          </a:blip>
+          <a:srcRect t="18308" r="6818" b="2872"/>
+          <a:stretch/>
+        </p:blipFill>
+        <p:spPr>
+          <a:xfrm flipH="1">
+            <a:off x="20" y="10"/>
+            <a:ext cx="12191980" cy="6857990"/>
+          </a:xfrm>
+          <a:prstGeom prst="rect">
+            <a:avLst/>
+          </a:prstGeom>
+        </p:spPr>
+      </p:pic>
+      <p:sp>
+        <p:nvSpPr>
+          <p:cNvPr id="57" name="Rectángulo 56">
+            <a:extLst>
+              <a:ext uri="{FF2B5EF4-FFF2-40B4-BE49-F238E27FC236}">
+                <a16:creationId xmlns:a16="http://schemas.microsoft.com/office/drawing/2014/main" id="{318E9D62-7BA3-4D5E-8915-0D0E8661E3D7}"/>
+              </a:ext>
+              <a:ext uri="{C183D7F6-B498-43B3-948B-1728B52AA6E4}">
+                <adec:decorative xmlns:adec="http://schemas.microsoft.com/office/drawing/2017/decorative" val="1"/>
+              </a:ext>
+            </a:extLst>
+          </p:cNvPr>
+          <p:cNvSpPr>
+            <a:spLocks noGrp="1" noRot="1" noChangeAspect="1" noMove="1" noResize="1" noEditPoints="1" noAdjustHandles="1" noChangeArrowheads="1" noChangeShapeType="1" noTextEdit="1"/>
+          </p:cNvSpPr>
           <p:nvPr>
             <p:extLst>
               <p:ext uri="{386F3935-93C4-4BCD-93E2-E3B085C9AB24}">
@@ -8973,136 +10258,21 @@
               </p:ext>
             </p:extLst>
           </p:nvPr>
-        </p:nvPicPr>
-        <p:blipFill rotWithShape="1">
-          <a:blip r:embed="rId4">
-            <a:extLst>
-              <a:ext uri="{28A0092B-C50C-407E-A947-70E740481C1C}">
-                <a14:useLocalDpi xmlns:a14="http://schemas.microsoft.com/office/drawing/2010/main"/>
-              </a:ext>
-            </a:extLst>
-          </a:blip>
-          <a:srcRect l="3613"/>
-          <a:stretch/>
-        </p:blipFill>
-        <p:spPr>
-          <a:xfrm>
-            <a:off x="0" y="2669685"/>
-            <a:ext cx="4037012" cy="4188315"/>
+        </p:nvSpPr>
+        <p:spPr>
+          <a:xfrm>
+            <a:off x="10437812" y="0"/>
+            <a:ext cx="685800" cy="1143000"/>
           </a:xfrm>
           <a:prstGeom prst="rect">
             <a:avLst/>
           </a:prstGeom>
-        </p:spPr>
-      </p:pic>
-      <p:pic>
-        <p:nvPicPr>
-          <p:cNvPr id="51" name="Imagen 50">
-            <a:extLst>
-              <a:ext uri="{FF2B5EF4-FFF2-40B4-BE49-F238E27FC236}">
-                <a16:creationId xmlns:a16="http://schemas.microsoft.com/office/drawing/2014/main" id="{AA3FED7F-6821-47C0-A464-E9278B24129E}"/>
-              </a:ext>
-              <a:ext uri="{C183D7F6-B498-43B3-948B-1728B52AA6E4}">
-                <adec:decorative xmlns:adec="http://schemas.microsoft.com/office/drawing/2017/decorative" val="1"/>
-              </a:ext>
-            </a:extLst>
-          </p:cNvPr>
-          <p:cNvPicPr>
-            <a:picLocks noGrp="1" noRot="1" noChangeAspect="1" noMove="1" noResize="1" noEditPoints="1" noAdjustHandles="1" noChangeArrowheads="1" noChangeShapeType="1" noCrop="1"/>
-          </p:cNvPicPr>
-          <p:nvPr>
-            <p:extLst>
-              <p:ext uri="{386F3935-93C4-4BCD-93E2-E3B085C9AB24}">
-                <p16:designElem xmlns:p16="http://schemas.microsoft.com/office/powerpoint/2015/main" val="1"/>
-              </p:ext>
-            </p:extLst>
-          </p:nvPr>
-        </p:nvPicPr>
-        <p:blipFill rotWithShape="1">
-          <a:blip r:embed="rId5">
-            <a:extLst>
-              <a:ext uri="{28A0092B-C50C-407E-A947-70E740481C1C}">
-                <a14:useLocalDpi xmlns:a14="http://schemas.microsoft.com/office/drawing/2010/main"/>
-              </a:ext>
-            </a:extLst>
-          </a:blip>
-          <a:srcRect l="35640"/>
-          <a:stretch/>
-        </p:blipFill>
-        <p:spPr>
-          <a:xfrm>
-            <a:off x="0" y="2892347"/>
-            <a:ext cx="1522412" cy="2365453"/>
-          </a:xfrm>
-          <a:prstGeom prst="rect">
-            <a:avLst/>
-          </a:prstGeom>
-        </p:spPr>
-      </p:pic>
-      <p:sp>
-        <p:nvSpPr>
-          <p:cNvPr id="53" name="Elipse 52">
-            <a:extLst>
-              <a:ext uri="{FF2B5EF4-FFF2-40B4-BE49-F238E27FC236}">
-                <a16:creationId xmlns:a16="http://schemas.microsoft.com/office/drawing/2014/main" id="{8F54B2FB-3F54-4350-8D1B-F86D677CA7ED}"/>
-              </a:ext>
-              <a:ext uri="{C183D7F6-B498-43B3-948B-1728B52AA6E4}">
-                <adec:decorative xmlns:adec="http://schemas.microsoft.com/office/drawing/2017/decorative" val="1"/>
-              </a:ext>
-            </a:extLst>
-          </p:cNvPr>
-          <p:cNvSpPr>
-            <a:spLocks noGrp="1" noRot="1" noChangeAspect="1" noMove="1" noResize="1" noEditPoints="1" noAdjustHandles="1" noChangeArrowheads="1" noChangeShapeType="1" noTextEdit="1"/>
-          </p:cNvSpPr>
-          <p:nvPr>
-            <p:extLst>
-              <p:ext uri="{386F3935-93C4-4BCD-93E2-E3B085C9AB24}">
-                <p16:designElem xmlns:p16="http://schemas.microsoft.com/office/powerpoint/2015/main" val="1"/>
-              </p:ext>
-            </p:extLst>
-          </p:nvPr>
-        </p:nvSpPr>
-        <p:spPr>
-          <a:xfrm>
-            <a:off x="8609012" y="1676400"/>
-            <a:ext cx="2819400" cy="2819400"/>
-          </a:xfrm>
-          <a:prstGeom prst="ellipse">
-            <a:avLst/>
-          </a:prstGeom>
-          <a:gradFill flip="none" rotWithShape="1">
-            <a:gsLst>
-              <a:gs pos="0">
-                <a:schemeClr val="bg2">
-                  <a:lumMod val="40000"/>
-                  <a:lumOff val="60000"/>
-                  <a:alpha val="7000"/>
-                </a:schemeClr>
-              </a:gs>
-              <a:gs pos="69000">
-                <a:schemeClr val="bg2">
-                  <a:lumMod val="40000"/>
-                  <a:lumOff val="60000"/>
-                  <a:alpha val="0"/>
-                </a:schemeClr>
-              </a:gs>
-              <a:gs pos="36000">
-                <a:schemeClr val="bg2">
-                  <a:lumMod val="40000"/>
-                  <a:lumOff val="60000"/>
-                  <a:alpha val="6000"/>
-                </a:schemeClr>
-              </a:gs>
-            </a:gsLst>
-            <a:path path="circle">
-              <a:fillToRect l="50000" t="50000" r="50000" b="50000"/>
-            </a:path>
-            <a:tileRect/>
-          </a:gradFill>
+          <a:solidFill>
+            <a:schemeClr val="accent1"/>
+          </a:solidFill>
           <a:ln>
             <a:noFill/>
           </a:ln>
-          <a:effectLst/>
         </p:spPr>
         <p:style>
           <a:lnRef idx="1">
@@ -9119,186 +10289,119 @@
           </a:fontRef>
         </p:style>
       </p:sp>
-      <p:pic>
-        <p:nvPicPr>
-          <p:cNvPr id="55" name="Imagen 54">
+      <p:sp>
+        <p:nvSpPr>
+          <p:cNvPr id="2" name="Título 2">
             <a:extLst>
               <a:ext uri="{FF2B5EF4-FFF2-40B4-BE49-F238E27FC236}">
-                <a16:creationId xmlns:a16="http://schemas.microsoft.com/office/drawing/2014/main" id="{561B34F5-88E5-4711-BC16-3005C29AD7C6}"/>
-              </a:ext>
-              <a:ext uri="{C183D7F6-B498-43B3-948B-1728B52AA6E4}">
-                <adec:decorative xmlns:adec="http://schemas.microsoft.com/office/drawing/2017/decorative" val="1"/>
+                <a16:creationId xmlns:a16="http://schemas.microsoft.com/office/drawing/2014/main" id="{7FC0812D-F7EC-EC02-ED24-D1C05F4BE29C}"/>
               </a:ext>
             </a:extLst>
           </p:cNvPr>
-          <p:cNvPicPr>
-            <a:picLocks noGrp="1" noRot="1" noChangeAspect="1" noMove="1" noResize="1" noEditPoints="1" noAdjustHandles="1" noChangeArrowheads="1" noChangeShapeType="1" noCrop="1"/>
-          </p:cNvPicPr>
-          <p:nvPr>
-            <p:extLst>
-              <p:ext uri="{386F3935-93C4-4BCD-93E2-E3B085C9AB24}">
-                <p16:designElem xmlns:p16="http://schemas.microsoft.com/office/powerpoint/2015/main" val="1"/>
-              </p:ext>
-            </p:extLst>
-          </p:nvPr>
-        </p:nvPicPr>
-        <p:blipFill rotWithShape="1">
-          <a:blip r:embed="rId6">
-            <a:extLst>
-              <a:ext uri="{28A0092B-C50C-407E-A947-70E740481C1C}">
-                <a14:useLocalDpi xmlns:a14="http://schemas.microsoft.com/office/drawing/2010/main"/>
-              </a:ext>
-            </a:extLst>
-          </a:blip>
-          <a:srcRect t="28813"/>
-          <a:stretch/>
-        </p:blipFill>
-        <p:spPr>
-          <a:xfrm>
-            <a:off x="7999412" y="0"/>
-            <a:ext cx="1603387" cy="1141407"/>
+          <p:cNvSpPr txBox="1">
+            <a:spLocks/>
+          </p:cNvSpPr>
+          <p:nvPr/>
+        </p:nvSpPr>
+        <p:spPr>
+          <a:xfrm>
+            <a:off x="2443963" y="185118"/>
+            <a:ext cx="9404723" cy="772764"/>
           </a:xfrm>
           <a:prstGeom prst="rect">
             <a:avLst/>
           </a:prstGeom>
         </p:spPr>
-      </p:pic>
-      <p:pic>
-        <p:nvPicPr>
-          <p:cNvPr id="57" name="Imagen 56">
+        <p:txBody>
+          <a:bodyPr vert="horz" lIns="91440" tIns="45720" rIns="91440" bIns="45720" rtlCol="0" anchor="b">
+            <a:noAutofit/>
+          </a:bodyPr>
+          <a:lstStyle>
+            <a:lvl1pPr algn="l" defTabSz="457200" rtl="0" eaLnBrk="1" latinLnBrk="0" hangingPunct="1">
+              <a:spcBef>
+                <a:spcPct val="0"/>
+              </a:spcBef>
+              <a:buNone/>
+              <a:defRPr sz="7200" b="0" i="0" kern="1200">
+                <a:solidFill>
+                  <a:schemeClr val="tx2"/>
+                </a:solidFill>
+                <a:latin typeface="+mj-lt"/>
+                <a:ea typeface="+mj-ea"/>
+                <a:cs typeface="+mj-cs"/>
+              </a:defRPr>
+            </a:lvl1pPr>
+            <a:lvl2pPr eaLnBrk="1" hangingPunct="1">
+              <a:defRPr>
+                <a:solidFill>
+                  <a:schemeClr val="tx2"/>
+                </a:solidFill>
+              </a:defRPr>
+            </a:lvl2pPr>
+            <a:lvl3pPr eaLnBrk="1" hangingPunct="1">
+              <a:defRPr>
+                <a:solidFill>
+                  <a:schemeClr val="tx2"/>
+                </a:solidFill>
+              </a:defRPr>
+            </a:lvl3pPr>
+            <a:lvl4pPr eaLnBrk="1" hangingPunct="1">
+              <a:defRPr>
+                <a:solidFill>
+                  <a:schemeClr val="tx2"/>
+                </a:solidFill>
+              </a:defRPr>
+            </a:lvl4pPr>
+            <a:lvl5pPr eaLnBrk="1" hangingPunct="1">
+              <a:defRPr>
+                <a:solidFill>
+                  <a:schemeClr val="tx2"/>
+                </a:solidFill>
+              </a:defRPr>
+            </a:lvl5pPr>
+            <a:lvl6pPr eaLnBrk="1" hangingPunct="1">
+              <a:defRPr>
+                <a:solidFill>
+                  <a:schemeClr val="tx2"/>
+                </a:solidFill>
+              </a:defRPr>
+            </a:lvl6pPr>
+            <a:lvl7pPr eaLnBrk="1" hangingPunct="1">
+              <a:defRPr>
+                <a:solidFill>
+                  <a:schemeClr val="tx2"/>
+                </a:solidFill>
+              </a:defRPr>
+            </a:lvl7pPr>
+            <a:lvl8pPr eaLnBrk="1" hangingPunct="1">
+              <a:defRPr>
+                <a:solidFill>
+                  <a:schemeClr val="tx2"/>
+                </a:solidFill>
+              </a:defRPr>
+            </a:lvl8pPr>
+            <a:lvl9pPr eaLnBrk="1" hangingPunct="1">
+              <a:defRPr>
+                <a:solidFill>
+                  <a:schemeClr val="tx2"/>
+                </a:solidFill>
+              </a:defRPr>
+            </a:lvl9pPr>
+          </a:lstStyle>
+          <a:p>
+            <a:r>
+              <a:rPr lang="es-MX" sz="4000" dirty="0"/>
+              <a:t>POOLING</a:t>
+            </a:r>
+          </a:p>
+        </p:txBody>
+      </p:sp>
+      <p:sp>
+        <p:nvSpPr>
+          <p:cNvPr id="3" name="CuadroTexto 2">
             <a:extLst>
               <a:ext uri="{FF2B5EF4-FFF2-40B4-BE49-F238E27FC236}">
-                <a16:creationId xmlns:a16="http://schemas.microsoft.com/office/drawing/2014/main" id="{4F3661D0-2268-4D3E-88BA-0647BCBE33AF}"/>
-              </a:ext>
-              <a:ext uri="{C183D7F6-B498-43B3-948B-1728B52AA6E4}">
-                <adec:decorative xmlns:adec="http://schemas.microsoft.com/office/drawing/2017/decorative" val="1"/>
-              </a:ext>
-            </a:extLst>
-          </p:cNvPr>
-          <p:cNvPicPr>
-            <a:picLocks noGrp="1" noRot="1" noChangeAspect="1" noMove="1" noResize="1" noEditPoints="1" noAdjustHandles="1" noChangeArrowheads="1" noChangeShapeType="1" noCrop="1"/>
-          </p:cNvPicPr>
-          <p:nvPr>
-            <p:extLst>
-              <p:ext uri="{386F3935-93C4-4BCD-93E2-E3B085C9AB24}">
-                <p16:designElem xmlns:p16="http://schemas.microsoft.com/office/powerpoint/2015/main" val="1"/>
-              </p:ext>
-            </p:extLst>
-          </p:nvPr>
-        </p:nvPicPr>
-        <p:blipFill rotWithShape="1">
-          <a:blip r:embed="rId7">
-            <a:extLst>
-              <a:ext uri="{28A0092B-C50C-407E-A947-70E740481C1C}">
-                <a14:useLocalDpi xmlns:a14="http://schemas.microsoft.com/office/drawing/2010/main"/>
-              </a:ext>
-            </a:extLst>
-          </a:blip>
-          <a:srcRect b="23320"/>
-          <a:stretch/>
-        </p:blipFill>
-        <p:spPr>
-          <a:xfrm>
-            <a:off x="8609012" y="6096000"/>
-            <a:ext cx="993734" cy="762000"/>
-          </a:xfrm>
-          <a:prstGeom prst="rect">
-            <a:avLst/>
-          </a:prstGeom>
-        </p:spPr>
-      </p:pic>
-      <p:sp>
-        <p:nvSpPr>
-          <p:cNvPr id="59" name="Rectángulo 58">
-            <a:extLst>
-              <a:ext uri="{FF2B5EF4-FFF2-40B4-BE49-F238E27FC236}">
-                <a16:creationId xmlns:a16="http://schemas.microsoft.com/office/drawing/2014/main" id="{DDB56DB5-0324-4F79-9AB8-CB18C1DC8743}"/>
-              </a:ext>
-              <a:ext uri="{C183D7F6-B498-43B3-948B-1728B52AA6E4}">
-                <adec:decorative xmlns:adec="http://schemas.microsoft.com/office/drawing/2017/decorative" val="1"/>
-              </a:ext>
-            </a:extLst>
-          </p:cNvPr>
-          <p:cNvSpPr>
-            <a:spLocks noGrp="1" noRot="1" noChangeAspect="1" noMove="1" noResize="1" noEditPoints="1" noAdjustHandles="1" noChangeArrowheads="1" noChangeShapeType="1" noTextEdit="1"/>
-          </p:cNvSpPr>
-          <p:nvPr>
-            <p:extLst>
-              <p:ext uri="{386F3935-93C4-4BCD-93E2-E3B085C9AB24}">
-                <p16:designElem xmlns:p16="http://schemas.microsoft.com/office/powerpoint/2015/main" val="1"/>
-              </p:ext>
-            </p:extLst>
-          </p:nvPr>
-        </p:nvSpPr>
-        <p:spPr>
-          <a:xfrm>
-            <a:off x="10437812" y="0"/>
-            <a:ext cx="685800" cy="1143000"/>
-          </a:xfrm>
-          <a:prstGeom prst="rect">
-            <a:avLst/>
-          </a:prstGeom>
-          <a:solidFill>
-            <a:schemeClr val="accent1"/>
-          </a:solidFill>
-          <a:ln>
-            <a:noFill/>
-          </a:ln>
-        </p:spPr>
-        <p:style>
-          <a:lnRef idx="1">
-            <a:schemeClr val="accent1"/>
-          </a:lnRef>
-          <a:fillRef idx="3">
-            <a:schemeClr val="accent1"/>
-          </a:fillRef>
-          <a:effectRef idx="2">
-            <a:schemeClr val="accent1"/>
-          </a:effectRef>
-          <a:fontRef idx="minor">
-            <a:schemeClr val="lt1"/>
-          </a:fontRef>
-        </p:style>
-      </p:sp>
-      <p:sp>
-        <p:nvSpPr>
-          <p:cNvPr id="3" name="Título 2">
-            <a:extLst>
-              <a:ext uri="{FF2B5EF4-FFF2-40B4-BE49-F238E27FC236}">
-                <a16:creationId xmlns:a16="http://schemas.microsoft.com/office/drawing/2014/main" id="{9A850E04-00D7-9AF6-A9C0-571E441C698A}"/>
-              </a:ext>
-            </a:extLst>
-          </p:cNvPr>
-          <p:cNvSpPr>
-            <a:spLocks noGrp="1"/>
-          </p:cNvSpPr>
-          <p:nvPr>
-            <p:ph type="title"/>
-          </p:nvPr>
-        </p:nvSpPr>
-        <p:spPr>
-          <a:xfrm>
-            <a:off x="1393638" y="274277"/>
-            <a:ext cx="9404723" cy="795208"/>
-          </a:xfrm>
-        </p:spPr>
-        <p:txBody>
-          <a:bodyPr/>
-          <a:lstStyle/>
-          <a:p>
-            <a:r>
-              <a:rPr lang="es-MX" dirty="0"/>
-              <a:t>NN CONVOLUCIONALES</a:t>
-            </a:r>
-          </a:p>
-        </p:txBody>
-      </p:sp>
-      <p:sp>
-        <p:nvSpPr>
-          <p:cNvPr id="2" name="CuadroTexto 1">
-            <a:extLst>
-              <a:ext uri="{FF2B5EF4-FFF2-40B4-BE49-F238E27FC236}">
-                <a16:creationId xmlns:a16="http://schemas.microsoft.com/office/drawing/2014/main" id="{41C8DFE1-1FCE-9A94-F970-A725FDEF32DB}"/>
+                <a16:creationId xmlns:a16="http://schemas.microsoft.com/office/drawing/2014/main" id="{E05B6186-26C6-B66D-BE02-F6FE68FFC04C}"/>
               </a:ext>
             </a:extLst>
           </p:cNvPr>
@@ -9307,8 +10410,8 @@
         </p:nvSpPr>
         <p:spPr>
           <a:xfrm>
-            <a:off x="761206" y="1223253"/>
-            <a:ext cx="2038865" cy="646331"/>
+            <a:off x="1068388" y="1142990"/>
+            <a:ext cx="8776260" cy="2862322"/>
           </a:xfrm>
           <a:prstGeom prst="rect">
             <a:avLst/>
@@ -9323,8 +10426,32 @@
           <a:p>
             <a:r>
               <a:rPr lang="es-MX" dirty="0"/>
-              <a:t>Convolución:</a:t>
-            </a:r>
+              <a:t>El pooling es similar al kernel, solo que en cada iteración se obtiene el máximo promedio de la región que se está procesando.</a:t>
+            </a:r>
+          </a:p>
+          <a:p>
+            <a:endParaRPr lang="es-MX" dirty="0"/>
+          </a:p>
+          <a:p>
+            <a:r>
+              <a:rPr lang="es-MX" dirty="0"/>
+              <a:t>MAX-POOLING</a:t>
+            </a:r>
+          </a:p>
+          <a:p>
+            <a:endParaRPr lang="es-MX" dirty="0"/>
+          </a:p>
+          <a:p>
+            <a:r>
+              <a:rPr lang="es-MX" dirty="0"/>
+              <a:t>Se encarga de calcular el máximo de los elementos, este proceso se realiza para cada mapa existente</a:t>
+            </a:r>
+          </a:p>
+          <a:p>
+            <a:endParaRPr lang="es-MX" dirty="0"/>
+          </a:p>
+          <a:p>
+            <a:endParaRPr lang="es-MX" dirty="0"/>
           </a:p>
           <a:p>
             <a:endParaRPr lang="es-MX" dirty="0"/>
@@ -9333,10 +10460,10 @@
       </p:sp>
       <p:pic>
         <p:nvPicPr>
-          <p:cNvPr id="6" name="Imagen 5">
+          <p:cNvPr id="5" name="Imagen 4">
             <a:extLst>
               <a:ext uri="{FF2B5EF4-FFF2-40B4-BE49-F238E27FC236}">
-                <a16:creationId xmlns:a16="http://schemas.microsoft.com/office/drawing/2014/main" id="{359BDF74-E9A5-8CDE-440D-7DCC2232438C}"/>
+                <a16:creationId xmlns:a16="http://schemas.microsoft.com/office/drawing/2014/main" id="{9C26E9CF-61DD-2F6B-DD1B-825A9218F9BB}"/>
               </a:ext>
             </a:extLst>
           </p:cNvPr>
@@ -9345,15 +10472,16 @@
           </p:cNvPicPr>
           <p:nvPr/>
         </p:nvPicPr>
-        <p:blipFill rotWithShape="1">
-          <a:blip r:embed="rId8"/>
-          <a:srcRect b="10103"/>
-          <a:stretch/>
+        <p:blipFill>
+          <a:blip r:embed="rId5"/>
+          <a:stretch>
+            <a:fillRect/>
+          </a:stretch>
         </p:blipFill>
         <p:spPr>
           <a:xfrm>
-            <a:off x="959678" y="1869584"/>
-            <a:ext cx="10269467" cy="3765163"/>
+            <a:off x="3599865" y="3615869"/>
+            <a:ext cx="4992269" cy="2710790"/>
           </a:xfrm>
           <a:prstGeom prst="rect">
             <a:avLst/>
@@ -9363,7 +10491,7 @@
     </p:spTree>
     <p:extLst>
       <p:ext uri="{BB962C8B-B14F-4D97-AF65-F5344CB8AC3E}">
-        <p14:creationId xmlns:p14="http://schemas.microsoft.com/office/powerpoint/2010/main" val="3858054030"/>
+        <p14:creationId xmlns:p14="http://schemas.microsoft.com/office/powerpoint/2010/main" val="3027272604"/>
       </p:ext>
     </p:extLst>
   </p:cSld>
@@ -9414,21 +10542,21 @@
           <a:chExt cx="0" cy="0"/>
         </a:xfrm>
       </p:grpSpPr>
-      <p:sp>
-        <p:nvSpPr>
-          <p:cNvPr id="78" name="Rectángulo 77">
+      <p:pic>
+        <p:nvPicPr>
+          <p:cNvPr id="49" name="Imagen 48">
             <a:extLst>
               <a:ext uri="{FF2B5EF4-FFF2-40B4-BE49-F238E27FC236}">
-                <a16:creationId xmlns:a16="http://schemas.microsoft.com/office/drawing/2014/main" id="{7527E565-DE8D-445C-9879-AD1D04415A78}"/>
+                <a16:creationId xmlns:a16="http://schemas.microsoft.com/office/drawing/2014/main" id="{AA085689-791F-4B8F-9F30-12415B97D366}"/>
               </a:ext>
               <a:ext uri="{C183D7F6-B498-43B3-948B-1728B52AA6E4}">
                 <adec:decorative xmlns:adec="http://schemas.microsoft.com/office/drawing/2017/decorative" val="1"/>
               </a:ext>
             </a:extLst>
           </p:cNvPr>
-          <p:cNvSpPr>
-            <a:spLocks noGrp="1" noRot="1" noChangeAspect="1" noMove="1" noResize="1" noEditPoints="1" noAdjustHandles="1" noChangeArrowheads="1" noChangeShapeType="1" noTextEdit="1"/>
-          </p:cNvSpPr>
+          <p:cNvPicPr>
+            <a:picLocks noGrp="1" noRot="1" noChangeAspect="1" noMove="1" noResize="1" noEditPoints="1" noAdjustHandles="1" noChangeArrowheads="1" noChangeShapeType="1" noCrop="1"/>
+          </p:cNvPicPr>
           <p:nvPr>
             <p:extLst>
               <p:ext uri="{386F3935-93C4-4BCD-93E2-E3B085C9AB24}">
@@ -9436,21 +10564,136 @@
               </p:ext>
             </p:extLst>
           </p:nvPr>
-        </p:nvSpPr>
-        <p:spPr>
-          <a:xfrm>
-            <a:off x="10437812" y="0"/>
-            <a:ext cx="685800" cy="1143000"/>
+        </p:nvPicPr>
+        <p:blipFill rotWithShape="1">
+          <a:blip r:embed="rId4">
+            <a:extLst>
+              <a:ext uri="{28A0092B-C50C-407E-A947-70E740481C1C}">
+                <a14:useLocalDpi xmlns:a14="http://schemas.microsoft.com/office/drawing/2010/main"/>
+              </a:ext>
+            </a:extLst>
+          </a:blip>
+          <a:srcRect l="3613"/>
+          <a:stretch/>
+        </p:blipFill>
+        <p:spPr>
+          <a:xfrm>
+            <a:off x="0" y="2669685"/>
+            <a:ext cx="4037012" cy="4188315"/>
           </a:xfrm>
           <a:prstGeom prst="rect">
             <a:avLst/>
           </a:prstGeom>
-          <a:solidFill>
-            <a:schemeClr val="accent1"/>
-          </a:solidFill>
+        </p:spPr>
+      </p:pic>
+      <p:pic>
+        <p:nvPicPr>
+          <p:cNvPr id="51" name="Imagen 50">
+            <a:extLst>
+              <a:ext uri="{FF2B5EF4-FFF2-40B4-BE49-F238E27FC236}">
+                <a16:creationId xmlns:a16="http://schemas.microsoft.com/office/drawing/2014/main" id="{AA3FED7F-6821-47C0-A464-E9278B24129E}"/>
+              </a:ext>
+              <a:ext uri="{C183D7F6-B498-43B3-948B-1728B52AA6E4}">
+                <adec:decorative xmlns:adec="http://schemas.microsoft.com/office/drawing/2017/decorative" val="1"/>
+              </a:ext>
+            </a:extLst>
+          </p:cNvPr>
+          <p:cNvPicPr>
+            <a:picLocks noGrp="1" noRot="1" noChangeAspect="1" noMove="1" noResize="1" noEditPoints="1" noAdjustHandles="1" noChangeArrowheads="1" noChangeShapeType="1" noCrop="1"/>
+          </p:cNvPicPr>
+          <p:nvPr>
+            <p:extLst>
+              <p:ext uri="{386F3935-93C4-4BCD-93E2-E3B085C9AB24}">
+                <p16:designElem xmlns:p16="http://schemas.microsoft.com/office/powerpoint/2015/main" val="1"/>
+              </p:ext>
+            </p:extLst>
+          </p:nvPr>
+        </p:nvPicPr>
+        <p:blipFill rotWithShape="1">
+          <a:blip r:embed="rId5">
+            <a:extLst>
+              <a:ext uri="{28A0092B-C50C-407E-A947-70E740481C1C}">
+                <a14:useLocalDpi xmlns:a14="http://schemas.microsoft.com/office/drawing/2010/main"/>
+              </a:ext>
+            </a:extLst>
+          </a:blip>
+          <a:srcRect l="35640"/>
+          <a:stretch/>
+        </p:blipFill>
+        <p:spPr>
+          <a:xfrm>
+            <a:off x="0" y="2892347"/>
+            <a:ext cx="1522412" cy="2365453"/>
+          </a:xfrm>
+          <a:prstGeom prst="rect">
+            <a:avLst/>
+          </a:prstGeom>
+        </p:spPr>
+      </p:pic>
+      <p:sp>
+        <p:nvSpPr>
+          <p:cNvPr id="53" name="Elipse 52">
+            <a:extLst>
+              <a:ext uri="{FF2B5EF4-FFF2-40B4-BE49-F238E27FC236}">
+                <a16:creationId xmlns:a16="http://schemas.microsoft.com/office/drawing/2014/main" id="{8F54B2FB-3F54-4350-8D1B-F86D677CA7ED}"/>
+              </a:ext>
+              <a:ext uri="{C183D7F6-B498-43B3-948B-1728B52AA6E4}">
+                <adec:decorative xmlns:adec="http://schemas.microsoft.com/office/drawing/2017/decorative" val="1"/>
+              </a:ext>
+            </a:extLst>
+          </p:cNvPr>
+          <p:cNvSpPr>
+            <a:spLocks noGrp="1" noRot="1" noChangeAspect="1" noMove="1" noResize="1" noEditPoints="1" noAdjustHandles="1" noChangeArrowheads="1" noChangeShapeType="1" noTextEdit="1"/>
+          </p:cNvSpPr>
+          <p:nvPr>
+            <p:extLst>
+              <p:ext uri="{386F3935-93C4-4BCD-93E2-E3B085C9AB24}">
+                <p16:designElem xmlns:p16="http://schemas.microsoft.com/office/powerpoint/2015/main" val="1"/>
+              </p:ext>
+            </p:extLst>
+          </p:nvPr>
+        </p:nvSpPr>
+        <p:spPr>
+          <a:xfrm>
+            <a:off x="8609012" y="1676400"/>
+            <a:ext cx="2819400" cy="2819400"/>
+          </a:xfrm>
+          <a:prstGeom prst="ellipse">
+            <a:avLst/>
+          </a:prstGeom>
+          <a:gradFill flip="none" rotWithShape="1">
+            <a:gsLst>
+              <a:gs pos="0">
+                <a:schemeClr val="bg2">
+                  <a:lumMod val="40000"/>
+                  <a:lumOff val="60000"/>
+                  <a:alpha val="7000"/>
+                </a:schemeClr>
+              </a:gs>
+              <a:gs pos="69000">
+                <a:schemeClr val="bg2">
+                  <a:lumMod val="40000"/>
+                  <a:lumOff val="60000"/>
+                  <a:alpha val="0"/>
+                </a:schemeClr>
+              </a:gs>
+              <a:gs pos="36000">
+                <a:schemeClr val="bg2">
+                  <a:lumMod val="40000"/>
+                  <a:lumOff val="60000"/>
+                  <a:alpha val="6000"/>
+                </a:schemeClr>
+              </a:gs>
+            </a:gsLst>
+            <a:path path="circle">
+              <a:fillToRect l="50000" t="50000" r="50000" b="50000"/>
+            </a:path>
+            <a:tileRect/>
+          </a:gradFill>
           <a:ln>
             <a:noFill/>
           </a:ln>
+          <a:effectLst/>
         </p:spPr>
         <p:style>
           <a:lnRef idx="1">
@@ -9467,15 +10710,156 @@
           </a:fontRef>
         </p:style>
       </p:sp>
-      <p:sp>
-        <p:nvSpPr>
-          <p:cNvPr id="7" name="Título 2">
+      <p:pic>
+        <p:nvPicPr>
+          <p:cNvPr id="55" name="Imagen 54">
             <a:extLst>
               <a:ext uri="{FF2B5EF4-FFF2-40B4-BE49-F238E27FC236}">
-                <a16:creationId xmlns:a16="http://schemas.microsoft.com/office/drawing/2014/main" id="{5DEA9470-6647-2C6E-65C7-306CDCE4D085}"/>
+                <a16:creationId xmlns:a16="http://schemas.microsoft.com/office/drawing/2014/main" id="{561B34F5-88E5-4711-BC16-3005C29AD7C6}"/>
+              </a:ext>
+              <a:ext uri="{C183D7F6-B498-43B3-948B-1728B52AA6E4}">
+                <adec:decorative xmlns:adec="http://schemas.microsoft.com/office/drawing/2017/decorative" val="1"/>
               </a:ext>
             </a:extLst>
           </p:cNvPr>
+          <p:cNvPicPr>
+            <a:picLocks noGrp="1" noRot="1" noChangeAspect="1" noMove="1" noResize="1" noEditPoints="1" noAdjustHandles="1" noChangeArrowheads="1" noChangeShapeType="1" noCrop="1"/>
+          </p:cNvPicPr>
+          <p:nvPr>
+            <p:extLst>
+              <p:ext uri="{386F3935-93C4-4BCD-93E2-E3B085C9AB24}">
+                <p16:designElem xmlns:p16="http://schemas.microsoft.com/office/powerpoint/2015/main" val="1"/>
+              </p:ext>
+            </p:extLst>
+          </p:nvPr>
+        </p:nvPicPr>
+        <p:blipFill rotWithShape="1">
+          <a:blip r:embed="rId6">
+            <a:extLst>
+              <a:ext uri="{28A0092B-C50C-407E-A947-70E740481C1C}">
+                <a14:useLocalDpi xmlns:a14="http://schemas.microsoft.com/office/drawing/2010/main"/>
+              </a:ext>
+            </a:extLst>
+          </a:blip>
+          <a:srcRect t="28813"/>
+          <a:stretch/>
+        </p:blipFill>
+        <p:spPr>
+          <a:xfrm>
+            <a:off x="7999412" y="0"/>
+            <a:ext cx="1603387" cy="1141407"/>
+          </a:xfrm>
+          <a:prstGeom prst="rect">
+            <a:avLst/>
+          </a:prstGeom>
+        </p:spPr>
+      </p:pic>
+      <p:pic>
+        <p:nvPicPr>
+          <p:cNvPr id="57" name="Imagen 56">
+            <a:extLst>
+              <a:ext uri="{FF2B5EF4-FFF2-40B4-BE49-F238E27FC236}">
+                <a16:creationId xmlns:a16="http://schemas.microsoft.com/office/drawing/2014/main" id="{4F3661D0-2268-4D3E-88BA-0647BCBE33AF}"/>
+              </a:ext>
+              <a:ext uri="{C183D7F6-B498-43B3-948B-1728B52AA6E4}">
+                <adec:decorative xmlns:adec="http://schemas.microsoft.com/office/drawing/2017/decorative" val="1"/>
+              </a:ext>
+            </a:extLst>
+          </p:cNvPr>
+          <p:cNvPicPr>
+            <a:picLocks noGrp="1" noRot="1" noChangeAspect="1" noMove="1" noResize="1" noEditPoints="1" noAdjustHandles="1" noChangeArrowheads="1" noChangeShapeType="1" noCrop="1"/>
+          </p:cNvPicPr>
+          <p:nvPr>
+            <p:extLst>
+              <p:ext uri="{386F3935-93C4-4BCD-93E2-E3B085C9AB24}">
+                <p16:designElem xmlns:p16="http://schemas.microsoft.com/office/powerpoint/2015/main" val="1"/>
+              </p:ext>
+            </p:extLst>
+          </p:nvPr>
+        </p:nvPicPr>
+        <p:blipFill rotWithShape="1">
+          <a:blip r:embed="rId7">
+            <a:extLst>
+              <a:ext uri="{28A0092B-C50C-407E-A947-70E740481C1C}">
+                <a14:useLocalDpi xmlns:a14="http://schemas.microsoft.com/office/drawing/2010/main"/>
+              </a:ext>
+            </a:extLst>
+          </a:blip>
+          <a:srcRect b="23320"/>
+          <a:stretch/>
+        </p:blipFill>
+        <p:spPr>
+          <a:xfrm>
+            <a:off x="8609012" y="6096000"/>
+            <a:ext cx="993734" cy="762000"/>
+          </a:xfrm>
+          <a:prstGeom prst="rect">
+            <a:avLst/>
+          </a:prstGeom>
+        </p:spPr>
+      </p:pic>
+      <p:sp>
+        <p:nvSpPr>
+          <p:cNvPr id="59" name="Rectángulo 58">
+            <a:extLst>
+              <a:ext uri="{FF2B5EF4-FFF2-40B4-BE49-F238E27FC236}">
+                <a16:creationId xmlns:a16="http://schemas.microsoft.com/office/drawing/2014/main" id="{DDB56DB5-0324-4F79-9AB8-CB18C1DC8743}"/>
+              </a:ext>
+              <a:ext uri="{C183D7F6-B498-43B3-948B-1728B52AA6E4}">
+                <adec:decorative xmlns:adec="http://schemas.microsoft.com/office/drawing/2017/decorative" val="1"/>
+              </a:ext>
+            </a:extLst>
+          </p:cNvPr>
+          <p:cNvSpPr>
+            <a:spLocks noGrp="1" noRot="1" noChangeAspect="1" noMove="1" noResize="1" noEditPoints="1" noAdjustHandles="1" noChangeArrowheads="1" noChangeShapeType="1" noTextEdit="1"/>
+          </p:cNvSpPr>
+          <p:nvPr>
+            <p:extLst>
+              <p:ext uri="{386F3935-93C4-4BCD-93E2-E3B085C9AB24}">
+                <p16:designElem xmlns:p16="http://schemas.microsoft.com/office/powerpoint/2015/main" val="1"/>
+              </p:ext>
+            </p:extLst>
+          </p:nvPr>
+        </p:nvSpPr>
+        <p:spPr>
+          <a:xfrm>
+            <a:off x="10437812" y="0"/>
+            <a:ext cx="685800" cy="1143000"/>
+          </a:xfrm>
+          <a:prstGeom prst="rect">
+            <a:avLst/>
+          </a:prstGeom>
+          <a:solidFill>
+            <a:schemeClr val="accent1"/>
+          </a:solidFill>
+          <a:ln>
+            <a:noFill/>
+          </a:ln>
+        </p:spPr>
+        <p:style>
+          <a:lnRef idx="1">
+            <a:schemeClr val="accent1"/>
+          </a:lnRef>
+          <a:fillRef idx="3">
+            <a:schemeClr val="accent1"/>
+          </a:fillRef>
+          <a:effectRef idx="2">
+            <a:schemeClr val="accent1"/>
+          </a:effectRef>
+          <a:fontRef idx="minor">
+            <a:schemeClr val="lt1"/>
+          </a:fontRef>
+        </p:style>
+      </p:sp>
+      <p:sp>
+        <p:nvSpPr>
+          <p:cNvPr id="3" name="Título 2">
+            <a:extLst>
+              <a:ext uri="{FF2B5EF4-FFF2-40B4-BE49-F238E27FC236}">
+                <a16:creationId xmlns:a16="http://schemas.microsoft.com/office/drawing/2014/main" id="{9A850E04-00D7-9AF6-A9C0-571E441C698A}"/>
+              </a:ext>
+            </a:extLst>
+          </p:cNvPr>
           <p:cNvSpPr>
             <a:spLocks noGrp="1"/>
           </p:cNvSpPr>
@@ -9485,7 +10869,7 @@
         </p:nvSpPr>
         <p:spPr>
           <a:xfrm>
-            <a:off x="1949692" y="173896"/>
+            <a:off x="1393638" y="274277"/>
             <a:ext cx="9404723" cy="795208"/>
           </a:xfrm>
         </p:spPr>
@@ -9500,12 +10884,110 @@
           </a:p>
         </p:txBody>
       </p:sp>
+      <p:sp>
+        <p:nvSpPr>
+          <p:cNvPr id="7" name="CuadroTexto 6">
+            <a:extLst>
+              <a:ext uri="{FF2B5EF4-FFF2-40B4-BE49-F238E27FC236}">
+                <a16:creationId xmlns:a16="http://schemas.microsoft.com/office/drawing/2014/main" id="{C9728474-FF7E-B029-A190-30DB2E965C86}"/>
+              </a:ext>
+            </a:extLst>
+          </p:cNvPr>
+          <p:cNvSpPr txBox="1"/>
+          <p:nvPr/>
+        </p:nvSpPr>
+        <p:spPr>
+          <a:xfrm>
+            <a:off x="1393638" y="1343762"/>
+            <a:ext cx="1758815" cy="584775"/>
+          </a:xfrm>
+          <a:prstGeom prst="rect">
+            <a:avLst/>
+          </a:prstGeom>
+          <a:noFill/>
+        </p:spPr>
+        <p:txBody>
+          <a:bodyPr wrap="none" rtlCol="0">
+            <a:spAutoFit/>
+          </a:bodyPr>
+          <a:lstStyle/>
+          <a:p>
+            <a:r>
+              <a:rPr lang="es-MX" sz="3200" dirty="0"/>
+              <a:t>LeNet…</a:t>
+            </a:r>
+          </a:p>
+        </p:txBody>
+      </p:sp>
+      <p:sp>
+        <p:nvSpPr>
+          <p:cNvPr id="8" name="CuadroTexto 7">
+            <a:extLst>
+              <a:ext uri="{FF2B5EF4-FFF2-40B4-BE49-F238E27FC236}">
+                <a16:creationId xmlns:a16="http://schemas.microsoft.com/office/drawing/2014/main" id="{F33254AB-F40D-E8CD-521C-C037C5902FB6}"/>
+              </a:ext>
+            </a:extLst>
+          </p:cNvPr>
+          <p:cNvSpPr txBox="1"/>
+          <p:nvPr/>
+        </p:nvSpPr>
+        <p:spPr>
+          <a:xfrm>
+            <a:off x="1170404" y="1928537"/>
+            <a:ext cx="9627957" cy="2031325"/>
+          </a:xfrm>
+          <a:prstGeom prst="rect">
+            <a:avLst/>
+          </a:prstGeom>
+          <a:noFill/>
+        </p:spPr>
+        <p:txBody>
+          <a:bodyPr wrap="none" rtlCol="0">
+            <a:spAutoFit/>
+          </a:bodyPr>
+          <a:lstStyle/>
+          <a:p>
+            <a:r>
+              <a:rPr lang="es-MX" dirty="0"/>
+              <a:t>Concebida en 1998 por Yann LeCun, primera Red Convolucional qué logró resolver </a:t>
+            </a:r>
+          </a:p>
+          <a:p>
+            <a:r>
+              <a:rPr lang="es-MX" dirty="0"/>
+              <a:t>El problema de visión artificial: La clasificación de dígitos escritos a mano.</a:t>
+            </a:r>
+          </a:p>
+          <a:p>
+            <a:endParaRPr lang="es-MX" dirty="0"/>
+          </a:p>
+          <a:p>
+            <a:endParaRPr lang="es-MX" dirty="0"/>
+          </a:p>
+          <a:p>
+            <a:r>
+              <a:rPr lang="es-MX" dirty="0"/>
+              <a:t>Clasificar dígitos de envíos postales de diferentes regiones de EUA.</a:t>
+            </a:r>
+          </a:p>
+          <a:p>
+            <a:endParaRPr lang="es-MX" dirty="0"/>
+          </a:p>
+          <a:p>
+            <a:pPr algn="ctr"/>
+            <a:r>
+              <a:rPr lang="es-MX" dirty="0"/>
+              <a:t>Se recolecto una base de datos MNIST</a:t>
+            </a:r>
+          </a:p>
+        </p:txBody>
+      </p:sp>
       <p:pic>
         <p:nvPicPr>
-          <p:cNvPr id="9" name="Imagen 8">
+          <p:cNvPr id="10" name="Imagen 9">
             <a:extLst>
               <a:ext uri="{FF2B5EF4-FFF2-40B4-BE49-F238E27FC236}">
-                <a16:creationId xmlns:a16="http://schemas.microsoft.com/office/drawing/2014/main" id="{EEF6D50E-6EFE-368D-EF88-ACBE97F36B2F}"/>
+                <a16:creationId xmlns:a16="http://schemas.microsoft.com/office/drawing/2014/main" id="{742F62FC-D447-570B-D6BB-F5D74F7B0DFA}"/>
               </a:ext>
             </a:extLst>
           </p:cNvPr>
@@ -9515,15 +10997,45 @@
           <p:nvPr/>
         </p:nvPicPr>
         <p:blipFill>
-          <a:blip r:embed="rId4"/>
+          <a:blip r:embed="rId8"/>
           <a:stretch>
             <a:fillRect/>
           </a:stretch>
         </p:blipFill>
         <p:spPr>
           <a:xfrm>
-            <a:off x="1594431" y="1589459"/>
-            <a:ext cx="9003138" cy="4403567"/>
+            <a:off x="614362" y="4095750"/>
+            <a:ext cx="4562475" cy="2381250"/>
+          </a:xfrm>
+          <a:prstGeom prst="rect">
+            <a:avLst/>
+          </a:prstGeom>
+        </p:spPr>
+      </p:pic>
+      <p:pic>
+        <p:nvPicPr>
+          <p:cNvPr id="12" name="Imagen 11">
+            <a:extLst>
+              <a:ext uri="{FF2B5EF4-FFF2-40B4-BE49-F238E27FC236}">
+                <a16:creationId xmlns:a16="http://schemas.microsoft.com/office/drawing/2014/main" id="{017D0A93-70EF-6A54-67A5-0EA71C47F85F}"/>
+              </a:ext>
+            </a:extLst>
+          </p:cNvPr>
+          <p:cNvPicPr>
+            <a:picLocks noChangeAspect="1"/>
+          </p:cNvPicPr>
+          <p:nvPr/>
+        </p:nvPicPr>
+        <p:blipFill>
+          <a:blip r:embed="rId9"/>
+          <a:stretch>
+            <a:fillRect/>
+          </a:stretch>
+        </p:blipFill>
+        <p:spPr>
+          <a:xfrm>
+            <a:off x="6978971" y="4047357"/>
+            <a:ext cx="3220196" cy="2420886"/>
           </a:xfrm>
           <a:prstGeom prst="rect">
             <a:avLst/>
@@ -9533,7 +11045,7 @@
     </p:spTree>
     <p:extLst>
       <p:ext uri="{BB962C8B-B14F-4D97-AF65-F5344CB8AC3E}">
-        <p14:creationId xmlns:p14="http://schemas.microsoft.com/office/powerpoint/2010/main" val="4204831306"/>
+        <p14:creationId xmlns:p14="http://schemas.microsoft.com/office/powerpoint/2010/main" val="3858054030"/>
       </p:ext>
     </p:extLst>
   </p:cSld>
@@ -9586,129 +11098,19 @@
       </p:grpSpPr>
       <p:pic>
         <p:nvPicPr>
-          <p:cNvPr id="15" name="Imagen 14" descr="diseño abstracto">
+          <p:cNvPr id="49" name="Imagen 48">
             <a:extLst>
               <a:ext uri="{FF2B5EF4-FFF2-40B4-BE49-F238E27FC236}">
-                <a16:creationId xmlns:a16="http://schemas.microsoft.com/office/drawing/2014/main" id="{6D363037-1741-4470-A023-883E2FFD5840}"/>
+                <a16:creationId xmlns:a16="http://schemas.microsoft.com/office/drawing/2014/main" id="{AA085689-791F-4B8F-9F30-12415B97D366}"/>
+              </a:ext>
+              <a:ext uri="{C183D7F6-B498-43B3-948B-1728B52AA6E4}">
+                <adec:decorative xmlns:adec="http://schemas.microsoft.com/office/drawing/2017/decorative" val="1"/>
               </a:ext>
             </a:extLst>
           </p:cNvPr>
           <p:cNvPicPr>
-            <a:picLocks noChangeAspect="1"/>
+            <a:picLocks noGrp="1" noRot="1" noChangeAspect="1" noMove="1" noResize="1" noEditPoints="1" noAdjustHandles="1" noChangeArrowheads="1" noChangeShapeType="1" noCrop="1"/>
           </p:cNvPicPr>
-          <p:nvPr/>
-        </p:nvPicPr>
-        <p:blipFill rotWithShape="1">
-          <a:blip r:embed="rId4">
-            <a:duotone>
-              <a:prstClr val="black"/>
-              <a:schemeClr val="accent5">
-                <a:tint val="45000"/>
-                <a:satMod val="400000"/>
-              </a:schemeClr>
-            </a:duotone>
-            <a:alphaModFix amt="25000"/>
-          </a:blip>
-          <a:srcRect t="18308" r="6818" b="2872"/>
-          <a:stretch/>
-        </p:blipFill>
-        <p:spPr>
-          <a:xfrm flipH="1">
-            <a:off x="20" y="10"/>
-            <a:ext cx="12191980" cy="6857990"/>
-          </a:xfrm>
-          <a:prstGeom prst="rect">
-            <a:avLst/>
-          </a:prstGeom>
-        </p:spPr>
-      </p:pic>
-      <p:sp>
-        <p:nvSpPr>
-          <p:cNvPr id="12" name="Título 11">
-            <a:extLst>
-              <a:ext uri="{FF2B5EF4-FFF2-40B4-BE49-F238E27FC236}">
-                <a16:creationId xmlns:a16="http://schemas.microsoft.com/office/drawing/2014/main" id="{970C361B-D32E-42E0-A41E-86C3D9AC886F}"/>
-              </a:ext>
-            </a:extLst>
-          </p:cNvPr>
-          <p:cNvSpPr>
-            <a:spLocks noGrp="1"/>
-          </p:cNvSpPr>
-          <p:nvPr>
-            <p:ph type="ctrTitle"/>
-          </p:nvPr>
-        </p:nvSpPr>
-        <p:spPr>
-          <a:xfrm>
-            <a:off x="1154955" y="1447800"/>
-            <a:ext cx="8825658" cy="3329581"/>
-          </a:xfrm>
-        </p:spPr>
-        <p:txBody>
-          <a:bodyPr rtlCol="0">
-            <a:normAutofit/>
-          </a:bodyPr>
-          <a:lstStyle/>
-          <a:p>
-            <a:pPr rtl="0"/>
-            <a:r>
-              <a:rPr lang="es-MX"/>
-              <a:t>Gracias</a:t>
-            </a:r>
-          </a:p>
-        </p:txBody>
-      </p:sp>
-      <p:sp>
-        <p:nvSpPr>
-          <p:cNvPr id="13" name="Subtítulo 12">
-            <a:extLst>
-              <a:ext uri="{FF2B5EF4-FFF2-40B4-BE49-F238E27FC236}">
-                <a16:creationId xmlns:a16="http://schemas.microsoft.com/office/drawing/2014/main" id="{336E726C-3DE4-41AA-88A0-C92B0C34163D}"/>
-              </a:ext>
-            </a:extLst>
-          </p:cNvPr>
-          <p:cNvSpPr>
-            <a:spLocks noGrp="1"/>
-          </p:cNvSpPr>
-          <p:nvPr>
-            <p:ph type="subTitle" idx="1"/>
-          </p:nvPr>
-        </p:nvSpPr>
-        <p:spPr>
-          <a:xfrm>
-            <a:off x="1154955" y="4777380"/>
-            <a:ext cx="8825658" cy="861420"/>
-          </a:xfrm>
-        </p:spPr>
-        <p:txBody>
-          <a:bodyPr rtlCol="0">
-            <a:normAutofit/>
-          </a:bodyPr>
-          <a:lstStyle/>
-          <a:p>
-            <a:pPr rtl="0"/>
-            <a:r>
-              <a:rPr lang="es-MX"/>
-              <a:t>alguien@ejemplo.com</a:t>
-            </a:r>
-          </a:p>
-        </p:txBody>
-      </p:sp>
-      <p:sp>
-        <p:nvSpPr>
-          <p:cNvPr id="57" name="Rectángulo 56">
-            <a:extLst>
-              <a:ext uri="{FF2B5EF4-FFF2-40B4-BE49-F238E27FC236}">
-                <a16:creationId xmlns:a16="http://schemas.microsoft.com/office/drawing/2014/main" id="{318E9D62-7BA3-4D5E-8915-0D0E8661E3D7}"/>
-              </a:ext>
-              <a:ext uri="{C183D7F6-B498-43B3-948B-1728B52AA6E4}">
-                <adec:decorative xmlns:adec="http://schemas.microsoft.com/office/drawing/2017/decorative" val="1"/>
-              </a:ext>
-            </a:extLst>
-          </p:cNvPr>
-          <p:cNvSpPr>
-            <a:spLocks noGrp="1" noRot="1" noChangeAspect="1" noMove="1" noResize="1" noEditPoints="1" noAdjustHandles="1" noChangeArrowheads="1" noChangeShapeType="1" noTextEdit="1"/>
-          </p:cNvSpPr>
           <p:nvPr>
             <p:extLst>
               <p:ext uri="{386F3935-93C4-4BCD-93E2-E3B085C9AB24}">
@@ -9716,21 +11118,136 @@
               </p:ext>
             </p:extLst>
           </p:nvPr>
-        </p:nvSpPr>
-        <p:spPr>
-          <a:xfrm>
-            <a:off x="10437812" y="0"/>
-            <a:ext cx="685800" cy="1143000"/>
+        </p:nvPicPr>
+        <p:blipFill rotWithShape="1">
+          <a:blip r:embed="rId4">
+            <a:extLst>
+              <a:ext uri="{28A0092B-C50C-407E-A947-70E740481C1C}">
+                <a14:useLocalDpi xmlns:a14="http://schemas.microsoft.com/office/drawing/2010/main"/>
+              </a:ext>
+            </a:extLst>
+          </a:blip>
+          <a:srcRect l="3613"/>
+          <a:stretch/>
+        </p:blipFill>
+        <p:spPr>
+          <a:xfrm>
+            <a:off x="0" y="2669685"/>
+            <a:ext cx="4037012" cy="4188315"/>
           </a:xfrm>
           <a:prstGeom prst="rect">
             <a:avLst/>
           </a:prstGeom>
-          <a:solidFill>
-            <a:schemeClr val="accent1"/>
-          </a:solidFill>
+        </p:spPr>
+      </p:pic>
+      <p:pic>
+        <p:nvPicPr>
+          <p:cNvPr id="51" name="Imagen 50">
+            <a:extLst>
+              <a:ext uri="{FF2B5EF4-FFF2-40B4-BE49-F238E27FC236}">
+                <a16:creationId xmlns:a16="http://schemas.microsoft.com/office/drawing/2014/main" id="{AA3FED7F-6821-47C0-A464-E9278B24129E}"/>
+              </a:ext>
+              <a:ext uri="{C183D7F6-B498-43B3-948B-1728B52AA6E4}">
+                <adec:decorative xmlns:adec="http://schemas.microsoft.com/office/drawing/2017/decorative" val="1"/>
+              </a:ext>
+            </a:extLst>
+          </p:cNvPr>
+          <p:cNvPicPr>
+            <a:picLocks noGrp="1" noRot="1" noChangeAspect="1" noMove="1" noResize="1" noEditPoints="1" noAdjustHandles="1" noChangeArrowheads="1" noChangeShapeType="1" noCrop="1"/>
+          </p:cNvPicPr>
+          <p:nvPr>
+            <p:extLst>
+              <p:ext uri="{386F3935-93C4-4BCD-93E2-E3B085C9AB24}">
+                <p16:designElem xmlns:p16="http://schemas.microsoft.com/office/powerpoint/2015/main" val="1"/>
+              </p:ext>
+            </p:extLst>
+          </p:nvPr>
+        </p:nvPicPr>
+        <p:blipFill rotWithShape="1">
+          <a:blip r:embed="rId5">
+            <a:extLst>
+              <a:ext uri="{28A0092B-C50C-407E-A947-70E740481C1C}">
+                <a14:useLocalDpi xmlns:a14="http://schemas.microsoft.com/office/drawing/2010/main"/>
+              </a:ext>
+            </a:extLst>
+          </a:blip>
+          <a:srcRect l="35640"/>
+          <a:stretch/>
+        </p:blipFill>
+        <p:spPr>
+          <a:xfrm>
+            <a:off x="0" y="2892347"/>
+            <a:ext cx="1522412" cy="2365453"/>
+          </a:xfrm>
+          <a:prstGeom prst="rect">
+            <a:avLst/>
+          </a:prstGeom>
+        </p:spPr>
+      </p:pic>
+      <p:sp>
+        <p:nvSpPr>
+          <p:cNvPr id="53" name="Elipse 52">
+            <a:extLst>
+              <a:ext uri="{FF2B5EF4-FFF2-40B4-BE49-F238E27FC236}">
+                <a16:creationId xmlns:a16="http://schemas.microsoft.com/office/drawing/2014/main" id="{8F54B2FB-3F54-4350-8D1B-F86D677CA7ED}"/>
+              </a:ext>
+              <a:ext uri="{C183D7F6-B498-43B3-948B-1728B52AA6E4}">
+                <adec:decorative xmlns:adec="http://schemas.microsoft.com/office/drawing/2017/decorative" val="1"/>
+              </a:ext>
+            </a:extLst>
+          </p:cNvPr>
+          <p:cNvSpPr>
+            <a:spLocks noGrp="1" noRot="1" noChangeAspect="1" noMove="1" noResize="1" noEditPoints="1" noAdjustHandles="1" noChangeArrowheads="1" noChangeShapeType="1" noTextEdit="1"/>
+          </p:cNvSpPr>
+          <p:nvPr>
+            <p:extLst>
+              <p:ext uri="{386F3935-93C4-4BCD-93E2-E3B085C9AB24}">
+                <p16:designElem xmlns:p16="http://schemas.microsoft.com/office/powerpoint/2015/main" val="1"/>
+              </p:ext>
+            </p:extLst>
+          </p:nvPr>
+        </p:nvSpPr>
+        <p:spPr>
+          <a:xfrm>
+            <a:off x="8609012" y="1676400"/>
+            <a:ext cx="2819400" cy="2819400"/>
+          </a:xfrm>
+          <a:prstGeom prst="ellipse">
+            <a:avLst/>
+          </a:prstGeom>
+          <a:gradFill flip="none" rotWithShape="1">
+            <a:gsLst>
+              <a:gs pos="0">
+                <a:schemeClr val="bg2">
+                  <a:lumMod val="40000"/>
+                  <a:lumOff val="60000"/>
+                  <a:alpha val="7000"/>
+                </a:schemeClr>
+              </a:gs>
+              <a:gs pos="69000">
+                <a:schemeClr val="bg2">
+                  <a:lumMod val="40000"/>
+                  <a:lumOff val="60000"/>
+                  <a:alpha val="0"/>
+                </a:schemeClr>
+              </a:gs>
+              <a:gs pos="36000">
+                <a:schemeClr val="bg2">
+                  <a:lumMod val="40000"/>
+                  <a:lumOff val="60000"/>
+                  <a:alpha val="6000"/>
+                </a:schemeClr>
+              </a:gs>
+            </a:gsLst>
+            <a:path path="circle">
+              <a:fillToRect l="50000" t="50000" r="50000" b="50000"/>
+            </a:path>
+            <a:tileRect/>
+          </a:gradFill>
           <a:ln>
             <a:noFill/>
           </a:ln>
+          <a:effectLst/>
         </p:spPr>
         <p:style>
           <a:lnRef idx="1">
@@ -9747,10 +11264,249 @@
           </a:fontRef>
         </p:style>
       </p:sp>
+      <p:pic>
+        <p:nvPicPr>
+          <p:cNvPr id="55" name="Imagen 54">
+            <a:extLst>
+              <a:ext uri="{FF2B5EF4-FFF2-40B4-BE49-F238E27FC236}">
+                <a16:creationId xmlns:a16="http://schemas.microsoft.com/office/drawing/2014/main" id="{561B34F5-88E5-4711-BC16-3005C29AD7C6}"/>
+              </a:ext>
+              <a:ext uri="{C183D7F6-B498-43B3-948B-1728B52AA6E4}">
+                <adec:decorative xmlns:adec="http://schemas.microsoft.com/office/drawing/2017/decorative" val="1"/>
+              </a:ext>
+            </a:extLst>
+          </p:cNvPr>
+          <p:cNvPicPr>
+            <a:picLocks noGrp="1" noRot="1" noChangeAspect="1" noMove="1" noResize="1" noEditPoints="1" noAdjustHandles="1" noChangeArrowheads="1" noChangeShapeType="1" noCrop="1"/>
+          </p:cNvPicPr>
+          <p:nvPr>
+            <p:extLst>
+              <p:ext uri="{386F3935-93C4-4BCD-93E2-E3B085C9AB24}">
+                <p16:designElem xmlns:p16="http://schemas.microsoft.com/office/powerpoint/2015/main" val="1"/>
+              </p:ext>
+            </p:extLst>
+          </p:nvPr>
+        </p:nvPicPr>
+        <p:blipFill rotWithShape="1">
+          <a:blip r:embed="rId6">
+            <a:extLst>
+              <a:ext uri="{28A0092B-C50C-407E-A947-70E740481C1C}">
+                <a14:useLocalDpi xmlns:a14="http://schemas.microsoft.com/office/drawing/2010/main"/>
+              </a:ext>
+            </a:extLst>
+          </a:blip>
+          <a:srcRect t="28813"/>
+          <a:stretch/>
+        </p:blipFill>
+        <p:spPr>
+          <a:xfrm>
+            <a:off x="7999412" y="0"/>
+            <a:ext cx="1603387" cy="1141407"/>
+          </a:xfrm>
+          <a:prstGeom prst="rect">
+            <a:avLst/>
+          </a:prstGeom>
+        </p:spPr>
+      </p:pic>
+      <p:pic>
+        <p:nvPicPr>
+          <p:cNvPr id="57" name="Imagen 56">
+            <a:extLst>
+              <a:ext uri="{FF2B5EF4-FFF2-40B4-BE49-F238E27FC236}">
+                <a16:creationId xmlns:a16="http://schemas.microsoft.com/office/drawing/2014/main" id="{4F3661D0-2268-4D3E-88BA-0647BCBE33AF}"/>
+              </a:ext>
+              <a:ext uri="{C183D7F6-B498-43B3-948B-1728B52AA6E4}">
+                <adec:decorative xmlns:adec="http://schemas.microsoft.com/office/drawing/2017/decorative" val="1"/>
+              </a:ext>
+            </a:extLst>
+          </p:cNvPr>
+          <p:cNvPicPr>
+            <a:picLocks noGrp="1" noRot="1" noChangeAspect="1" noMove="1" noResize="1" noEditPoints="1" noAdjustHandles="1" noChangeArrowheads="1" noChangeShapeType="1" noCrop="1"/>
+          </p:cNvPicPr>
+          <p:nvPr>
+            <p:extLst>
+              <p:ext uri="{386F3935-93C4-4BCD-93E2-E3B085C9AB24}">
+                <p16:designElem xmlns:p16="http://schemas.microsoft.com/office/powerpoint/2015/main" val="1"/>
+              </p:ext>
+            </p:extLst>
+          </p:nvPr>
+        </p:nvPicPr>
+        <p:blipFill rotWithShape="1">
+          <a:blip r:embed="rId7">
+            <a:extLst>
+              <a:ext uri="{28A0092B-C50C-407E-A947-70E740481C1C}">
+                <a14:useLocalDpi xmlns:a14="http://schemas.microsoft.com/office/drawing/2010/main"/>
+              </a:ext>
+            </a:extLst>
+          </a:blip>
+          <a:srcRect b="23320"/>
+          <a:stretch/>
+        </p:blipFill>
+        <p:spPr>
+          <a:xfrm>
+            <a:off x="8609012" y="6096000"/>
+            <a:ext cx="993734" cy="762000"/>
+          </a:xfrm>
+          <a:prstGeom prst="rect">
+            <a:avLst/>
+          </a:prstGeom>
+        </p:spPr>
+      </p:pic>
+      <p:sp>
+        <p:nvSpPr>
+          <p:cNvPr id="59" name="Rectángulo 58">
+            <a:extLst>
+              <a:ext uri="{FF2B5EF4-FFF2-40B4-BE49-F238E27FC236}">
+                <a16:creationId xmlns:a16="http://schemas.microsoft.com/office/drawing/2014/main" id="{DDB56DB5-0324-4F79-9AB8-CB18C1DC8743}"/>
+              </a:ext>
+              <a:ext uri="{C183D7F6-B498-43B3-948B-1728B52AA6E4}">
+                <adec:decorative xmlns:adec="http://schemas.microsoft.com/office/drawing/2017/decorative" val="1"/>
+              </a:ext>
+            </a:extLst>
+          </p:cNvPr>
+          <p:cNvSpPr>
+            <a:spLocks noGrp="1" noRot="1" noChangeAspect="1" noMove="1" noResize="1" noEditPoints="1" noAdjustHandles="1" noChangeArrowheads="1" noChangeShapeType="1" noTextEdit="1"/>
+          </p:cNvSpPr>
+          <p:nvPr>
+            <p:extLst>
+              <p:ext uri="{386F3935-93C4-4BCD-93E2-E3B085C9AB24}">
+                <p16:designElem xmlns:p16="http://schemas.microsoft.com/office/powerpoint/2015/main" val="1"/>
+              </p:ext>
+            </p:extLst>
+          </p:nvPr>
+        </p:nvSpPr>
+        <p:spPr>
+          <a:xfrm>
+            <a:off x="10437812" y="0"/>
+            <a:ext cx="685800" cy="1143000"/>
+          </a:xfrm>
+          <a:prstGeom prst="rect">
+            <a:avLst/>
+          </a:prstGeom>
+          <a:solidFill>
+            <a:schemeClr val="accent1"/>
+          </a:solidFill>
+          <a:ln>
+            <a:noFill/>
+          </a:ln>
+        </p:spPr>
+        <p:style>
+          <a:lnRef idx="1">
+            <a:schemeClr val="accent1"/>
+          </a:lnRef>
+          <a:fillRef idx="3">
+            <a:schemeClr val="accent1"/>
+          </a:fillRef>
+          <a:effectRef idx="2">
+            <a:schemeClr val="accent1"/>
+          </a:effectRef>
+          <a:fontRef idx="minor">
+            <a:schemeClr val="lt1"/>
+          </a:fontRef>
+        </p:style>
+      </p:sp>
+      <p:sp>
+        <p:nvSpPr>
+          <p:cNvPr id="3" name="Título 2">
+            <a:extLst>
+              <a:ext uri="{FF2B5EF4-FFF2-40B4-BE49-F238E27FC236}">
+                <a16:creationId xmlns:a16="http://schemas.microsoft.com/office/drawing/2014/main" id="{9A850E04-00D7-9AF6-A9C0-571E441C698A}"/>
+              </a:ext>
+            </a:extLst>
+          </p:cNvPr>
+          <p:cNvSpPr>
+            <a:spLocks noGrp="1"/>
+          </p:cNvSpPr>
+          <p:nvPr>
+            <p:ph type="title"/>
+          </p:nvPr>
+        </p:nvSpPr>
+        <p:spPr>
+          <a:xfrm>
+            <a:off x="1393638" y="274277"/>
+            <a:ext cx="9404723" cy="795208"/>
+          </a:xfrm>
+        </p:spPr>
+        <p:txBody>
+          <a:bodyPr/>
+          <a:lstStyle/>
+          <a:p>
+            <a:r>
+              <a:rPr lang="es-MX" dirty="0"/>
+              <a:t>NN CONVOLUCIONALES</a:t>
+            </a:r>
+          </a:p>
+        </p:txBody>
+      </p:sp>
+      <p:sp>
+        <p:nvSpPr>
+          <p:cNvPr id="7" name="CuadroTexto 6">
+            <a:extLst>
+              <a:ext uri="{FF2B5EF4-FFF2-40B4-BE49-F238E27FC236}">
+                <a16:creationId xmlns:a16="http://schemas.microsoft.com/office/drawing/2014/main" id="{C9728474-FF7E-B029-A190-30DB2E965C86}"/>
+              </a:ext>
+            </a:extLst>
+          </p:cNvPr>
+          <p:cNvSpPr txBox="1"/>
+          <p:nvPr/>
+        </p:nvSpPr>
+        <p:spPr>
+          <a:xfrm>
+            <a:off x="1393638" y="1343762"/>
+            <a:ext cx="1758815" cy="584775"/>
+          </a:xfrm>
+          <a:prstGeom prst="rect">
+            <a:avLst/>
+          </a:prstGeom>
+          <a:noFill/>
+        </p:spPr>
+        <p:txBody>
+          <a:bodyPr wrap="none" rtlCol="0">
+            <a:spAutoFit/>
+          </a:bodyPr>
+          <a:lstStyle/>
+          <a:p>
+            <a:r>
+              <a:rPr lang="es-MX" sz="3200" dirty="0"/>
+              <a:t>LeNet…</a:t>
+            </a:r>
+          </a:p>
+        </p:txBody>
+      </p:sp>
+      <p:pic>
+        <p:nvPicPr>
+          <p:cNvPr id="2" name="Imagen 1">
+            <a:extLst>
+              <a:ext uri="{FF2B5EF4-FFF2-40B4-BE49-F238E27FC236}">
+                <a16:creationId xmlns:a16="http://schemas.microsoft.com/office/drawing/2014/main" id="{DC2CF833-6563-2827-9E97-C1BADBAE5BA5}"/>
+              </a:ext>
+            </a:extLst>
+          </p:cNvPr>
+          <p:cNvPicPr>
+            <a:picLocks noChangeAspect="1"/>
+          </p:cNvPicPr>
+          <p:nvPr/>
+        </p:nvPicPr>
+        <p:blipFill>
+          <a:blip r:embed="rId8"/>
+          <a:stretch>
+            <a:fillRect/>
+          </a:stretch>
+        </p:blipFill>
+        <p:spPr>
+          <a:xfrm>
+            <a:off x="1349646" y="2685797"/>
+            <a:ext cx="9431066" cy="3620005"/>
+          </a:xfrm>
+          <a:prstGeom prst="rect">
+            <a:avLst/>
+          </a:prstGeom>
+        </p:spPr>
+      </p:pic>
     </p:spTree>
     <p:extLst>
       <p:ext uri="{BB962C8B-B14F-4D97-AF65-F5344CB8AC3E}">
-        <p14:creationId xmlns:p14="http://schemas.microsoft.com/office/powerpoint/2010/main" val="1691836883"/>
+        <p14:creationId xmlns:p14="http://schemas.microsoft.com/office/powerpoint/2010/main" val="766244043"/>
       </p:ext>
     </p:extLst>
   </p:cSld>

--- a/NEURONAL NETWORK.pptx
+++ b/NEURONAL NETWORK.pptx
@@ -5,10 +5,10 @@
     <p:sldMasterId id="2147483648" r:id="rId4"/>
   </p:sldMasterIdLst>
   <p:notesMasterIdLst>
-    <p:notesMasterId r:id="rId16"/>
+    <p:notesMasterId r:id="rId15"/>
   </p:notesMasterIdLst>
   <p:handoutMasterIdLst>
-    <p:handoutMasterId r:id="rId17"/>
+    <p:handoutMasterId r:id="rId16"/>
   </p:handoutMasterIdLst>
   <p:sldIdLst>
     <p:sldId id="256" r:id="rId5"/>
@@ -20,8 +20,7 @@
     <p:sldId id="274" r:id="rId11"/>
     <p:sldId id="271" r:id="rId12"/>
     <p:sldId id="276" r:id="rId13"/>
-    <p:sldId id="273" r:id="rId14"/>
-    <p:sldId id="272" r:id="rId15"/>
+    <p:sldId id="272" r:id="rId14"/>
   </p:sldIdLst>
   <p:sldSz cx="12192000" cy="6858000"/>
   <p:notesSz cx="6858000" cy="9144000"/>
@@ -845,92 +844,6 @@
             <a:fld id="{EE000EEB-8338-48D7-8EE8-EE0082EF7602}" type="slidenum">
               <a:rPr lang="es-MX" smtClean="0"/>
               <a:t>10</a:t>
-            </a:fld>
-            <a:endParaRPr lang="es-MX"/>
-          </a:p>
-        </p:txBody>
-      </p:sp>
-    </p:spTree>
-    <p:extLst>
-      <p:ext uri="{BB962C8B-B14F-4D97-AF65-F5344CB8AC3E}">
-        <p14:creationId xmlns:p14="http://schemas.microsoft.com/office/powerpoint/2010/main" val="3548465149"/>
-      </p:ext>
-    </p:extLst>
-  </p:cSld>
-  <p:clrMapOvr>
-    <a:masterClrMapping/>
-  </p:clrMapOvr>
-</p:notes>
-</file>
-
-<file path=ppt/notesSlides/notesSlide11.xml><?xml version="1.0" encoding="utf-8"?>
-<p:notes xmlns:a="http://schemas.openxmlformats.org/drawingml/2006/main" xmlns:r="http://schemas.openxmlformats.org/officeDocument/2006/relationships" xmlns:p="http://schemas.openxmlformats.org/presentationml/2006/main">
-  <p:cSld>
-    <p:spTree>
-      <p:nvGrpSpPr>
-        <p:cNvPr id="1" name=""/>
-        <p:cNvGrpSpPr/>
-        <p:nvPr/>
-      </p:nvGrpSpPr>
-      <p:grpSpPr>
-        <a:xfrm>
-          <a:off x="0" y="0"/>
-          <a:ext cx="0" cy="0"/>
-          <a:chOff x="0" y="0"/>
-          <a:chExt cx="0" cy="0"/>
-        </a:xfrm>
-      </p:grpSpPr>
-      <p:sp>
-        <p:nvSpPr>
-          <p:cNvPr id="2" name="Marcador de imagen de diapositiva 1"/>
-          <p:cNvSpPr>
-            <a:spLocks noGrp="1" noRot="1" noChangeAspect="1"/>
-          </p:cNvSpPr>
-          <p:nvPr>
-            <p:ph type="sldImg"/>
-          </p:nvPr>
-        </p:nvSpPr>
-        <p:spPr/>
-      </p:sp>
-      <p:sp>
-        <p:nvSpPr>
-          <p:cNvPr id="3" name="Marcador de notas 2"/>
-          <p:cNvSpPr>
-            <a:spLocks noGrp="1"/>
-          </p:cNvSpPr>
-          <p:nvPr>
-            <p:ph type="body" idx="1"/>
-          </p:nvPr>
-        </p:nvSpPr>
-        <p:spPr/>
-        <p:txBody>
-          <a:bodyPr rtlCol="0"/>
-          <a:lstStyle/>
-          <a:p>
-            <a:pPr rtl="0"/>
-            <a:endParaRPr lang="es-MX"/>
-          </a:p>
-        </p:txBody>
-      </p:sp>
-      <p:sp>
-        <p:nvSpPr>
-          <p:cNvPr id="4" name="Marcador de número de diapositiva 3"/>
-          <p:cNvSpPr>
-            <a:spLocks noGrp="1"/>
-          </p:cNvSpPr>
-          <p:nvPr>
-            <p:ph type="sldNum" sz="quarter" idx="5"/>
-          </p:nvPr>
-        </p:nvSpPr>
-        <p:spPr/>
-        <p:txBody>
-          <a:bodyPr rtlCol="0"/>
-          <a:lstStyle/>
-          <a:p>
-            <a:pPr rtl="0"/>
-            <a:fld id="{EE000EEB-8338-48D7-8EE8-EE0082EF7602}" type="slidenum">
-              <a:rPr lang="es-MX" smtClean="0"/>
-              <a:t>11</a:t>
             </a:fld>
             <a:endParaRPr lang="es-MX"/>
           </a:p>
@@ -7857,7 +7770,7 @@
         </p:blipFill>
         <p:spPr>
           <a:xfrm flipH="1">
-            <a:off x="20" y="0"/>
+            <a:off x="20" y="10"/>
             <a:ext cx="12191980" cy="6857990"/>
           </a:xfrm>
           <a:prstGeom prst="rect">
@@ -7865,6 +7778,42 @@
           </a:prstGeom>
         </p:spPr>
       </p:pic>
+      <p:sp>
+        <p:nvSpPr>
+          <p:cNvPr id="12" name="Título 11">
+            <a:extLst>
+              <a:ext uri="{FF2B5EF4-FFF2-40B4-BE49-F238E27FC236}">
+                <a16:creationId xmlns:a16="http://schemas.microsoft.com/office/drawing/2014/main" id="{970C361B-D32E-42E0-A41E-86C3D9AC886F}"/>
+              </a:ext>
+            </a:extLst>
+          </p:cNvPr>
+          <p:cNvSpPr>
+            <a:spLocks noGrp="1"/>
+          </p:cNvSpPr>
+          <p:nvPr>
+            <p:ph type="ctrTitle"/>
+          </p:nvPr>
+        </p:nvSpPr>
+        <p:spPr>
+          <a:xfrm>
+            <a:off x="806087" y="333633"/>
+            <a:ext cx="8825658" cy="1070354"/>
+          </a:xfrm>
+        </p:spPr>
+        <p:txBody>
+          <a:bodyPr rtlCol="0">
+            <a:normAutofit fontScale="90000"/>
+          </a:bodyPr>
+          <a:lstStyle/>
+          <a:p>
+            <a:pPr rtl="0"/>
+            <a:r>
+              <a:rPr lang="es-MX" dirty="0"/>
+              <a:t>Gracias</a:t>
+            </a:r>
+          </a:p>
+        </p:txBody>
+      </p:sp>
       <p:sp>
         <p:nvSpPr>
           <p:cNvPr id="57" name="Rectángulo 56">
@@ -7918,12 +7867,1303 @@
           </a:fontRef>
         </p:style>
       </p:sp>
-      <p:sp>
-        <p:nvSpPr>
-          <p:cNvPr id="4" name="Título 2">
+      <p:pic>
+        <p:nvPicPr>
+          <p:cNvPr id="5" name="Imagen 4">
             <a:extLst>
               <a:ext uri="{FF2B5EF4-FFF2-40B4-BE49-F238E27FC236}">
-                <a16:creationId xmlns:a16="http://schemas.microsoft.com/office/drawing/2014/main" id="{0AFC5A94-3110-0FBC-FB9E-34D496CF3959}"/>
+                <a16:creationId xmlns:a16="http://schemas.microsoft.com/office/drawing/2014/main" id="{832D7B0F-F137-A3EF-D9D5-AC43398EADB1}"/>
+              </a:ext>
+            </a:extLst>
+          </p:cNvPr>
+          <p:cNvPicPr>
+            <a:picLocks noChangeAspect="1"/>
+          </p:cNvPicPr>
+          <p:nvPr/>
+        </p:nvPicPr>
+        <p:blipFill>
+          <a:blip r:embed="rId5"/>
+          <a:stretch>
+            <a:fillRect/>
+          </a:stretch>
+        </p:blipFill>
+        <p:spPr>
+          <a:xfrm>
+            <a:off x="934351" y="1737610"/>
+            <a:ext cx="3650006" cy="3650006"/>
+          </a:xfrm>
+          <a:prstGeom prst="rect">
+            <a:avLst/>
+          </a:prstGeom>
+        </p:spPr>
+      </p:pic>
+    </p:spTree>
+    <p:extLst>
+      <p:ext uri="{BB962C8B-B14F-4D97-AF65-F5344CB8AC3E}">
+        <p14:creationId xmlns:p14="http://schemas.microsoft.com/office/powerpoint/2010/main" val="1691836883"/>
+      </p:ext>
+    </p:extLst>
+  </p:cSld>
+  <p:clrMapOvr>
+    <a:masterClrMapping/>
+  </p:clrMapOvr>
+</p:sld>
+</file>
+
+<file path=ppt/slides/slide2.xml><?xml version="1.0" encoding="utf-8"?>
+<p:sld xmlns:a="http://schemas.openxmlformats.org/drawingml/2006/main" xmlns:r="http://schemas.openxmlformats.org/officeDocument/2006/relationships" xmlns:p="http://schemas.openxmlformats.org/presentationml/2006/main">
+  <p:cSld>
+    <p:bg>
+      <p:bgPr>
+        <a:blipFill rotWithShape="1">
+          <a:blip r:embed="rId3">
+            <a:duotone>
+              <a:schemeClr val="bg2">
+                <a:shade val="62000"/>
+                <a:hueMod val="108000"/>
+                <a:satMod val="164000"/>
+                <a:lumMod val="69000"/>
+              </a:schemeClr>
+              <a:schemeClr val="bg2">
+                <a:tint val="96000"/>
+                <a:hueMod val="90000"/>
+                <a:satMod val="130000"/>
+                <a:lumMod val="134000"/>
+              </a:schemeClr>
+            </a:duotone>
+          </a:blip>
+          <a:stretch/>
+        </a:blipFill>
+        <a:effectLst/>
+      </p:bgPr>
+    </p:bg>
+    <p:spTree>
+      <p:nvGrpSpPr>
+        <p:cNvPr id="1" name=""/>
+        <p:cNvGrpSpPr/>
+        <p:nvPr/>
+      </p:nvGrpSpPr>
+      <p:grpSpPr>
+        <a:xfrm>
+          <a:off x="0" y="0"/>
+          <a:ext cx="0" cy="0"/>
+          <a:chOff x="0" y="0"/>
+          <a:chExt cx="0" cy="0"/>
+        </a:xfrm>
+      </p:grpSpPr>
+      <p:sp>
+        <p:nvSpPr>
+          <p:cNvPr id="2" name="Título 1">
+            <a:extLst>
+              <a:ext uri="{FF2B5EF4-FFF2-40B4-BE49-F238E27FC236}">
+                <a16:creationId xmlns:a16="http://schemas.microsoft.com/office/drawing/2014/main" id="{CC4174D3-6B10-409E-9110-EEBEAA7E38C0}"/>
+              </a:ext>
+            </a:extLst>
+          </p:cNvPr>
+          <p:cNvSpPr>
+            <a:spLocks noGrp="1"/>
+          </p:cNvSpPr>
+          <p:nvPr>
+            <p:ph type="title"/>
+          </p:nvPr>
+        </p:nvSpPr>
+        <p:spPr>
+          <a:xfrm>
+            <a:off x="650668" y="629266"/>
+            <a:ext cx="4802031" cy="643480"/>
+          </a:xfrm>
+        </p:spPr>
+        <p:txBody>
+          <a:bodyPr rtlCol="0">
+            <a:normAutofit fontScale="90000"/>
+          </a:bodyPr>
+          <a:lstStyle/>
+          <a:p>
+            <a:pPr rtl="0"/>
+            <a:r>
+              <a:rPr lang="es-MX" dirty="0"/>
+              <a:t>Introducción</a:t>
+            </a:r>
+          </a:p>
+        </p:txBody>
+      </p:sp>
+      <p:sp>
+        <p:nvSpPr>
+          <p:cNvPr id="78" name="Rectángulo 77">
+            <a:extLst>
+              <a:ext uri="{FF2B5EF4-FFF2-40B4-BE49-F238E27FC236}">
+                <a16:creationId xmlns:a16="http://schemas.microsoft.com/office/drawing/2014/main" id="{7527E565-DE8D-445C-9879-AD1D04415A78}"/>
+              </a:ext>
+              <a:ext uri="{C183D7F6-B498-43B3-948B-1728B52AA6E4}">
+                <adec:decorative xmlns:adec="http://schemas.microsoft.com/office/drawing/2017/decorative" val="1"/>
+              </a:ext>
+            </a:extLst>
+          </p:cNvPr>
+          <p:cNvSpPr>
+            <a:spLocks noGrp="1" noRot="1" noChangeAspect="1" noMove="1" noResize="1" noEditPoints="1" noAdjustHandles="1" noChangeArrowheads="1" noChangeShapeType="1" noTextEdit="1"/>
+          </p:cNvSpPr>
+          <p:nvPr>
+            <p:extLst>
+              <p:ext uri="{386F3935-93C4-4BCD-93E2-E3B085C9AB24}">
+                <p16:designElem xmlns:p16="http://schemas.microsoft.com/office/powerpoint/2015/main" val="1"/>
+              </p:ext>
+            </p:extLst>
+          </p:nvPr>
+        </p:nvSpPr>
+        <p:spPr>
+          <a:xfrm>
+            <a:off x="10437812" y="0"/>
+            <a:ext cx="685800" cy="1143000"/>
+          </a:xfrm>
+          <a:prstGeom prst="rect">
+            <a:avLst/>
+          </a:prstGeom>
+          <a:solidFill>
+            <a:schemeClr val="accent1"/>
+          </a:solidFill>
+          <a:ln>
+            <a:noFill/>
+          </a:ln>
+        </p:spPr>
+        <p:style>
+          <a:lnRef idx="1">
+            <a:schemeClr val="accent1"/>
+          </a:lnRef>
+          <a:fillRef idx="3">
+            <a:schemeClr val="accent1"/>
+          </a:fillRef>
+          <a:effectRef idx="2">
+            <a:schemeClr val="accent1"/>
+          </a:effectRef>
+          <a:fontRef idx="minor">
+            <a:schemeClr val="lt1"/>
+          </a:fontRef>
+        </p:style>
+      </p:sp>
+      <p:pic>
+        <p:nvPicPr>
+          <p:cNvPr id="11" name="Marcador de contenido 10">
+            <a:extLst>
+              <a:ext uri="{FF2B5EF4-FFF2-40B4-BE49-F238E27FC236}">
+                <a16:creationId xmlns:a16="http://schemas.microsoft.com/office/drawing/2014/main" id="{3F7D11B3-39D8-569D-E183-E43AF8D53ED9}"/>
+              </a:ext>
+            </a:extLst>
+          </p:cNvPr>
+          <p:cNvPicPr>
+            <a:picLocks noGrp="1" noChangeAspect="1"/>
+          </p:cNvPicPr>
+          <p:nvPr>
+            <p:ph idx="1"/>
+          </p:nvPr>
+        </p:nvPicPr>
+        <p:blipFill rotWithShape="1">
+          <a:blip r:embed="rId4"/>
+          <a:srcRect l="22236" t="5225" r="21517" b="4145"/>
+          <a:stretch/>
+        </p:blipFill>
+        <p:spPr>
+          <a:xfrm>
+            <a:off x="6351372" y="958731"/>
+            <a:ext cx="5840627" cy="5899269"/>
+          </a:xfrm>
+        </p:spPr>
+      </p:pic>
+      <p:sp>
+        <p:nvSpPr>
+          <p:cNvPr id="12" name="CuadroTexto 11">
+            <a:extLst>
+              <a:ext uri="{FF2B5EF4-FFF2-40B4-BE49-F238E27FC236}">
+                <a16:creationId xmlns:a16="http://schemas.microsoft.com/office/drawing/2014/main" id="{63C58A24-4EB4-FB48-788F-EEF9689F9E16}"/>
+              </a:ext>
+            </a:extLst>
+          </p:cNvPr>
+          <p:cNvSpPr txBox="1"/>
+          <p:nvPr/>
+        </p:nvSpPr>
+        <p:spPr>
+          <a:xfrm>
+            <a:off x="650668" y="1767016"/>
+            <a:ext cx="4563883" cy="3693319"/>
+          </a:xfrm>
+          <a:prstGeom prst="rect">
+            <a:avLst/>
+          </a:prstGeom>
+          <a:noFill/>
+        </p:spPr>
+        <p:txBody>
+          <a:bodyPr wrap="square" rtlCol="0">
+            <a:spAutoFit/>
+          </a:bodyPr>
+          <a:lstStyle/>
+          <a:p>
+            <a:r>
+              <a:rPr lang="es-MX" dirty="0"/>
+              <a:t>Las redes neuronales son una forma de inteligencia artificial  que intenta simular el comportamiento del cerebro humano.</a:t>
+            </a:r>
+          </a:p>
+          <a:p>
+            <a:endParaRPr lang="es-MX" dirty="0"/>
+          </a:p>
+          <a:p>
+            <a:r>
+              <a:rPr lang="es-MX" dirty="0"/>
+              <a:t>Están construidas por una gran cantidad de neuronas, que se conectan entre sí para procesar la información.</a:t>
+            </a:r>
+          </a:p>
+          <a:p>
+            <a:endParaRPr lang="es-MX" dirty="0"/>
+          </a:p>
+          <a:p>
+            <a:r>
+              <a:rPr lang="es-MX" dirty="0"/>
+              <a:t>Pueden ser usadas para procesar imágenes, entender lenguaje natural y realizar inferencias. </a:t>
+            </a:r>
+          </a:p>
+        </p:txBody>
+      </p:sp>
+    </p:spTree>
+    <p:extLst>
+      <p:ext uri="{BB962C8B-B14F-4D97-AF65-F5344CB8AC3E}">
+        <p14:creationId xmlns:p14="http://schemas.microsoft.com/office/powerpoint/2010/main" val="2333881612"/>
+      </p:ext>
+    </p:extLst>
+  </p:cSld>
+  <p:clrMapOvr>
+    <a:masterClrMapping/>
+  </p:clrMapOvr>
+</p:sld>
+</file>
+
+<file path=ppt/slides/slide3.xml><?xml version="1.0" encoding="utf-8"?>
+<p:sld xmlns:a="http://schemas.openxmlformats.org/drawingml/2006/main" xmlns:r="http://schemas.openxmlformats.org/officeDocument/2006/relationships" xmlns:p="http://schemas.openxmlformats.org/presentationml/2006/main">
+  <p:cSld>
+    <p:bg>
+      <p:bgPr>
+        <a:blipFill rotWithShape="1">
+          <a:blip r:embed="rId3">
+            <a:duotone>
+              <a:schemeClr val="bg2">
+                <a:shade val="62000"/>
+                <a:hueMod val="108000"/>
+                <a:satMod val="164000"/>
+                <a:lumMod val="69000"/>
+              </a:schemeClr>
+              <a:schemeClr val="bg2">
+                <a:tint val="96000"/>
+                <a:hueMod val="90000"/>
+                <a:satMod val="130000"/>
+                <a:lumMod val="134000"/>
+              </a:schemeClr>
+            </a:duotone>
+          </a:blip>
+          <a:stretch/>
+        </a:blipFill>
+        <a:effectLst/>
+      </p:bgPr>
+    </p:bg>
+    <p:spTree>
+      <p:nvGrpSpPr>
+        <p:cNvPr id="1" name=""/>
+        <p:cNvGrpSpPr/>
+        <p:nvPr/>
+      </p:nvGrpSpPr>
+      <p:grpSpPr>
+        <a:xfrm>
+          <a:off x="0" y="0"/>
+          <a:ext cx="0" cy="0"/>
+          <a:chOff x="0" y="0"/>
+          <a:chExt cx="0" cy="0"/>
+        </a:xfrm>
+      </p:grpSpPr>
+      <p:pic>
+        <p:nvPicPr>
+          <p:cNvPr id="49" name="Imagen 48">
+            <a:extLst>
+              <a:ext uri="{FF2B5EF4-FFF2-40B4-BE49-F238E27FC236}">
+                <a16:creationId xmlns:a16="http://schemas.microsoft.com/office/drawing/2014/main" id="{AA085689-791F-4B8F-9F30-12415B97D366}"/>
+              </a:ext>
+              <a:ext uri="{C183D7F6-B498-43B3-948B-1728B52AA6E4}">
+                <adec:decorative xmlns:adec="http://schemas.microsoft.com/office/drawing/2017/decorative" val="1"/>
+              </a:ext>
+            </a:extLst>
+          </p:cNvPr>
+          <p:cNvPicPr>
+            <a:picLocks noGrp="1" noRot="1" noChangeAspect="1" noMove="1" noResize="1" noEditPoints="1" noAdjustHandles="1" noChangeArrowheads="1" noChangeShapeType="1" noCrop="1"/>
+          </p:cNvPicPr>
+          <p:nvPr>
+            <p:extLst>
+              <p:ext uri="{386F3935-93C4-4BCD-93E2-E3B085C9AB24}">
+                <p16:designElem xmlns:p16="http://schemas.microsoft.com/office/powerpoint/2015/main" val="1"/>
+              </p:ext>
+            </p:extLst>
+          </p:nvPr>
+        </p:nvPicPr>
+        <p:blipFill rotWithShape="1">
+          <a:blip r:embed="rId4">
+            <a:extLst>
+              <a:ext uri="{28A0092B-C50C-407E-A947-70E740481C1C}">
+                <a14:useLocalDpi xmlns:a14="http://schemas.microsoft.com/office/drawing/2010/main"/>
+              </a:ext>
+            </a:extLst>
+          </a:blip>
+          <a:srcRect l="3613"/>
+          <a:stretch/>
+        </p:blipFill>
+        <p:spPr>
+          <a:xfrm>
+            <a:off x="0" y="2669685"/>
+            <a:ext cx="4037012" cy="4188315"/>
+          </a:xfrm>
+          <a:prstGeom prst="rect">
+            <a:avLst/>
+          </a:prstGeom>
+        </p:spPr>
+      </p:pic>
+      <p:pic>
+        <p:nvPicPr>
+          <p:cNvPr id="51" name="Imagen 50">
+            <a:extLst>
+              <a:ext uri="{FF2B5EF4-FFF2-40B4-BE49-F238E27FC236}">
+                <a16:creationId xmlns:a16="http://schemas.microsoft.com/office/drawing/2014/main" id="{AA3FED7F-6821-47C0-A464-E9278B24129E}"/>
+              </a:ext>
+              <a:ext uri="{C183D7F6-B498-43B3-948B-1728B52AA6E4}">
+                <adec:decorative xmlns:adec="http://schemas.microsoft.com/office/drawing/2017/decorative" val="1"/>
+              </a:ext>
+            </a:extLst>
+          </p:cNvPr>
+          <p:cNvPicPr>
+            <a:picLocks noGrp="1" noRot="1" noChangeAspect="1" noMove="1" noResize="1" noEditPoints="1" noAdjustHandles="1" noChangeArrowheads="1" noChangeShapeType="1" noCrop="1"/>
+          </p:cNvPicPr>
+          <p:nvPr>
+            <p:extLst>
+              <p:ext uri="{386F3935-93C4-4BCD-93E2-E3B085C9AB24}">
+                <p16:designElem xmlns:p16="http://schemas.microsoft.com/office/powerpoint/2015/main" val="1"/>
+              </p:ext>
+            </p:extLst>
+          </p:nvPr>
+        </p:nvPicPr>
+        <p:blipFill rotWithShape="1">
+          <a:blip r:embed="rId5">
+            <a:extLst>
+              <a:ext uri="{28A0092B-C50C-407E-A947-70E740481C1C}">
+                <a14:useLocalDpi xmlns:a14="http://schemas.microsoft.com/office/drawing/2010/main"/>
+              </a:ext>
+            </a:extLst>
+          </a:blip>
+          <a:srcRect l="35640"/>
+          <a:stretch/>
+        </p:blipFill>
+        <p:spPr>
+          <a:xfrm>
+            <a:off x="0" y="2892347"/>
+            <a:ext cx="1522412" cy="2365453"/>
+          </a:xfrm>
+          <a:prstGeom prst="rect">
+            <a:avLst/>
+          </a:prstGeom>
+        </p:spPr>
+      </p:pic>
+      <p:sp>
+        <p:nvSpPr>
+          <p:cNvPr id="53" name="Elipse 52">
+            <a:extLst>
+              <a:ext uri="{FF2B5EF4-FFF2-40B4-BE49-F238E27FC236}">
+                <a16:creationId xmlns:a16="http://schemas.microsoft.com/office/drawing/2014/main" id="{8F54B2FB-3F54-4350-8D1B-F86D677CA7ED}"/>
+              </a:ext>
+              <a:ext uri="{C183D7F6-B498-43B3-948B-1728B52AA6E4}">
+                <adec:decorative xmlns:adec="http://schemas.microsoft.com/office/drawing/2017/decorative" val="1"/>
+              </a:ext>
+            </a:extLst>
+          </p:cNvPr>
+          <p:cNvSpPr>
+            <a:spLocks noGrp="1" noRot="1" noChangeAspect="1" noMove="1" noResize="1" noEditPoints="1" noAdjustHandles="1" noChangeArrowheads="1" noChangeShapeType="1" noTextEdit="1"/>
+          </p:cNvSpPr>
+          <p:nvPr>
+            <p:extLst>
+              <p:ext uri="{386F3935-93C4-4BCD-93E2-E3B085C9AB24}">
+                <p16:designElem xmlns:p16="http://schemas.microsoft.com/office/powerpoint/2015/main" val="1"/>
+              </p:ext>
+            </p:extLst>
+          </p:nvPr>
+        </p:nvSpPr>
+        <p:spPr>
+          <a:xfrm>
+            <a:off x="8609012" y="1676400"/>
+            <a:ext cx="2819400" cy="2819400"/>
+          </a:xfrm>
+          <a:prstGeom prst="ellipse">
+            <a:avLst/>
+          </a:prstGeom>
+          <a:gradFill flip="none" rotWithShape="1">
+            <a:gsLst>
+              <a:gs pos="0">
+                <a:schemeClr val="bg2">
+                  <a:lumMod val="40000"/>
+                  <a:lumOff val="60000"/>
+                  <a:alpha val="7000"/>
+                </a:schemeClr>
+              </a:gs>
+              <a:gs pos="69000">
+                <a:schemeClr val="bg2">
+                  <a:lumMod val="40000"/>
+                  <a:lumOff val="60000"/>
+                  <a:alpha val="0"/>
+                </a:schemeClr>
+              </a:gs>
+              <a:gs pos="36000">
+                <a:schemeClr val="bg2">
+                  <a:lumMod val="40000"/>
+                  <a:lumOff val="60000"/>
+                  <a:alpha val="6000"/>
+                </a:schemeClr>
+              </a:gs>
+            </a:gsLst>
+            <a:path path="circle">
+              <a:fillToRect l="50000" t="50000" r="50000" b="50000"/>
+            </a:path>
+            <a:tileRect/>
+          </a:gradFill>
+          <a:ln>
+            <a:noFill/>
+          </a:ln>
+          <a:effectLst/>
+        </p:spPr>
+        <p:style>
+          <a:lnRef idx="1">
+            <a:schemeClr val="accent1"/>
+          </a:lnRef>
+          <a:fillRef idx="3">
+            <a:schemeClr val="accent1"/>
+          </a:fillRef>
+          <a:effectRef idx="2">
+            <a:schemeClr val="accent1"/>
+          </a:effectRef>
+          <a:fontRef idx="minor">
+            <a:schemeClr val="lt1"/>
+          </a:fontRef>
+        </p:style>
+      </p:sp>
+      <p:pic>
+        <p:nvPicPr>
+          <p:cNvPr id="55" name="Imagen 54">
+            <a:extLst>
+              <a:ext uri="{FF2B5EF4-FFF2-40B4-BE49-F238E27FC236}">
+                <a16:creationId xmlns:a16="http://schemas.microsoft.com/office/drawing/2014/main" id="{561B34F5-88E5-4711-BC16-3005C29AD7C6}"/>
+              </a:ext>
+              <a:ext uri="{C183D7F6-B498-43B3-948B-1728B52AA6E4}">
+                <adec:decorative xmlns:adec="http://schemas.microsoft.com/office/drawing/2017/decorative" val="1"/>
+              </a:ext>
+            </a:extLst>
+          </p:cNvPr>
+          <p:cNvPicPr>
+            <a:picLocks noGrp="1" noRot="1" noChangeAspect="1" noMove="1" noResize="1" noEditPoints="1" noAdjustHandles="1" noChangeArrowheads="1" noChangeShapeType="1" noCrop="1"/>
+          </p:cNvPicPr>
+          <p:nvPr>
+            <p:extLst>
+              <p:ext uri="{386F3935-93C4-4BCD-93E2-E3B085C9AB24}">
+                <p16:designElem xmlns:p16="http://schemas.microsoft.com/office/powerpoint/2015/main" val="1"/>
+              </p:ext>
+            </p:extLst>
+          </p:nvPr>
+        </p:nvPicPr>
+        <p:blipFill rotWithShape="1">
+          <a:blip r:embed="rId6">
+            <a:extLst>
+              <a:ext uri="{28A0092B-C50C-407E-A947-70E740481C1C}">
+                <a14:useLocalDpi xmlns:a14="http://schemas.microsoft.com/office/drawing/2010/main"/>
+              </a:ext>
+            </a:extLst>
+          </a:blip>
+          <a:srcRect t="28813"/>
+          <a:stretch/>
+        </p:blipFill>
+        <p:spPr>
+          <a:xfrm>
+            <a:off x="7999412" y="0"/>
+            <a:ext cx="1603387" cy="1141407"/>
+          </a:xfrm>
+          <a:prstGeom prst="rect">
+            <a:avLst/>
+          </a:prstGeom>
+        </p:spPr>
+      </p:pic>
+      <p:pic>
+        <p:nvPicPr>
+          <p:cNvPr id="57" name="Imagen 56">
+            <a:extLst>
+              <a:ext uri="{FF2B5EF4-FFF2-40B4-BE49-F238E27FC236}">
+                <a16:creationId xmlns:a16="http://schemas.microsoft.com/office/drawing/2014/main" id="{4F3661D0-2268-4D3E-88BA-0647BCBE33AF}"/>
+              </a:ext>
+              <a:ext uri="{C183D7F6-B498-43B3-948B-1728B52AA6E4}">
+                <adec:decorative xmlns:adec="http://schemas.microsoft.com/office/drawing/2017/decorative" val="1"/>
+              </a:ext>
+            </a:extLst>
+          </p:cNvPr>
+          <p:cNvPicPr>
+            <a:picLocks noGrp="1" noRot="1" noChangeAspect="1" noMove="1" noResize="1" noEditPoints="1" noAdjustHandles="1" noChangeArrowheads="1" noChangeShapeType="1" noCrop="1"/>
+          </p:cNvPicPr>
+          <p:nvPr>
+            <p:extLst>
+              <p:ext uri="{386F3935-93C4-4BCD-93E2-E3B085C9AB24}">
+                <p16:designElem xmlns:p16="http://schemas.microsoft.com/office/powerpoint/2015/main" val="1"/>
+              </p:ext>
+            </p:extLst>
+          </p:nvPr>
+        </p:nvPicPr>
+        <p:blipFill rotWithShape="1">
+          <a:blip r:embed="rId7">
+            <a:extLst>
+              <a:ext uri="{28A0092B-C50C-407E-A947-70E740481C1C}">
+                <a14:useLocalDpi xmlns:a14="http://schemas.microsoft.com/office/drawing/2010/main"/>
+              </a:ext>
+            </a:extLst>
+          </a:blip>
+          <a:srcRect b="23320"/>
+          <a:stretch/>
+        </p:blipFill>
+        <p:spPr>
+          <a:xfrm>
+            <a:off x="8609012" y="6096000"/>
+            <a:ext cx="993734" cy="762000"/>
+          </a:xfrm>
+          <a:prstGeom prst="rect">
+            <a:avLst/>
+          </a:prstGeom>
+        </p:spPr>
+      </p:pic>
+      <p:sp>
+        <p:nvSpPr>
+          <p:cNvPr id="59" name="Rectángulo 58">
+            <a:extLst>
+              <a:ext uri="{FF2B5EF4-FFF2-40B4-BE49-F238E27FC236}">
+                <a16:creationId xmlns:a16="http://schemas.microsoft.com/office/drawing/2014/main" id="{DDB56DB5-0324-4F79-9AB8-CB18C1DC8743}"/>
+              </a:ext>
+              <a:ext uri="{C183D7F6-B498-43B3-948B-1728B52AA6E4}">
+                <adec:decorative xmlns:adec="http://schemas.microsoft.com/office/drawing/2017/decorative" val="1"/>
+              </a:ext>
+            </a:extLst>
+          </p:cNvPr>
+          <p:cNvSpPr>
+            <a:spLocks noGrp="1" noRot="1" noChangeAspect="1" noMove="1" noResize="1" noEditPoints="1" noAdjustHandles="1" noChangeArrowheads="1" noChangeShapeType="1" noTextEdit="1"/>
+          </p:cNvSpPr>
+          <p:nvPr>
+            <p:extLst>
+              <p:ext uri="{386F3935-93C4-4BCD-93E2-E3B085C9AB24}">
+                <p16:designElem xmlns:p16="http://schemas.microsoft.com/office/powerpoint/2015/main" val="1"/>
+              </p:ext>
+            </p:extLst>
+          </p:nvPr>
+        </p:nvSpPr>
+        <p:spPr>
+          <a:xfrm>
+            <a:off x="10437812" y="0"/>
+            <a:ext cx="685800" cy="1143000"/>
+          </a:xfrm>
+          <a:prstGeom prst="rect">
+            <a:avLst/>
+          </a:prstGeom>
+          <a:solidFill>
+            <a:schemeClr val="accent1"/>
+          </a:solidFill>
+          <a:ln>
+            <a:noFill/>
+          </a:ln>
+        </p:spPr>
+        <p:style>
+          <a:lnRef idx="1">
+            <a:schemeClr val="accent1"/>
+          </a:lnRef>
+          <a:fillRef idx="3">
+            <a:schemeClr val="accent1"/>
+          </a:fillRef>
+          <a:effectRef idx="2">
+            <a:schemeClr val="accent1"/>
+          </a:effectRef>
+          <a:fontRef idx="minor">
+            <a:schemeClr val="lt1"/>
+          </a:fontRef>
+        </p:style>
+      </p:sp>
+      <p:sp>
+        <p:nvSpPr>
+          <p:cNvPr id="3" name="Título 2">
+            <a:extLst>
+              <a:ext uri="{FF2B5EF4-FFF2-40B4-BE49-F238E27FC236}">
+                <a16:creationId xmlns:a16="http://schemas.microsoft.com/office/drawing/2014/main" id="{9A850E04-00D7-9AF6-A9C0-571E441C698A}"/>
+              </a:ext>
+            </a:extLst>
+          </p:cNvPr>
+          <p:cNvSpPr>
+            <a:spLocks noGrp="1"/>
+          </p:cNvSpPr>
+          <p:nvPr>
+            <p:ph type="title"/>
+          </p:nvPr>
+        </p:nvSpPr>
+        <p:spPr>
+          <a:xfrm>
+            <a:off x="1393638" y="274277"/>
+            <a:ext cx="9404723" cy="1400530"/>
+          </a:xfrm>
+        </p:spPr>
+        <p:txBody>
+          <a:bodyPr/>
+          <a:lstStyle/>
+          <a:p>
+            <a:r>
+              <a:rPr lang="es-MX" dirty="0"/>
+              <a:t>NN para identificar imágenes o</a:t>
+            </a:r>
+            <a:br>
+              <a:rPr lang="es-MX" dirty="0"/>
+            </a:br>
+            <a:r>
+              <a:rPr lang="es-MX" dirty="0"/>
+              <a:t>NN CONVOLUCIONALES</a:t>
+            </a:r>
+          </a:p>
+        </p:txBody>
+      </p:sp>
+      <p:pic>
+        <p:nvPicPr>
+          <p:cNvPr id="5" name="Imagen 4">
+            <a:extLst>
+              <a:ext uri="{FF2B5EF4-FFF2-40B4-BE49-F238E27FC236}">
+                <a16:creationId xmlns:a16="http://schemas.microsoft.com/office/drawing/2014/main" id="{3FD19286-7AE7-4175-1E70-B87E326E0E32}"/>
+              </a:ext>
+            </a:extLst>
+          </p:cNvPr>
+          <p:cNvPicPr>
+            <a:picLocks noChangeAspect="1"/>
+          </p:cNvPicPr>
+          <p:nvPr/>
+        </p:nvPicPr>
+        <p:blipFill rotWithShape="1">
+          <a:blip r:embed="rId8"/>
+          <a:srcRect t="18960" b="15950"/>
+          <a:stretch/>
+        </p:blipFill>
+        <p:spPr>
+          <a:xfrm>
+            <a:off x="2376881" y="1909006"/>
+            <a:ext cx="7435059" cy="3410465"/>
+          </a:xfrm>
+          <a:prstGeom prst="rect">
+            <a:avLst/>
+          </a:prstGeom>
+        </p:spPr>
+      </p:pic>
+      <p:sp>
+        <p:nvSpPr>
+          <p:cNvPr id="8" name="CuadroTexto 7">
+            <a:extLst>
+              <a:ext uri="{FF2B5EF4-FFF2-40B4-BE49-F238E27FC236}">
+                <a16:creationId xmlns:a16="http://schemas.microsoft.com/office/drawing/2014/main" id="{34A644AD-CD33-7587-DE54-4B0E7D1797D1}"/>
+              </a:ext>
+            </a:extLst>
+          </p:cNvPr>
+          <p:cNvSpPr txBox="1"/>
+          <p:nvPr/>
+        </p:nvSpPr>
+        <p:spPr>
+          <a:xfrm>
+            <a:off x="1602730" y="5553670"/>
+            <a:ext cx="8983362" cy="923330"/>
+          </a:xfrm>
+          <a:prstGeom prst="rect">
+            <a:avLst/>
+          </a:prstGeom>
+          <a:noFill/>
+        </p:spPr>
+        <p:txBody>
+          <a:bodyPr wrap="square" rtlCol="0">
+            <a:spAutoFit/>
+          </a:bodyPr>
+          <a:lstStyle/>
+          <a:p>
+            <a:r>
+              <a:rPr lang="es-MX" i="1" dirty="0"/>
+              <a:t>La convolución consiste en realizar un barrido de la imagen para tomar grupos de píxeles cercanos entre sí de la imagen de entrada y realizar un producto punto contra un kernel.</a:t>
+            </a:r>
+          </a:p>
+        </p:txBody>
+      </p:sp>
+    </p:spTree>
+    <p:extLst>
+      <p:ext uri="{BB962C8B-B14F-4D97-AF65-F5344CB8AC3E}">
+        <p14:creationId xmlns:p14="http://schemas.microsoft.com/office/powerpoint/2010/main" val="555089011"/>
+      </p:ext>
+    </p:extLst>
+  </p:cSld>
+  <p:clrMapOvr>
+    <a:masterClrMapping/>
+  </p:clrMapOvr>
+</p:sld>
+</file>
+
+<file path=ppt/slides/slide4.xml><?xml version="1.0" encoding="utf-8"?>
+<p:sld xmlns:a="http://schemas.openxmlformats.org/drawingml/2006/main" xmlns:r="http://schemas.openxmlformats.org/officeDocument/2006/relationships" xmlns:p="http://schemas.openxmlformats.org/presentationml/2006/main">
+  <p:cSld>
+    <p:bg>
+      <p:bgPr>
+        <a:blipFill rotWithShape="1">
+          <a:blip r:embed="rId3">
+            <a:duotone>
+              <a:schemeClr val="bg2">
+                <a:shade val="62000"/>
+                <a:hueMod val="108000"/>
+                <a:satMod val="164000"/>
+                <a:lumMod val="69000"/>
+              </a:schemeClr>
+              <a:schemeClr val="bg2">
+                <a:tint val="96000"/>
+                <a:hueMod val="90000"/>
+                <a:satMod val="130000"/>
+                <a:lumMod val="134000"/>
+              </a:schemeClr>
+            </a:duotone>
+          </a:blip>
+          <a:stretch/>
+        </a:blipFill>
+        <a:effectLst/>
+      </p:bgPr>
+    </p:bg>
+    <p:spTree>
+      <p:nvGrpSpPr>
+        <p:cNvPr id="1" name=""/>
+        <p:cNvGrpSpPr/>
+        <p:nvPr/>
+      </p:nvGrpSpPr>
+      <p:grpSpPr>
+        <a:xfrm>
+          <a:off x="0" y="0"/>
+          <a:ext cx="0" cy="0"/>
+          <a:chOff x="0" y="0"/>
+          <a:chExt cx="0" cy="0"/>
+        </a:xfrm>
+      </p:grpSpPr>
+      <p:pic>
+        <p:nvPicPr>
+          <p:cNvPr id="49" name="Imagen 48">
+            <a:extLst>
+              <a:ext uri="{FF2B5EF4-FFF2-40B4-BE49-F238E27FC236}">
+                <a16:creationId xmlns:a16="http://schemas.microsoft.com/office/drawing/2014/main" id="{AA085689-791F-4B8F-9F30-12415B97D366}"/>
+              </a:ext>
+              <a:ext uri="{C183D7F6-B498-43B3-948B-1728B52AA6E4}">
+                <adec:decorative xmlns:adec="http://schemas.microsoft.com/office/drawing/2017/decorative" val="1"/>
+              </a:ext>
+            </a:extLst>
+          </p:cNvPr>
+          <p:cNvPicPr>
+            <a:picLocks noGrp="1" noRot="1" noChangeAspect="1" noMove="1" noResize="1" noEditPoints="1" noAdjustHandles="1" noChangeArrowheads="1" noChangeShapeType="1" noCrop="1"/>
+          </p:cNvPicPr>
+          <p:nvPr>
+            <p:extLst>
+              <p:ext uri="{386F3935-93C4-4BCD-93E2-E3B085C9AB24}">
+                <p16:designElem xmlns:p16="http://schemas.microsoft.com/office/powerpoint/2015/main" val="1"/>
+              </p:ext>
+            </p:extLst>
+          </p:nvPr>
+        </p:nvPicPr>
+        <p:blipFill rotWithShape="1">
+          <a:blip r:embed="rId4">
+            <a:extLst>
+              <a:ext uri="{28A0092B-C50C-407E-A947-70E740481C1C}">
+                <a14:useLocalDpi xmlns:a14="http://schemas.microsoft.com/office/drawing/2010/main"/>
+              </a:ext>
+            </a:extLst>
+          </a:blip>
+          <a:srcRect l="3613"/>
+          <a:stretch/>
+        </p:blipFill>
+        <p:spPr>
+          <a:xfrm>
+            <a:off x="0" y="2669685"/>
+            <a:ext cx="4037012" cy="4188315"/>
+          </a:xfrm>
+          <a:prstGeom prst="rect">
+            <a:avLst/>
+          </a:prstGeom>
+        </p:spPr>
+      </p:pic>
+      <p:pic>
+        <p:nvPicPr>
+          <p:cNvPr id="51" name="Imagen 50">
+            <a:extLst>
+              <a:ext uri="{FF2B5EF4-FFF2-40B4-BE49-F238E27FC236}">
+                <a16:creationId xmlns:a16="http://schemas.microsoft.com/office/drawing/2014/main" id="{AA3FED7F-6821-47C0-A464-E9278B24129E}"/>
+              </a:ext>
+              <a:ext uri="{C183D7F6-B498-43B3-948B-1728B52AA6E4}">
+                <adec:decorative xmlns:adec="http://schemas.microsoft.com/office/drawing/2017/decorative" val="1"/>
+              </a:ext>
+            </a:extLst>
+          </p:cNvPr>
+          <p:cNvPicPr>
+            <a:picLocks noGrp="1" noRot="1" noChangeAspect="1" noMove="1" noResize="1" noEditPoints="1" noAdjustHandles="1" noChangeArrowheads="1" noChangeShapeType="1" noCrop="1"/>
+          </p:cNvPicPr>
+          <p:nvPr>
+            <p:extLst>
+              <p:ext uri="{386F3935-93C4-4BCD-93E2-E3B085C9AB24}">
+                <p16:designElem xmlns:p16="http://schemas.microsoft.com/office/powerpoint/2015/main" val="1"/>
+              </p:ext>
+            </p:extLst>
+          </p:nvPr>
+        </p:nvPicPr>
+        <p:blipFill rotWithShape="1">
+          <a:blip r:embed="rId5">
+            <a:extLst>
+              <a:ext uri="{28A0092B-C50C-407E-A947-70E740481C1C}">
+                <a14:useLocalDpi xmlns:a14="http://schemas.microsoft.com/office/drawing/2010/main"/>
+              </a:ext>
+            </a:extLst>
+          </a:blip>
+          <a:srcRect l="35640"/>
+          <a:stretch/>
+        </p:blipFill>
+        <p:spPr>
+          <a:xfrm>
+            <a:off x="0" y="2892347"/>
+            <a:ext cx="1522412" cy="2365453"/>
+          </a:xfrm>
+          <a:prstGeom prst="rect">
+            <a:avLst/>
+          </a:prstGeom>
+        </p:spPr>
+      </p:pic>
+      <p:sp>
+        <p:nvSpPr>
+          <p:cNvPr id="53" name="Elipse 52">
+            <a:extLst>
+              <a:ext uri="{FF2B5EF4-FFF2-40B4-BE49-F238E27FC236}">
+                <a16:creationId xmlns:a16="http://schemas.microsoft.com/office/drawing/2014/main" id="{8F54B2FB-3F54-4350-8D1B-F86D677CA7ED}"/>
+              </a:ext>
+              <a:ext uri="{C183D7F6-B498-43B3-948B-1728B52AA6E4}">
+                <adec:decorative xmlns:adec="http://schemas.microsoft.com/office/drawing/2017/decorative" val="1"/>
+              </a:ext>
+            </a:extLst>
+          </p:cNvPr>
+          <p:cNvSpPr>
+            <a:spLocks noGrp="1" noRot="1" noChangeAspect="1" noMove="1" noResize="1" noEditPoints="1" noAdjustHandles="1" noChangeArrowheads="1" noChangeShapeType="1" noTextEdit="1"/>
+          </p:cNvSpPr>
+          <p:nvPr>
+            <p:extLst>
+              <p:ext uri="{386F3935-93C4-4BCD-93E2-E3B085C9AB24}">
+                <p16:designElem xmlns:p16="http://schemas.microsoft.com/office/powerpoint/2015/main" val="1"/>
+              </p:ext>
+            </p:extLst>
+          </p:nvPr>
+        </p:nvSpPr>
+        <p:spPr>
+          <a:xfrm>
+            <a:off x="8609012" y="1676400"/>
+            <a:ext cx="2819400" cy="2819400"/>
+          </a:xfrm>
+          <a:prstGeom prst="ellipse">
+            <a:avLst/>
+          </a:prstGeom>
+          <a:gradFill flip="none" rotWithShape="1">
+            <a:gsLst>
+              <a:gs pos="0">
+                <a:schemeClr val="bg2">
+                  <a:lumMod val="40000"/>
+                  <a:lumOff val="60000"/>
+                  <a:alpha val="7000"/>
+                </a:schemeClr>
+              </a:gs>
+              <a:gs pos="69000">
+                <a:schemeClr val="bg2">
+                  <a:lumMod val="40000"/>
+                  <a:lumOff val="60000"/>
+                  <a:alpha val="0"/>
+                </a:schemeClr>
+              </a:gs>
+              <a:gs pos="36000">
+                <a:schemeClr val="bg2">
+                  <a:lumMod val="40000"/>
+                  <a:lumOff val="60000"/>
+                  <a:alpha val="6000"/>
+                </a:schemeClr>
+              </a:gs>
+            </a:gsLst>
+            <a:path path="circle">
+              <a:fillToRect l="50000" t="50000" r="50000" b="50000"/>
+            </a:path>
+            <a:tileRect/>
+          </a:gradFill>
+          <a:ln>
+            <a:noFill/>
+          </a:ln>
+          <a:effectLst/>
+        </p:spPr>
+        <p:style>
+          <a:lnRef idx="1">
+            <a:schemeClr val="accent1"/>
+          </a:lnRef>
+          <a:fillRef idx="3">
+            <a:schemeClr val="accent1"/>
+          </a:fillRef>
+          <a:effectRef idx="2">
+            <a:schemeClr val="accent1"/>
+          </a:effectRef>
+          <a:fontRef idx="minor">
+            <a:schemeClr val="lt1"/>
+          </a:fontRef>
+        </p:style>
+      </p:sp>
+      <p:pic>
+        <p:nvPicPr>
+          <p:cNvPr id="55" name="Imagen 54">
+            <a:extLst>
+              <a:ext uri="{FF2B5EF4-FFF2-40B4-BE49-F238E27FC236}">
+                <a16:creationId xmlns:a16="http://schemas.microsoft.com/office/drawing/2014/main" id="{561B34F5-88E5-4711-BC16-3005C29AD7C6}"/>
+              </a:ext>
+              <a:ext uri="{C183D7F6-B498-43B3-948B-1728B52AA6E4}">
+                <adec:decorative xmlns:adec="http://schemas.microsoft.com/office/drawing/2017/decorative" val="1"/>
+              </a:ext>
+            </a:extLst>
+          </p:cNvPr>
+          <p:cNvPicPr>
+            <a:picLocks noGrp="1" noRot="1" noChangeAspect="1" noMove="1" noResize="1" noEditPoints="1" noAdjustHandles="1" noChangeArrowheads="1" noChangeShapeType="1" noCrop="1"/>
+          </p:cNvPicPr>
+          <p:nvPr>
+            <p:extLst>
+              <p:ext uri="{386F3935-93C4-4BCD-93E2-E3B085C9AB24}">
+                <p16:designElem xmlns:p16="http://schemas.microsoft.com/office/powerpoint/2015/main" val="1"/>
+              </p:ext>
+            </p:extLst>
+          </p:nvPr>
+        </p:nvPicPr>
+        <p:blipFill rotWithShape="1">
+          <a:blip r:embed="rId6">
+            <a:extLst>
+              <a:ext uri="{28A0092B-C50C-407E-A947-70E740481C1C}">
+                <a14:useLocalDpi xmlns:a14="http://schemas.microsoft.com/office/drawing/2010/main"/>
+              </a:ext>
+            </a:extLst>
+          </a:blip>
+          <a:srcRect t="28813"/>
+          <a:stretch/>
+        </p:blipFill>
+        <p:spPr>
+          <a:xfrm>
+            <a:off x="7999412" y="0"/>
+            <a:ext cx="1603387" cy="1141407"/>
+          </a:xfrm>
+          <a:prstGeom prst="rect">
+            <a:avLst/>
+          </a:prstGeom>
+        </p:spPr>
+      </p:pic>
+      <p:pic>
+        <p:nvPicPr>
+          <p:cNvPr id="57" name="Imagen 56">
+            <a:extLst>
+              <a:ext uri="{FF2B5EF4-FFF2-40B4-BE49-F238E27FC236}">
+                <a16:creationId xmlns:a16="http://schemas.microsoft.com/office/drawing/2014/main" id="{4F3661D0-2268-4D3E-88BA-0647BCBE33AF}"/>
+              </a:ext>
+              <a:ext uri="{C183D7F6-B498-43B3-948B-1728B52AA6E4}">
+                <adec:decorative xmlns:adec="http://schemas.microsoft.com/office/drawing/2017/decorative" val="1"/>
+              </a:ext>
+            </a:extLst>
+          </p:cNvPr>
+          <p:cNvPicPr>
+            <a:picLocks noGrp="1" noRot="1" noChangeAspect="1" noMove="1" noResize="1" noEditPoints="1" noAdjustHandles="1" noChangeArrowheads="1" noChangeShapeType="1" noCrop="1"/>
+          </p:cNvPicPr>
+          <p:nvPr>
+            <p:extLst>
+              <p:ext uri="{386F3935-93C4-4BCD-93E2-E3B085C9AB24}">
+                <p16:designElem xmlns:p16="http://schemas.microsoft.com/office/powerpoint/2015/main" val="1"/>
+              </p:ext>
+            </p:extLst>
+          </p:nvPr>
+        </p:nvPicPr>
+        <p:blipFill rotWithShape="1">
+          <a:blip r:embed="rId7">
+            <a:extLst>
+              <a:ext uri="{28A0092B-C50C-407E-A947-70E740481C1C}">
+                <a14:useLocalDpi xmlns:a14="http://schemas.microsoft.com/office/drawing/2010/main"/>
+              </a:ext>
+            </a:extLst>
+          </a:blip>
+          <a:srcRect b="23320"/>
+          <a:stretch/>
+        </p:blipFill>
+        <p:spPr>
+          <a:xfrm>
+            <a:off x="8609012" y="6096000"/>
+            <a:ext cx="993734" cy="762000"/>
+          </a:xfrm>
+          <a:prstGeom prst="rect">
+            <a:avLst/>
+          </a:prstGeom>
+        </p:spPr>
+      </p:pic>
+      <p:sp>
+        <p:nvSpPr>
+          <p:cNvPr id="59" name="Rectángulo 58">
+            <a:extLst>
+              <a:ext uri="{FF2B5EF4-FFF2-40B4-BE49-F238E27FC236}">
+                <a16:creationId xmlns:a16="http://schemas.microsoft.com/office/drawing/2014/main" id="{DDB56DB5-0324-4F79-9AB8-CB18C1DC8743}"/>
+              </a:ext>
+              <a:ext uri="{C183D7F6-B498-43B3-948B-1728B52AA6E4}">
+                <adec:decorative xmlns:adec="http://schemas.microsoft.com/office/drawing/2017/decorative" val="1"/>
+              </a:ext>
+            </a:extLst>
+          </p:cNvPr>
+          <p:cNvSpPr>
+            <a:spLocks noGrp="1" noRot="1" noChangeAspect="1" noMove="1" noResize="1" noEditPoints="1" noAdjustHandles="1" noChangeArrowheads="1" noChangeShapeType="1" noTextEdit="1"/>
+          </p:cNvSpPr>
+          <p:nvPr>
+            <p:extLst>
+              <p:ext uri="{386F3935-93C4-4BCD-93E2-E3B085C9AB24}">
+                <p16:designElem xmlns:p16="http://schemas.microsoft.com/office/powerpoint/2015/main" val="1"/>
+              </p:ext>
+            </p:extLst>
+          </p:nvPr>
+        </p:nvSpPr>
+        <p:spPr>
+          <a:xfrm>
+            <a:off x="10437812" y="0"/>
+            <a:ext cx="685800" cy="1143000"/>
+          </a:xfrm>
+          <a:prstGeom prst="rect">
+            <a:avLst/>
+          </a:prstGeom>
+          <a:solidFill>
+            <a:schemeClr val="accent1"/>
+          </a:solidFill>
+          <a:ln>
+            <a:noFill/>
+          </a:ln>
+        </p:spPr>
+        <p:style>
+          <a:lnRef idx="1">
+            <a:schemeClr val="accent1"/>
+          </a:lnRef>
+          <a:fillRef idx="3">
+            <a:schemeClr val="accent1"/>
+          </a:fillRef>
+          <a:effectRef idx="2">
+            <a:schemeClr val="accent1"/>
+          </a:effectRef>
+          <a:fontRef idx="minor">
+            <a:schemeClr val="lt1"/>
+          </a:fontRef>
+        </p:style>
+      </p:sp>
+      <p:sp>
+        <p:nvSpPr>
+          <p:cNvPr id="3" name="Título 2">
+            <a:extLst>
+              <a:ext uri="{FF2B5EF4-FFF2-40B4-BE49-F238E27FC236}">
+                <a16:creationId xmlns:a16="http://schemas.microsoft.com/office/drawing/2014/main" id="{9A850E04-00D7-9AF6-A9C0-571E441C698A}"/>
+              </a:ext>
+            </a:extLst>
+          </p:cNvPr>
+          <p:cNvSpPr>
+            <a:spLocks noGrp="1"/>
+          </p:cNvSpPr>
+          <p:nvPr>
+            <p:ph type="title"/>
+          </p:nvPr>
+        </p:nvSpPr>
+        <p:spPr>
+          <a:xfrm>
+            <a:off x="1393638" y="274277"/>
+            <a:ext cx="9404723" cy="795208"/>
+          </a:xfrm>
+        </p:spPr>
+        <p:txBody>
+          <a:bodyPr/>
+          <a:lstStyle/>
+          <a:p>
+            <a:r>
+              <a:rPr lang="es-MX" dirty="0"/>
+              <a:t>NN CONVOLUCIONALES</a:t>
+            </a:r>
+          </a:p>
+        </p:txBody>
+      </p:sp>
+      <p:pic>
+        <p:nvPicPr>
+          <p:cNvPr id="6" name="Imagen 5">
+            <a:extLst>
+              <a:ext uri="{FF2B5EF4-FFF2-40B4-BE49-F238E27FC236}">
+                <a16:creationId xmlns:a16="http://schemas.microsoft.com/office/drawing/2014/main" id="{359BDF74-E9A5-8CDE-440D-7DCC2232438C}"/>
+              </a:ext>
+            </a:extLst>
+          </p:cNvPr>
+          <p:cNvPicPr>
+            <a:picLocks noChangeAspect="1"/>
+          </p:cNvPicPr>
+          <p:nvPr/>
+        </p:nvPicPr>
+        <p:blipFill rotWithShape="1">
+          <a:blip r:embed="rId8"/>
+          <a:srcRect b="10103"/>
+          <a:stretch/>
+        </p:blipFill>
+        <p:spPr>
+          <a:xfrm>
+            <a:off x="959678" y="1869584"/>
+            <a:ext cx="10269467" cy="3765163"/>
+          </a:xfrm>
+          <a:prstGeom prst="rect">
+            <a:avLst/>
+          </a:prstGeom>
+        </p:spPr>
+      </p:pic>
+    </p:spTree>
+    <p:extLst>
+      <p:ext uri="{BB962C8B-B14F-4D97-AF65-F5344CB8AC3E}">
+        <p14:creationId xmlns:p14="http://schemas.microsoft.com/office/powerpoint/2010/main" val="3067767135"/>
+      </p:ext>
+    </p:extLst>
+  </p:cSld>
+  <p:clrMapOvr>
+    <a:masterClrMapping/>
+  </p:clrMapOvr>
+</p:sld>
+</file>
+
+<file path=ppt/slides/slide5.xml><?xml version="1.0" encoding="utf-8"?>
+<p:sld xmlns:a="http://schemas.openxmlformats.org/drawingml/2006/main" xmlns:r="http://schemas.openxmlformats.org/officeDocument/2006/relationships" xmlns:p="http://schemas.openxmlformats.org/presentationml/2006/main">
+  <p:cSld>
+    <p:bg>
+      <p:bgPr>
+        <a:blipFill rotWithShape="1">
+          <a:blip r:embed="rId3">
+            <a:duotone>
+              <a:schemeClr val="bg2">
+                <a:shade val="62000"/>
+                <a:hueMod val="108000"/>
+                <a:satMod val="164000"/>
+                <a:lumMod val="69000"/>
+              </a:schemeClr>
+              <a:schemeClr val="bg2">
+                <a:tint val="96000"/>
+                <a:hueMod val="90000"/>
+                <a:satMod val="130000"/>
+                <a:lumMod val="134000"/>
+              </a:schemeClr>
+            </a:duotone>
+          </a:blip>
+          <a:stretch/>
+        </a:blipFill>
+        <a:effectLst/>
+      </p:bgPr>
+    </p:bg>
+    <p:spTree>
+      <p:nvGrpSpPr>
+        <p:cNvPr id="1" name=""/>
+        <p:cNvGrpSpPr/>
+        <p:nvPr/>
+      </p:nvGrpSpPr>
+      <p:grpSpPr>
+        <a:xfrm>
+          <a:off x="0" y="0"/>
+          <a:ext cx="0" cy="0"/>
+          <a:chOff x="0" y="0"/>
+          <a:chExt cx="0" cy="0"/>
+        </a:xfrm>
+      </p:grpSpPr>
+      <p:pic>
+        <p:nvPicPr>
+          <p:cNvPr id="15" name="Imagen 14" descr="diseño abstracto">
+            <a:extLst>
+              <a:ext uri="{FF2B5EF4-FFF2-40B4-BE49-F238E27FC236}">
+                <a16:creationId xmlns:a16="http://schemas.microsoft.com/office/drawing/2014/main" id="{6D363037-1741-4470-A023-883E2FFD5840}"/>
+              </a:ext>
+            </a:extLst>
+          </p:cNvPr>
+          <p:cNvPicPr>
+            <a:picLocks noChangeAspect="1"/>
+          </p:cNvPicPr>
+          <p:nvPr/>
+        </p:nvPicPr>
+        <p:blipFill rotWithShape="1">
+          <a:blip r:embed="rId4">
+            <a:duotone>
+              <a:prstClr val="black"/>
+              <a:schemeClr val="accent5">
+                <a:tint val="45000"/>
+                <a:satMod val="400000"/>
+              </a:schemeClr>
+            </a:duotone>
+            <a:alphaModFix amt="25000"/>
+          </a:blip>
+          <a:srcRect t="18308" r="6818" b="2872"/>
+          <a:stretch/>
+        </p:blipFill>
+        <p:spPr>
+          <a:xfrm flipH="1">
+            <a:off x="20" y="10"/>
+            <a:ext cx="12191980" cy="6857990"/>
+          </a:xfrm>
+          <a:prstGeom prst="rect">
+            <a:avLst/>
+          </a:prstGeom>
+        </p:spPr>
+      </p:pic>
+      <p:sp>
+        <p:nvSpPr>
+          <p:cNvPr id="57" name="Rectángulo 56">
+            <a:extLst>
+              <a:ext uri="{FF2B5EF4-FFF2-40B4-BE49-F238E27FC236}">
+                <a16:creationId xmlns:a16="http://schemas.microsoft.com/office/drawing/2014/main" id="{318E9D62-7BA3-4D5E-8915-0D0E8661E3D7}"/>
+              </a:ext>
+              <a:ext uri="{C183D7F6-B498-43B3-948B-1728B52AA6E4}">
+                <adec:decorative xmlns:adec="http://schemas.microsoft.com/office/drawing/2017/decorative" val="1"/>
+              </a:ext>
+            </a:extLst>
+          </p:cNvPr>
+          <p:cNvSpPr>
+            <a:spLocks noGrp="1" noRot="1" noChangeAspect="1" noMove="1" noResize="1" noEditPoints="1" noAdjustHandles="1" noChangeArrowheads="1" noChangeShapeType="1" noTextEdit="1"/>
+          </p:cNvSpPr>
+          <p:nvPr>
+            <p:extLst>
+              <p:ext uri="{386F3935-93C4-4BCD-93E2-E3B085C9AB24}">
+                <p16:designElem xmlns:p16="http://schemas.microsoft.com/office/powerpoint/2015/main" val="1"/>
+              </p:ext>
+            </p:extLst>
+          </p:nvPr>
+        </p:nvSpPr>
+        <p:spPr>
+          <a:xfrm>
+            <a:off x="10437812" y="0"/>
+            <a:ext cx="685800" cy="1143000"/>
+          </a:xfrm>
+          <a:prstGeom prst="rect">
+            <a:avLst/>
+          </a:prstGeom>
+          <a:solidFill>
+            <a:schemeClr val="accent1"/>
+          </a:solidFill>
+          <a:ln>
+            <a:noFill/>
+          </a:ln>
+        </p:spPr>
+        <p:style>
+          <a:lnRef idx="1">
+            <a:schemeClr val="accent1"/>
+          </a:lnRef>
+          <a:fillRef idx="3">
+            <a:schemeClr val="accent1"/>
+          </a:fillRef>
+          <a:effectRef idx="2">
+            <a:schemeClr val="accent1"/>
+          </a:effectRef>
+          <a:fontRef idx="minor">
+            <a:schemeClr val="lt1"/>
+          </a:fontRef>
+        </p:style>
+      </p:sp>
+      <p:sp>
+        <p:nvSpPr>
+          <p:cNvPr id="6" name="Título 2">
+            <a:extLst>
+              <a:ext uri="{FF2B5EF4-FFF2-40B4-BE49-F238E27FC236}">
+                <a16:creationId xmlns:a16="http://schemas.microsoft.com/office/drawing/2014/main" id="{78DCA2BF-DACB-0E52-6E1B-4D80B2AFF064}"/>
               </a:ext>
             </a:extLst>
           </p:cNvPr>
@@ -7934,8 +9174,8 @@
         </p:nvSpPr>
         <p:spPr>
           <a:xfrm>
-            <a:off x="1801411" y="173896"/>
-            <a:ext cx="3289573" cy="795208"/>
+            <a:off x="2443963" y="185118"/>
+            <a:ext cx="9404723" cy="772764"/>
           </a:xfrm>
           <a:prstGeom prst="rect">
             <a:avLst/>
@@ -8019,16 +9259,124 @@
           </a:lstStyle>
           <a:p>
             <a:r>
-              <a:rPr lang="es-MX" sz="4400" dirty="0"/>
-              <a:t>CÓDIGO</a:t>
-            </a:r>
-          </a:p>
-        </p:txBody>
-      </p:sp>
+              <a:rPr lang="es-MX" sz="4000" dirty="0"/>
+              <a:t>NN CONVOLUCIONALES</a:t>
+            </a:r>
+          </a:p>
+        </p:txBody>
+      </p:sp>
+      <p:sp>
+        <p:nvSpPr>
+          <p:cNvPr id="7" name="CuadroTexto 6">
+            <a:extLst>
+              <a:ext uri="{FF2B5EF4-FFF2-40B4-BE49-F238E27FC236}">
+                <a16:creationId xmlns:a16="http://schemas.microsoft.com/office/drawing/2014/main" id="{E84792A2-82FA-A087-0A53-8A8D330CFA34}"/>
+              </a:ext>
+            </a:extLst>
+          </p:cNvPr>
+          <p:cNvSpPr txBox="1"/>
+          <p:nvPr/>
+        </p:nvSpPr>
+        <p:spPr>
+          <a:xfrm>
+            <a:off x="972534" y="1142990"/>
+            <a:ext cx="1733595" cy="523220"/>
+          </a:xfrm>
+          <a:prstGeom prst="rect">
+            <a:avLst/>
+          </a:prstGeom>
+          <a:noFill/>
+        </p:spPr>
+        <p:txBody>
+          <a:bodyPr wrap="square" rtlCol="0">
+            <a:spAutoFit/>
+          </a:bodyPr>
+          <a:lstStyle/>
+          <a:p>
+            <a:r>
+              <a:rPr lang="es-MX" sz="2800" i="1" dirty="0"/>
+              <a:t>¿</a:t>
+            </a:r>
+            <a:r>
+              <a:rPr lang="es-MX" sz="2800" dirty="0"/>
+              <a:t>Kernel</a:t>
+            </a:r>
+            <a:r>
+              <a:rPr lang="es-MX" sz="2800" i="1" dirty="0"/>
+              <a:t>?</a:t>
+            </a:r>
+          </a:p>
+        </p:txBody>
+      </p:sp>
+      <p:sp>
+        <p:nvSpPr>
+          <p:cNvPr id="8" name="CuadroTexto 7">
+            <a:extLst>
+              <a:ext uri="{FF2B5EF4-FFF2-40B4-BE49-F238E27FC236}">
+                <a16:creationId xmlns:a16="http://schemas.microsoft.com/office/drawing/2014/main" id="{184DAED6-16D3-003C-4412-63F2240D366E}"/>
+              </a:ext>
+            </a:extLst>
+          </p:cNvPr>
+          <p:cNvSpPr txBox="1"/>
+          <p:nvPr/>
+        </p:nvSpPr>
+        <p:spPr>
+          <a:xfrm>
+            <a:off x="842437" y="1738569"/>
+            <a:ext cx="10507126" cy="1569660"/>
+          </a:xfrm>
+          <a:prstGeom prst="rect">
+            <a:avLst/>
+          </a:prstGeom>
+          <a:noFill/>
+        </p:spPr>
+        <p:txBody>
+          <a:bodyPr wrap="square" rtlCol="0">
+            <a:spAutoFit/>
+          </a:bodyPr>
+          <a:lstStyle/>
+          <a:p>
+            <a:r>
+              <a:rPr lang="es-MX" sz="2400" i="1" dirty="0"/>
+              <a:t>Es un filtro, el cual, se le aplica a la imagen a procesar para así extraer características especiales de la imagen para después hacer uso de estos nuevos valores filtrados. Principalmente se detectan bordes, desenfoque, entre otras características. </a:t>
+            </a:r>
+          </a:p>
+        </p:txBody>
+      </p:sp>
+      <p:pic>
+        <p:nvPicPr>
+          <p:cNvPr id="10" name="Imagen 9">
+            <a:extLst>
+              <a:ext uri="{FF2B5EF4-FFF2-40B4-BE49-F238E27FC236}">
+                <a16:creationId xmlns:a16="http://schemas.microsoft.com/office/drawing/2014/main" id="{3D712274-6CD8-36E4-1A45-7C9617227A7B}"/>
+              </a:ext>
+            </a:extLst>
+          </p:cNvPr>
+          <p:cNvPicPr>
+            <a:picLocks noChangeAspect="1"/>
+          </p:cNvPicPr>
+          <p:nvPr/>
+        </p:nvPicPr>
+        <p:blipFill>
+          <a:blip r:embed="rId5"/>
+          <a:stretch>
+            <a:fillRect/>
+          </a:stretch>
+        </p:blipFill>
+        <p:spPr>
+          <a:xfrm>
+            <a:off x="2662739" y="3631198"/>
+            <a:ext cx="6866522" cy="2903833"/>
+          </a:xfrm>
+          <a:prstGeom prst="rect">
+            <a:avLst/>
+          </a:prstGeom>
+        </p:spPr>
+      </p:pic>
     </p:spTree>
     <p:extLst>
       <p:ext uri="{BB962C8B-B14F-4D97-AF65-F5344CB8AC3E}">
-        <p14:creationId xmlns:p14="http://schemas.microsoft.com/office/powerpoint/2010/main" val="879875596"/>
+        <p14:creationId xmlns:p14="http://schemas.microsoft.com/office/powerpoint/2010/main" val="510767980"/>
       </p:ext>
     </p:extLst>
   </p:cSld>
@@ -8038,7 +9386,439 @@
 </p:sld>
 </file>
 
-<file path=ppt/slides/slide11.xml><?xml version="1.0" encoding="utf-8"?>
+<file path=ppt/slides/slide6.xml><?xml version="1.0" encoding="utf-8"?>
+<p:sld xmlns:a="http://schemas.openxmlformats.org/drawingml/2006/main" xmlns:r="http://schemas.openxmlformats.org/officeDocument/2006/relationships" xmlns:p="http://schemas.openxmlformats.org/presentationml/2006/main">
+  <p:cSld>
+    <p:bg>
+      <p:bgPr>
+        <a:blipFill rotWithShape="1">
+          <a:blip r:embed="rId3">
+            <a:duotone>
+              <a:schemeClr val="bg2">
+                <a:shade val="62000"/>
+                <a:hueMod val="108000"/>
+                <a:satMod val="164000"/>
+                <a:lumMod val="69000"/>
+              </a:schemeClr>
+              <a:schemeClr val="bg2">
+                <a:tint val="96000"/>
+                <a:hueMod val="90000"/>
+                <a:satMod val="130000"/>
+                <a:lumMod val="134000"/>
+              </a:schemeClr>
+            </a:duotone>
+          </a:blip>
+          <a:stretch/>
+        </a:blipFill>
+        <a:effectLst/>
+      </p:bgPr>
+    </p:bg>
+    <p:spTree>
+      <p:nvGrpSpPr>
+        <p:cNvPr id="1" name=""/>
+        <p:cNvGrpSpPr/>
+        <p:nvPr/>
+      </p:nvGrpSpPr>
+      <p:grpSpPr>
+        <a:xfrm>
+          <a:off x="0" y="0"/>
+          <a:ext cx="0" cy="0"/>
+          <a:chOff x="0" y="0"/>
+          <a:chExt cx="0" cy="0"/>
+        </a:xfrm>
+      </p:grpSpPr>
+      <p:pic>
+        <p:nvPicPr>
+          <p:cNvPr id="49" name="Imagen 48">
+            <a:extLst>
+              <a:ext uri="{FF2B5EF4-FFF2-40B4-BE49-F238E27FC236}">
+                <a16:creationId xmlns:a16="http://schemas.microsoft.com/office/drawing/2014/main" id="{AA085689-791F-4B8F-9F30-12415B97D366}"/>
+              </a:ext>
+              <a:ext uri="{C183D7F6-B498-43B3-948B-1728B52AA6E4}">
+                <adec:decorative xmlns:adec="http://schemas.microsoft.com/office/drawing/2017/decorative" val="1"/>
+              </a:ext>
+            </a:extLst>
+          </p:cNvPr>
+          <p:cNvPicPr>
+            <a:picLocks noGrp="1" noRot="1" noChangeAspect="1" noMove="1" noResize="1" noEditPoints="1" noAdjustHandles="1" noChangeArrowheads="1" noChangeShapeType="1" noCrop="1"/>
+          </p:cNvPicPr>
+          <p:nvPr>
+            <p:extLst>
+              <p:ext uri="{386F3935-93C4-4BCD-93E2-E3B085C9AB24}">
+                <p16:designElem xmlns:p16="http://schemas.microsoft.com/office/powerpoint/2015/main" val="1"/>
+              </p:ext>
+            </p:extLst>
+          </p:nvPr>
+        </p:nvPicPr>
+        <p:blipFill rotWithShape="1">
+          <a:blip r:embed="rId4">
+            <a:extLst>
+              <a:ext uri="{28A0092B-C50C-407E-A947-70E740481C1C}">
+                <a14:useLocalDpi xmlns:a14="http://schemas.microsoft.com/office/drawing/2010/main"/>
+              </a:ext>
+            </a:extLst>
+          </a:blip>
+          <a:srcRect l="3613"/>
+          <a:stretch/>
+        </p:blipFill>
+        <p:spPr>
+          <a:xfrm>
+            <a:off x="0" y="2669685"/>
+            <a:ext cx="4037012" cy="4188315"/>
+          </a:xfrm>
+          <a:prstGeom prst="rect">
+            <a:avLst/>
+          </a:prstGeom>
+        </p:spPr>
+      </p:pic>
+      <p:pic>
+        <p:nvPicPr>
+          <p:cNvPr id="51" name="Imagen 50">
+            <a:extLst>
+              <a:ext uri="{FF2B5EF4-FFF2-40B4-BE49-F238E27FC236}">
+                <a16:creationId xmlns:a16="http://schemas.microsoft.com/office/drawing/2014/main" id="{AA3FED7F-6821-47C0-A464-E9278B24129E}"/>
+              </a:ext>
+              <a:ext uri="{C183D7F6-B498-43B3-948B-1728B52AA6E4}">
+                <adec:decorative xmlns:adec="http://schemas.microsoft.com/office/drawing/2017/decorative" val="1"/>
+              </a:ext>
+            </a:extLst>
+          </p:cNvPr>
+          <p:cNvPicPr>
+            <a:picLocks noGrp="1" noRot="1" noChangeAspect="1" noMove="1" noResize="1" noEditPoints="1" noAdjustHandles="1" noChangeArrowheads="1" noChangeShapeType="1" noCrop="1"/>
+          </p:cNvPicPr>
+          <p:nvPr>
+            <p:extLst>
+              <p:ext uri="{386F3935-93C4-4BCD-93E2-E3B085C9AB24}">
+                <p16:designElem xmlns:p16="http://schemas.microsoft.com/office/powerpoint/2015/main" val="1"/>
+              </p:ext>
+            </p:extLst>
+          </p:nvPr>
+        </p:nvPicPr>
+        <p:blipFill rotWithShape="1">
+          <a:blip r:embed="rId5">
+            <a:extLst>
+              <a:ext uri="{28A0092B-C50C-407E-A947-70E740481C1C}">
+                <a14:useLocalDpi xmlns:a14="http://schemas.microsoft.com/office/drawing/2010/main"/>
+              </a:ext>
+            </a:extLst>
+          </a:blip>
+          <a:srcRect l="35640"/>
+          <a:stretch/>
+        </p:blipFill>
+        <p:spPr>
+          <a:xfrm>
+            <a:off x="0" y="2892347"/>
+            <a:ext cx="1522412" cy="2365453"/>
+          </a:xfrm>
+          <a:prstGeom prst="rect">
+            <a:avLst/>
+          </a:prstGeom>
+        </p:spPr>
+      </p:pic>
+      <p:sp>
+        <p:nvSpPr>
+          <p:cNvPr id="53" name="Elipse 52">
+            <a:extLst>
+              <a:ext uri="{FF2B5EF4-FFF2-40B4-BE49-F238E27FC236}">
+                <a16:creationId xmlns:a16="http://schemas.microsoft.com/office/drawing/2014/main" id="{8F54B2FB-3F54-4350-8D1B-F86D677CA7ED}"/>
+              </a:ext>
+              <a:ext uri="{C183D7F6-B498-43B3-948B-1728B52AA6E4}">
+                <adec:decorative xmlns:adec="http://schemas.microsoft.com/office/drawing/2017/decorative" val="1"/>
+              </a:ext>
+            </a:extLst>
+          </p:cNvPr>
+          <p:cNvSpPr>
+            <a:spLocks noGrp="1" noRot="1" noChangeAspect="1" noMove="1" noResize="1" noEditPoints="1" noAdjustHandles="1" noChangeArrowheads="1" noChangeShapeType="1" noTextEdit="1"/>
+          </p:cNvSpPr>
+          <p:nvPr>
+            <p:extLst>
+              <p:ext uri="{386F3935-93C4-4BCD-93E2-E3B085C9AB24}">
+                <p16:designElem xmlns:p16="http://schemas.microsoft.com/office/powerpoint/2015/main" val="1"/>
+              </p:ext>
+            </p:extLst>
+          </p:nvPr>
+        </p:nvSpPr>
+        <p:spPr>
+          <a:xfrm>
+            <a:off x="8609012" y="1676400"/>
+            <a:ext cx="2819400" cy="2819400"/>
+          </a:xfrm>
+          <a:prstGeom prst="ellipse">
+            <a:avLst/>
+          </a:prstGeom>
+          <a:gradFill flip="none" rotWithShape="1">
+            <a:gsLst>
+              <a:gs pos="0">
+                <a:schemeClr val="bg2">
+                  <a:lumMod val="40000"/>
+                  <a:lumOff val="60000"/>
+                  <a:alpha val="7000"/>
+                </a:schemeClr>
+              </a:gs>
+              <a:gs pos="69000">
+                <a:schemeClr val="bg2">
+                  <a:lumMod val="40000"/>
+                  <a:lumOff val="60000"/>
+                  <a:alpha val="0"/>
+                </a:schemeClr>
+              </a:gs>
+              <a:gs pos="36000">
+                <a:schemeClr val="bg2">
+                  <a:lumMod val="40000"/>
+                  <a:lumOff val="60000"/>
+                  <a:alpha val="6000"/>
+                </a:schemeClr>
+              </a:gs>
+            </a:gsLst>
+            <a:path path="circle">
+              <a:fillToRect l="50000" t="50000" r="50000" b="50000"/>
+            </a:path>
+            <a:tileRect/>
+          </a:gradFill>
+          <a:ln>
+            <a:noFill/>
+          </a:ln>
+          <a:effectLst/>
+        </p:spPr>
+        <p:style>
+          <a:lnRef idx="1">
+            <a:schemeClr val="accent1"/>
+          </a:lnRef>
+          <a:fillRef idx="3">
+            <a:schemeClr val="accent1"/>
+          </a:fillRef>
+          <a:effectRef idx="2">
+            <a:schemeClr val="accent1"/>
+          </a:effectRef>
+          <a:fontRef idx="minor">
+            <a:schemeClr val="lt1"/>
+          </a:fontRef>
+        </p:style>
+      </p:sp>
+      <p:pic>
+        <p:nvPicPr>
+          <p:cNvPr id="55" name="Imagen 54">
+            <a:extLst>
+              <a:ext uri="{FF2B5EF4-FFF2-40B4-BE49-F238E27FC236}">
+                <a16:creationId xmlns:a16="http://schemas.microsoft.com/office/drawing/2014/main" id="{561B34F5-88E5-4711-BC16-3005C29AD7C6}"/>
+              </a:ext>
+              <a:ext uri="{C183D7F6-B498-43B3-948B-1728B52AA6E4}">
+                <adec:decorative xmlns:adec="http://schemas.microsoft.com/office/drawing/2017/decorative" val="1"/>
+              </a:ext>
+            </a:extLst>
+          </p:cNvPr>
+          <p:cNvPicPr>
+            <a:picLocks noGrp="1" noRot="1" noChangeAspect="1" noMove="1" noResize="1" noEditPoints="1" noAdjustHandles="1" noChangeArrowheads="1" noChangeShapeType="1" noCrop="1"/>
+          </p:cNvPicPr>
+          <p:nvPr>
+            <p:extLst>
+              <p:ext uri="{386F3935-93C4-4BCD-93E2-E3B085C9AB24}">
+                <p16:designElem xmlns:p16="http://schemas.microsoft.com/office/powerpoint/2015/main" val="1"/>
+              </p:ext>
+            </p:extLst>
+          </p:nvPr>
+        </p:nvPicPr>
+        <p:blipFill rotWithShape="1">
+          <a:blip r:embed="rId6">
+            <a:extLst>
+              <a:ext uri="{28A0092B-C50C-407E-A947-70E740481C1C}">
+                <a14:useLocalDpi xmlns:a14="http://schemas.microsoft.com/office/drawing/2010/main"/>
+              </a:ext>
+            </a:extLst>
+          </a:blip>
+          <a:srcRect t="28813"/>
+          <a:stretch/>
+        </p:blipFill>
+        <p:spPr>
+          <a:xfrm>
+            <a:off x="7999412" y="0"/>
+            <a:ext cx="1603387" cy="1141407"/>
+          </a:xfrm>
+          <a:prstGeom prst="rect">
+            <a:avLst/>
+          </a:prstGeom>
+        </p:spPr>
+      </p:pic>
+      <p:pic>
+        <p:nvPicPr>
+          <p:cNvPr id="57" name="Imagen 56">
+            <a:extLst>
+              <a:ext uri="{FF2B5EF4-FFF2-40B4-BE49-F238E27FC236}">
+                <a16:creationId xmlns:a16="http://schemas.microsoft.com/office/drawing/2014/main" id="{4F3661D0-2268-4D3E-88BA-0647BCBE33AF}"/>
+              </a:ext>
+              <a:ext uri="{C183D7F6-B498-43B3-948B-1728B52AA6E4}">
+                <adec:decorative xmlns:adec="http://schemas.microsoft.com/office/drawing/2017/decorative" val="1"/>
+              </a:ext>
+            </a:extLst>
+          </p:cNvPr>
+          <p:cNvPicPr>
+            <a:picLocks noGrp="1" noRot="1" noChangeAspect="1" noMove="1" noResize="1" noEditPoints="1" noAdjustHandles="1" noChangeArrowheads="1" noChangeShapeType="1" noCrop="1"/>
+          </p:cNvPicPr>
+          <p:nvPr>
+            <p:extLst>
+              <p:ext uri="{386F3935-93C4-4BCD-93E2-E3B085C9AB24}">
+                <p16:designElem xmlns:p16="http://schemas.microsoft.com/office/powerpoint/2015/main" val="1"/>
+              </p:ext>
+            </p:extLst>
+          </p:nvPr>
+        </p:nvPicPr>
+        <p:blipFill rotWithShape="1">
+          <a:blip r:embed="rId7">
+            <a:extLst>
+              <a:ext uri="{28A0092B-C50C-407E-A947-70E740481C1C}">
+                <a14:useLocalDpi xmlns:a14="http://schemas.microsoft.com/office/drawing/2010/main"/>
+              </a:ext>
+            </a:extLst>
+          </a:blip>
+          <a:srcRect b="23320"/>
+          <a:stretch/>
+        </p:blipFill>
+        <p:spPr>
+          <a:xfrm>
+            <a:off x="8609012" y="6096000"/>
+            <a:ext cx="993734" cy="762000"/>
+          </a:xfrm>
+          <a:prstGeom prst="rect">
+            <a:avLst/>
+          </a:prstGeom>
+        </p:spPr>
+      </p:pic>
+      <p:sp>
+        <p:nvSpPr>
+          <p:cNvPr id="59" name="Rectángulo 58">
+            <a:extLst>
+              <a:ext uri="{FF2B5EF4-FFF2-40B4-BE49-F238E27FC236}">
+                <a16:creationId xmlns:a16="http://schemas.microsoft.com/office/drawing/2014/main" id="{DDB56DB5-0324-4F79-9AB8-CB18C1DC8743}"/>
+              </a:ext>
+              <a:ext uri="{C183D7F6-B498-43B3-948B-1728B52AA6E4}">
+                <adec:decorative xmlns:adec="http://schemas.microsoft.com/office/drawing/2017/decorative" val="1"/>
+              </a:ext>
+            </a:extLst>
+          </p:cNvPr>
+          <p:cNvSpPr>
+            <a:spLocks noGrp="1" noRot="1" noChangeAspect="1" noMove="1" noResize="1" noEditPoints="1" noAdjustHandles="1" noChangeArrowheads="1" noChangeShapeType="1" noTextEdit="1"/>
+          </p:cNvSpPr>
+          <p:nvPr>
+            <p:extLst>
+              <p:ext uri="{386F3935-93C4-4BCD-93E2-E3B085C9AB24}">
+                <p16:designElem xmlns:p16="http://schemas.microsoft.com/office/powerpoint/2015/main" val="1"/>
+              </p:ext>
+            </p:extLst>
+          </p:nvPr>
+        </p:nvSpPr>
+        <p:spPr>
+          <a:xfrm>
+            <a:off x="10437812" y="0"/>
+            <a:ext cx="685800" cy="1143000"/>
+          </a:xfrm>
+          <a:prstGeom prst="rect">
+            <a:avLst/>
+          </a:prstGeom>
+          <a:solidFill>
+            <a:schemeClr val="accent1"/>
+          </a:solidFill>
+          <a:ln>
+            <a:noFill/>
+          </a:ln>
+        </p:spPr>
+        <p:style>
+          <a:lnRef idx="1">
+            <a:schemeClr val="accent1"/>
+          </a:lnRef>
+          <a:fillRef idx="3">
+            <a:schemeClr val="accent1"/>
+          </a:fillRef>
+          <a:effectRef idx="2">
+            <a:schemeClr val="accent1"/>
+          </a:effectRef>
+          <a:fontRef idx="minor">
+            <a:schemeClr val="lt1"/>
+          </a:fontRef>
+        </p:style>
+      </p:sp>
+      <p:sp>
+        <p:nvSpPr>
+          <p:cNvPr id="3" name="Título 2">
+            <a:extLst>
+              <a:ext uri="{FF2B5EF4-FFF2-40B4-BE49-F238E27FC236}">
+                <a16:creationId xmlns:a16="http://schemas.microsoft.com/office/drawing/2014/main" id="{9A850E04-00D7-9AF6-A9C0-571E441C698A}"/>
+              </a:ext>
+            </a:extLst>
+          </p:cNvPr>
+          <p:cNvSpPr>
+            <a:spLocks noGrp="1"/>
+          </p:cNvSpPr>
+          <p:nvPr>
+            <p:ph type="title"/>
+          </p:nvPr>
+        </p:nvSpPr>
+        <p:spPr>
+          <a:xfrm>
+            <a:off x="1393638" y="274277"/>
+            <a:ext cx="9404723" cy="795208"/>
+          </a:xfrm>
+        </p:spPr>
+        <p:txBody>
+          <a:bodyPr/>
+          <a:lstStyle/>
+          <a:p>
+            <a:r>
+              <a:rPr lang="es-MX" dirty="0"/>
+              <a:t>NN CONVOLUCIONALES</a:t>
+            </a:r>
+          </a:p>
+        </p:txBody>
+      </p:sp>
+      <p:pic>
+        <p:nvPicPr>
+          <p:cNvPr id="4" name="Imagen 3">
+            <a:extLst>
+              <a:ext uri="{FF2B5EF4-FFF2-40B4-BE49-F238E27FC236}">
+                <a16:creationId xmlns:a16="http://schemas.microsoft.com/office/drawing/2014/main" id="{802334DE-B0FD-6EC3-CD00-EB0B77C58170}"/>
+              </a:ext>
+            </a:extLst>
+          </p:cNvPr>
+          <p:cNvPicPr>
+            <a:picLocks noChangeAspect="1"/>
+          </p:cNvPicPr>
+          <p:nvPr/>
+        </p:nvPicPr>
+        <p:blipFill>
+          <a:blip r:embed="rId8"/>
+          <a:stretch>
+            <a:fillRect/>
+          </a:stretch>
+        </p:blipFill>
+        <p:spPr>
+          <a:xfrm>
+            <a:off x="1447655" y="1295400"/>
+            <a:ext cx="8848725" cy="5181600"/>
+          </a:xfrm>
+          <a:prstGeom prst="rect">
+            <a:avLst/>
+          </a:prstGeom>
+          <a:ln>
+            <a:noFill/>
+          </a:ln>
+          <a:effectLst>
+            <a:softEdge rad="112500"/>
+          </a:effectLst>
+        </p:spPr>
+      </p:pic>
+    </p:spTree>
+    <p:extLst>
+      <p:ext uri="{BB962C8B-B14F-4D97-AF65-F5344CB8AC3E}">
+        <p14:creationId xmlns:p14="http://schemas.microsoft.com/office/powerpoint/2010/main" val="1323269416"/>
+      </p:ext>
+    </p:extLst>
+  </p:cSld>
+  <p:clrMapOvr>
+    <a:masterClrMapping/>
+  </p:clrMapOvr>
+</p:sld>
+</file>
+
+<file path=ppt/slides/slide7.xml><?xml version="1.0" encoding="utf-8"?>
 <p:sld xmlns:a="http://schemas.openxmlformats.org/drawingml/2006/main" xmlns:r="http://schemas.openxmlformats.org/officeDocument/2006/relationships" xmlns:p="http://schemas.openxmlformats.org/presentationml/2006/main">
   <p:cSld>
     <p:bg>
@@ -8119,42 +9899,6 @@
       </p:pic>
       <p:sp>
         <p:nvSpPr>
-          <p:cNvPr id="12" name="Título 11">
-            <a:extLst>
-              <a:ext uri="{FF2B5EF4-FFF2-40B4-BE49-F238E27FC236}">
-                <a16:creationId xmlns:a16="http://schemas.microsoft.com/office/drawing/2014/main" id="{970C361B-D32E-42E0-A41E-86C3D9AC886F}"/>
-              </a:ext>
-            </a:extLst>
-          </p:cNvPr>
-          <p:cNvSpPr>
-            <a:spLocks noGrp="1"/>
-          </p:cNvSpPr>
-          <p:nvPr>
-            <p:ph type="ctrTitle"/>
-          </p:nvPr>
-        </p:nvSpPr>
-        <p:spPr>
-          <a:xfrm>
-            <a:off x="806087" y="333633"/>
-            <a:ext cx="8825658" cy="1070354"/>
-          </a:xfrm>
-        </p:spPr>
-        <p:txBody>
-          <a:bodyPr rtlCol="0">
-            <a:normAutofit fontScale="90000"/>
-          </a:bodyPr>
-          <a:lstStyle/>
-          <a:p>
-            <a:pPr rtl="0"/>
-            <a:r>
-              <a:rPr lang="es-MX" dirty="0"/>
-              <a:t>Gracias</a:t>
-            </a:r>
-          </a:p>
-        </p:txBody>
-      </p:sp>
-      <p:sp>
-        <p:nvSpPr>
           <p:cNvPr id="57" name="Rectángulo 56">
             <a:extLst>
               <a:ext uri="{FF2B5EF4-FFF2-40B4-BE49-F238E27FC236}">
@@ -8206,1303 +9950,12 @@
           </a:fontRef>
         </p:style>
       </p:sp>
-      <p:pic>
-        <p:nvPicPr>
-          <p:cNvPr id="5" name="Imagen 4">
+      <p:sp>
+        <p:nvSpPr>
+          <p:cNvPr id="2" name="Título 2">
             <a:extLst>
               <a:ext uri="{FF2B5EF4-FFF2-40B4-BE49-F238E27FC236}">
-                <a16:creationId xmlns:a16="http://schemas.microsoft.com/office/drawing/2014/main" id="{832D7B0F-F137-A3EF-D9D5-AC43398EADB1}"/>
-              </a:ext>
-            </a:extLst>
-          </p:cNvPr>
-          <p:cNvPicPr>
-            <a:picLocks noChangeAspect="1"/>
-          </p:cNvPicPr>
-          <p:nvPr/>
-        </p:nvPicPr>
-        <p:blipFill>
-          <a:blip r:embed="rId5"/>
-          <a:stretch>
-            <a:fillRect/>
-          </a:stretch>
-        </p:blipFill>
-        <p:spPr>
-          <a:xfrm>
-            <a:off x="934351" y="1737610"/>
-            <a:ext cx="3650006" cy="3650006"/>
-          </a:xfrm>
-          <a:prstGeom prst="rect">
-            <a:avLst/>
-          </a:prstGeom>
-        </p:spPr>
-      </p:pic>
-    </p:spTree>
-    <p:extLst>
-      <p:ext uri="{BB962C8B-B14F-4D97-AF65-F5344CB8AC3E}">
-        <p14:creationId xmlns:p14="http://schemas.microsoft.com/office/powerpoint/2010/main" val="1691836883"/>
-      </p:ext>
-    </p:extLst>
-  </p:cSld>
-  <p:clrMapOvr>
-    <a:masterClrMapping/>
-  </p:clrMapOvr>
-</p:sld>
-</file>
-
-<file path=ppt/slides/slide2.xml><?xml version="1.0" encoding="utf-8"?>
-<p:sld xmlns:a="http://schemas.openxmlformats.org/drawingml/2006/main" xmlns:r="http://schemas.openxmlformats.org/officeDocument/2006/relationships" xmlns:p="http://schemas.openxmlformats.org/presentationml/2006/main">
-  <p:cSld>
-    <p:bg>
-      <p:bgPr>
-        <a:blipFill rotWithShape="1">
-          <a:blip r:embed="rId3">
-            <a:duotone>
-              <a:schemeClr val="bg2">
-                <a:shade val="62000"/>
-                <a:hueMod val="108000"/>
-                <a:satMod val="164000"/>
-                <a:lumMod val="69000"/>
-              </a:schemeClr>
-              <a:schemeClr val="bg2">
-                <a:tint val="96000"/>
-                <a:hueMod val="90000"/>
-                <a:satMod val="130000"/>
-                <a:lumMod val="134000"/>
-              </a:schemeClr>
-            </a:duotone>
-          </a:blip>
-          <a:stretch/>
-        </a:blipFill>
-        <a:effectLst/>
-      </p:bgPr>
-    </p:bg>
-    <p:spTree>
-      <p:nvGrpSpPr>
-        <p:cNvPr id="1" name=""/>
-        <p:cNvGrpSpPr/>
-        <p:nvPr/>
-      </p:nvGrpSpPr>
-      <p:grpSpPr>
-        <a:xfrm>
-          <a:off x="0" y="0"/>
-          <a:ext cx="0" cy="0"/>
-          <a:chOff x="0" y="0"/>
-          <a:chExt cx="0" cy="0"/>
-        </a:xfrm>
-      </p:grpSpPr>
-      <p:sp>
-        <p:nvSpPr>
-          <p:cNvPr id="2" name="Título 1">
-            <a:extLst>
-              <a:ext uri="{FF2B5EF4-FFF2-40B4-BE49-F238E27FC236}">
-                <a16:creationId xmlns:a16="http://schemas.microsoft.com/office/drawing/2014/main" id="{CC4174D3-6B10-409E-9110-EEBEAA7E38C0}"/>
-              </a:ext>
-            </a:extLst>
-          </p:cNvPr>
-          <p:cNvSpPr>
-            <a:spLocks noGrp="1"/>
-          </p:cNvSpPr>
-          <p:nvPr>
-            <p:ph type="title"/>
-          </p:nvPr>
-        </p:nvSpPr>
-        <p:spPr>
-          <a:xfrm>
-            <a:off x="650668" y="629266"/>
-            <a:ext cx="4802031" cy="643480"/>
-          </a:xfrm>
-        </p:spPr>
-        <p:txBody>
-          <a:bodyPr rtlCol="0">
-            <a:normAutofit fontScale="90000"/>
-          </a:bodyPr>
-          <a:lstStyle/>
-          <a:p>
-            <a:pPr rtl="0"/>
-            <a:r>
-              <a:rPr lang="es-MX" dirty="0"/>
-              <a:t>Introducción</a:t>
-            </a:r>
-          </a:p>
-        </p:txBody>
-      </p:sp>
-      <p:sp>
-        <p:nvSpPr>
-          <p:cNvPr id="78" name="Rectángulo 77">
-            <a:extLst>
-              <a:ext uri="{FF2B5EF4-FFF2-40B4-BE49-F238E27FC236}">
-                <a16:creationId xmlns:a16="http://schemas.microsoft.com/office/drawing/2014/main" id="{7527E565-DE8D-445C-9879-AD1D04415A78}"/>
-              </a:ext>
-              <a:ext uri="{C183D7F6-B498-43B3-948B-1728B52AA6E4}">
-                <adec:decorative xmlns:adec="http://schemas.microsoft.com/office/drawing/2017/decorative" val="1"/>
-              </a:ext>
-            </a:extLst>
-          </p:cNvPr>
-          <p:cNvSpPr>
-            <a:spLocks noGrp="1" noRot="1" noChangeAspect="1" noMove="1" noResize="1" noEditPoints="1" noAdjustHandles="1" noChangeArrowheads="1" noChangeShapeType="1" noTextEdit="1"/>
-          </p:cNvSpPr>
-          <p:nvPr>
-            <p:extLst>
-              <p:ext uri="{386F3935-93C4-4BCD-93E2-E3B085C9AB24}">
-                <p16:designElem xmlns:p16="http://schemas.microsoft.com/office/powerpoint/2015/main" val="1"/>
-              </p:ext>
-            </p:extLst>
-          </p:nvPr>
-        </p:nvSpPr>
-        <p:spPr>
-          <a:xfrm>
-            <a:off x="10437812" y="0"/>
-            <a:ext cx="685800" cy="1143000"/>
-          </a:xfrm>
-          <a:prstGeom prst="rect">
-            <a:avLst/>
-          </a:prstGeom>
-          <a:solidFill>
-            <a:schemeClr val="accent1"/>
-          </a:solidFill>
-          <a:ln>
-            <a:noFill/>
-          </a:ln>
-        </p:spPr>
-        <p:style>
-          <a:lnRef idx="1">
-            <a:schemeClr val="accent1"/>
-          </a:lnRef>
-          <a:fillRef idx="3">
-            <a:schemeClr val="accent1"/>
-          </a:fillRef>
-          <a:effectRef idx="2">
-            <a:schemeClr val="accent1"/>
-          </a:effectRef>
-          <a:fontRef idx="minor">
-            <a:schemeClr val="lt1"/>
-          </a:fontRef>
-        </p:style>
-      </p:sp>
-      <p:pic>
-        <p:nvPicPr>
-          <p:cNvPr id="11" name="Marcador de contenido 10">
-            <a:extLst>
-              <a:ext uri="{FF2B5EF4-FFF2-40B4-BE49-F238E27FC236}">
-                <a16:creationId xmlns:a16="http://schemas.microsoft.com/office/drawing/2014/main" id="{3F7D11B3-39D8-569D-E183-E43AF8D53ED9}"/>
-              </a:ext>
-            </a:extLst>
-          </p:cNvPr>
-          <p:cNvPicPr>
-            <a:picLocks noGrp="1" noChangeAspect="1"/>
-          </p:cNvPicPr>
-          <p:nvPr>
-            <p:ph idx="1"/>
-          </p:nvPr>
-        </p:nvPicPr>
-        <p:blipFill rotWithShape="1">
-          <a:blip r:embed="rId4"/>
-          <a:srcRect l="22236" t="5225" r="21517" b="4145"/>
-          <a:stretch/>
-        </p:blipFill>
-        <p:spPr>
-          <a:xfrm>
-            <a:off x="6351372" y="958731"/>
-            <a:ext cx="5840627" cy="5899269"/>
-          </a:xfrm>
-        </p:spPr>
-      </p:pic>
-      <p:sp>
-        <p:nvSpPr>
-          <p:cNvPr id="12" name="CuadroTexto 11">
-            <a:extLst>
-              <a:ext uri="{FF2B5EF4-FFF2-40B4-BE49-F238E27FC236}">
-                <a16:creationId xmlns:a16="http://schemas.microsoft.com/office/drawing/2014/main" id="{63C58A24-4EB4-FB48-788F-EEF9689F9E16}"/>
-              </a:ext>
-            </a:extLst>
-          </p:cNvPr>
-          <p:cNvSpPr txBox="1"/>
-          <p:nvPr/>
-        </p:nvSpPr>
-        <p:spPr>
-          <a:xfrm>
-            <a:off x="650668" y="1767016"/>
-            <a:ext cx="4563883" cy="3693319"/>
-          </a:xfrm>
-          <a:prstGeom prst="rect">
-            <a:avLst/>
-          </a:prstGeom>
-          <a:noFill/>
-        </p:spPr>
-        <p:txBody>
-          <a:bodyPr wrap="square" rtlCol="0">
-            <a:spAutoFit/>
-          </a:bodyPr>
-          <a:lstStyle/>
-          <a:p>
-            <a:r>
-              <a:rPr lang="es-MX" dirty="0"/>
-              <a:t>Las redes neuronales son una forma de inteligencia artificial  que intenta simular el comportamiento del cerebro humano.</a:t>
-            </a:r>
-          </a:p>
-          <a:p>
-            <a:endParaRPr lang="es-MX" dirty="0"/>
-          </a:p>
-          <a:p>
-            <a:r>
-              <a:rPr lang="es-MX" dirty="0"/>
-              <a:t>Están construidas por una gran cantidad de neuronas, que se conectan entre sí para procesar la información.</a:t>
-            </a:r>
-          </a:p>
-          <a:p>
-            <a:endParaRPr lang="es-MX" dirty="0"/>
-          </a:p>
-          <a:p>
-            <a:r>
-              <a:rPr lang="es-MX" dirty="0"/>
-              <a:t>Pueden ser usadas para procesar imágenes, entender lenguaje natural y realizar inferencias. </a:t>
-            </a:r>
-          </a:p>
-        </p:txBody>
-      </p:sp>
-    </p:spTree>
-    <p:extLst>
-      <p:ext uri="{BB962C8B-B14F-4D97-AF65-F5344CB8AC3E}">
-        <p14:creationId xmlns:p14="http://schemas.microsoft.com/office/powerpoint/2010/main" val="2333881612"/>
-      </p:ext>
-    </p:extLst>
-  </p:cSld>
-  <p:clrMapOvr>
-    <a:masterClrMapping/>
-  </p:clrMapOvr>
-</p:sld>
-</file>
-
-<file path=ppt/slides/slide3.xml><?xml version="1.0" encoding="utf-8"?>
-<p:sld xmlns:a="http://schemas.openxmlformats.org/drawingml/2006/main" xmlns:r="http://schemas.openxmlformats.org/officeDocument/2006/relationships" xmlns:p="http://schemas.openxmlformats.org/presentationml/2006/main">
-  <p:cSld>
-    <p:bg>
-      <p:bgPr>
-        <a:blipFill rotWithShape="1">
-          <a:blip r:embed="rId3">
-            <a:duotone>
-              <a:schemeClr val="bg2">
-                <a:shade val="62000"/>
-                <a:hueMod val="108000"/>
-                <a:satMod val="164000"/>
-                <a:lumMod val="69000"/>
-              </a:schemeClr>
-              <a:schemeClr val="bg2">
-                <a:tint val="96000"/>
-                <a:hueMod val="90000"/>
-                <a:satMod val="130000"/>
-                <a:lumMod val="134000"/>
-              </a:schemeClr>
-            </a:duotone>
-          </a:blip>
-          <a:stretch/>
-        </a:blipFill>
-        <a:effectLst/>
-      </p:bgPr>
-    </p:bg>
-    <p:spTree>
-      <p:nvGrpSpPr>
-        <p:cNvPr id="1" name=""/>
-        <p:cNvGrpSpPr/>
-        <p:nvPr/>
-      </p:nvGrpSpPr>
-      <p:grpSpPr>
-        <a:xfrm>
-          <a:off x="0" y="0"/>
-          <a:ext cx="0" cy="0"/>
-          <a:chOff x="0" y="0"/>
-          <a:chExt cx="0" cy="0"/>
-        </a:xfrm>
-      </p:grpSpPr>
-      <p:pic>
-        <p:nvPicPr>
-          <p:cNvPr id="49" name="Imagen 48">
-            <a:extLst>
-              <a:ext uri="{FF2B5EF4-FFF2-40B4-BE49-F238E27FC236}">
-                <a16:creationId xmlns:a16="http://schemas.microsoft.com/office/drawing/2014/main" id="{AA085689-791F-4B8F-9F30-12415B97D366}"/>
-              </a:ext>
-              <a:ext uri="{C183D7F6-B498-43B3-948B-1728B52AA6E4}">
-                <adec:decorative xmlns:adec="http://schemas.microsoft.com/office/drawing/2017/decorative" val="1"/>
-              </a:ext>
-            </a:extLst>
-          </p:cNvPr>
-          <p:cNvPicPr>
-            <a:picLocks noGrp="1" noRot="1" noChangeAspect="1" noMove="1" noResize="1" noEditPoints="1" noAdjustHandles="1" noChangeArrowheads="1" noChangeShapeType="1" noCrop="1"/>
-          </p:cNvPicPr>
-          <p:nvPr>
-            <p:extLst>
-              <p:ext uri="{386F3935-93C4-4BCD-93E2-E3B085C9AB24}">
-                <p16:designElem xmlns:p16="http://schemas.microsoft.com/office/powerpoint/2015/main" val="1"/>
-              </p:ext>
-            </p:extLst>
-          </p:nvPr>
-        </p:nvPicPr>
-        <p:blipFill rotWithShape="1">
-          <a:blip r:embed="rId4">
-            <a:extLst>
-              <a:ext uri="{28A0092B-C50C-407E-A947-70E740481C1C}">
-                <a14:useLocalDpi xmlns:a14="http://schemas.microsoft.com/office/drawing/2010/main"/>
-              </a:ext>
-            </a:extLst>
-          </a:blip>
-          <a:srcRect l="3613"/>
-          <a:stretch/>
-        </p:blipFill>
-        <p:spPr>
-          <a:xfrm>
-            <a:off x="0" y="2669685"/>
-            <a:ext cx="4037012" cy="4188315"/>
-          </a:xfrm>
-          <a:prstGeom prst="rect">
-            <a:avLst/>
-          </a:prstGeom>
-        </p:spPr>
-      </p:pic>
-      <p:pic>
-        <p:nvPicPr>
-          <p:cNvPr id="51" name="Imagen 50">
-            <a:extLst>
-              <a:ext uri="{FF2B5EF4-FFF2-40B4-BE49-F238E27FC236}">
-                <a16:creationId xmlns:a16="http://schemas.microsoft.com/office/drawing/2014/main" id="{AA3FED7F-6821-47C0-A464-E9278B24129E}"/>
-              </a:ext>
-              <a:ext uri="{C183D7F6-B498-43B3-948B-1728B52AA6E4}">
-                <adec:decorative xmlns:adec="http://schemas.microsoft.com/office/drawing/2017/decorative" val="1"/>
-              </a:ext>
-            </a:extLst>
-          </p:cNvPr>
-          <p:cNvPicPr>
-            <a:picLocks noGrp="1" noRot="1" noChangeAspect="1" noMove="1" noResize="1" noEditPoints="1" noAdjustHandles="1" noChangeArrowheads="1" noChangeShapeType="1" noCrop="1"/>
-          </p:cNvPicPr>
-          <p:nvPr>
-            <p:extLst>
-              <p:ext uri="{386F3935-93C4-4BCD-93E2-E3B085C9AB24}">
-                <p16:designElem xmlns:p16="http://schemas.microsoft.com/office/powerpoint/2015/main" val="1"/>
-              </p:ext>
-            </p:extLst>
-          </p:nvPr>
-        </p:nvPicPr>
-        <p:blipFill rotWithShape="1">
-          <a:blip r:embed="rId5">
-            <a:extLst>
-              <a:ext uri="{28A0092B-C50C-407E-A947-70E740481C1C}">
-                <a14:useLocalDpi xmlns:a14="http://schemas.microsoft.com/office/drawing/2010/main"/>
-              </a:ext>
-            </a:extLst>
-          </a:blip>
-          <a:srcRect l="35640"/>
-          <a:stretch/>
-        </p:blipFill>
-        <p:spPr>
-          <a:xfrm>
-            <a:off x="0" y="2892347"/>
-            <a:ext cx="1522412" cy="2365453"/>
-          </a:xfrm>
-          <a:prstGeom prst="rect">
-            <a:avLst/>
-          </a:prstGeom>
-        </p:spPr>
-      </p:pic>
-      <p:sp>
-        <p:nvSpPr>
-          <p:cNvPr id="53" name="Elipse 52">
-            <a:extLst>
-              <a:ext uri="{FF2B5EF4-FFF2-40B4-BE49-F238E27FC236}">
-                <a16:creationId xmlns:a16="http://schemas.microsoft.com/office/drawing/2014/main" id="{8F54B2FB-3F54-4350-8D1B-F86D677CA7ED}"/>
-              </a:ext>
-              <a:ext uri="{C183D7F6-B498-43B3-948B-1728B52AA6E4}">
-                <adec:decorative xmlns:adec="http://schemas.microsoft.com/office/drawing/2017/decorative" val="1"/>
-              </a:ext>
-            </a:extLst>
-          </p:cNvPr>
-          <p:cNvSpPr>
-            <a:spLocks noGrp="1" noRot="1" noChangeAspect="1" noMove="1" noResize="1" noEditPoints="1" noAdjustHandles="1" noChangeArrowheads="1" noChangeShapeType="1" noTextEdit="1"/>
-          </p:cNvSpPr>
-          <p:nvPr>
-            <p:extLst>
-              <p:ext uri="{386F3935-93C4-4BCD-93E2-E3B085C9AB24}">
-                <p16:designElem xmlns:p16="http://schemas.microsoft.com/office/powerpoint/2015/main" val="1"/>
-              </p:ext>
-            </p:extLst>
-          </p:nvPr>
-        </p:nvSpPr>
-        <p:spPr>
-          <a:xfrm>
-            <a:off x="8609012" y="1676400"/>
-            <a:ext cx="2819400" cy="2819400"/>
-          </a:xfrm>
-          <a:prstGeom prst="ellipse">
-            <a:avLst/>
-          </a:prstGeom>
-          <a:gradFill flip="none" rotWithShape="1">
-            <a:gsLst>
-              <a:gs pos="0">
-                <a:schemeClr val="bg2">
-                  <a:lumMod val="40000"/>
-                  <a:lumOff val="60000"/>
-                  <a:alpha val="7000"/>
-                </a:schemeClr>
-              </a:gs>
-              <a:gs pos="69000">
-                <a:schemeClr val="bg2">
-                  <a:lumMod val="40000"/>
-                  <a:lumOff val="60000"/>
-                  <a:alpha val="0"/>
-                </a:schemeClr>
-              </a:gs>
-              <a:gs pos="36000">
-                <a:schemeClr val="bg2">
-                  <a:lumMod val="40000"/>
-                  <a:lumOff val="60000"/>
-                  <a:alpha val="6000"/>
-                </a:schemeClr>
-              </a:gs>
-            </a:gsLst>
-            <a:path path="circle">
-              <a:fillToRect l="50000" t="50000" r="50000" b="50000"/>
-            </a:path>
-            <a:tileRect/>
-          </a:gradFill>
-          <a:ln>
-            <a:noFill/>
-          </a:ln>
-          <a:effectLst/>
-        </p:spPr>
-        <p:style>
-          <a:lnRef idx="1">
-            <a:schemeClr val="accent1"/>
-          </a:lnRef>
-          <a:fillRef idx="3">
-            <a:schemeClr val="accent1"/>
-          </a:fillRef>
-          <a:effectRef idx="2">
-            <a:schemeClr val="accent1"/>
-          </a:effectRef>
-          <a:fontRef idx="minor">
-            <a:schemeClr val="lt1"/>
-          </a:fontRef>
-        </p:style>
-      </p:sp>
-      <p:pic>
-        <p:nvPicPr>
-          <p:cNvPr id="55" name="Imagen 54">
-            <a:extLst>
-              <a:ext uri="{FF2B5EF4-FFF2-40B4-BE49-F238E27FC236}">
-                <a16:creationId xmlns:a16="http://schemas.microsoft.com/office/drawing/2014/main" id="{561B34F5-88E5-4711-BC16-3005C29AD7C6}"/>
-              </a:ext>
-              <a:ext uri="{C183D7F6-B498-43B3-948B-1728B52AA6E4}">
-                <adec:decorative xmlns:adec="http://schemas.microsoft.com/office/drawing/2017/decorative" val="1"/>
-              </a:ext>
-            </a:extLst>
-          </p:cNvPr>
-          <p:cNvPicPr>
-            <a:picLocks noGrp="1" noRot="1" noChangeAspect="1" noMove="1" noResize="1" noEditPoints="1" noAdjustHandles="1" noChangeArrowheads="1" noChangeShapeType="1" noCrop="1"/>
-          </p:cNvPicPr>
-          <p:nvPr>
-            <p:extLst>
-              <p:ext uri="{386F3935-93C4-4BCD-93E2-E3B085C9AB24}">
-                <p16:designElem xmlns:p16="http://schemas.microsoft.com/office/powerpoint/2015/main" val="1"/>
-              </p:ext>
-            </p:extLst>
-          </p:nvPr>
-        </p:nvPicPr>
-        <p:blipFill rotWithShape="1">
-          <a:blip r:embed="rId6">
-            <a:extLst>
-              <a:ext uri="{28A0092B-C50C-407E-A947-70E740481C1C}">
-                <a14:useLocalDpi xmlns:a14="http://schemas.microsoft.com/office/drawing/2010/main"/>
-              </a:ext>
-            </a:extLst>
-          </a:blip>
-          <a:srcRect t="28813"/>
-          <a:stretch/>
-        </p:blipFill>
-        <p:spPr>
-          <a:xfrm>
-            <a:off x="7999412" y="0"/>
-            <a:ext cx="1603387" cy="1141407"/>
-          </a:xfrm>
-          <a:prstGeom prst="rect">
-            <a:avLst/>
-          </a:prstGeom>
-        </p:spPr>
-      </p:pic>
-      <p:pic>
-        <p:nvPicPr>
-          <p:cNvPr id="57" name="Imagen 56">
-            <a:extLst>
-              <a:ext uri="{FF2B5EF4-FFF2-40B4-BE49-F238E27FC236}">
-                <a16:creationId xmlns:a16="http://schemas.microsoft.com/office/drawing/2014/main" id="{4F3661D0-2268-4D3E-88BA-0647BCBE33AF}"/>
-              </a:ext>
-              <a:ext uri="{C183D7F6-B498-43B3-948B-1728B52AA6E4}">
-                <adec:decorative xmlns:adec="http://schemas.microsoft.com/office/drawing/2017/decorative" val="1"/>
-              </a:ext>
-            </a:extLst>
-          </p:cNvPr>
-          <p:cNvPicPr>
-            <a:picLocks noGrp="1" noRot="1" noChangeAspect="1" noMove="1" noResize="1" noEditPoints="1" noAdjustHandles="1" noChangeArrowheads="1" noChangeShapeType="1" noCrop="1"/>
-          </p:cNvPicPr>
-          <p:nvPr>
-            <p:extLst>
-              <p:ext uri="{386F3935-93C4-4BCD-93E2-E3B085C9AB24}">
-                <p16:designElem xmlns:p16="http://schemas.microsoft.com/office/powerpoint/2015/main" val="1"/>
-              </p:ext>
-            </p:extLst>
-          </p:nvPr>
-        </p:nvPicPr>
-        <p:blipFill rotWithShape="1">
-          <a:blip r:embed="rId7">
-            <a:extLst>
-              <a:ext uri="{28A0092B-C50C-407E-A947-70E740481C1C}">
-                <a14:useLocalDpi xmlns:a14="http://schemas.microsoft.com/office/drawing/2010/main"/>
-              </a:ext>
-            </a:extLst>
-          </a:blip>
-          <a:srcRect b="23320"/>
-          <a:stretch/>
-        </p:blipFill>
-        <p:spPr>
-          <a:xfrm>
-            <a:off x="8609012" y="6096000"/>
-            <a:ext cx="993734" cy="762000"/>
-          </a:xfrm>
-          <a:prstGeom prst="rect">
-            <a:avLst/>
-          </a:prstGeom>
-        </p:spPr>
-      </p:pic>
-      <p:sp>
-        <p:nvSpPr>
-          <p:cNvPr id="59" name="Rectángulo 58">
-            <a:extLst>
-              <a:ext uri="{FF2B5EF4-FFF2-40B4-BE49-F238E27FC236}">
-                <a16:creationId xmlns:a16="http://schemas.microsoft.com/office/drawing/2014/main" id="{DDB56DB5-0324-4F79-9AB8-CB18C1DC8743}"/>
-              </a:ext>
-              <a:ext uri="{C183D7F6-B498-43B3-948B-1728B52AA6E4}">
-                <adec:decorative xmlns:adec="http://schemas.microsoft.com/office/drawing/2017/decorative" val="1"/>
-              </a:ext>
-            </a:extLst>
-          </p:cNvPr>
-          <p:cNvSpPr>
-            <a:spLocks noGrp="1" noRot="1" noChangeAspect="1" noMove="1" noResize="1" noEditPoints="1" noAdjustHandles="1" noChangeArrowheads="1" noChangeShapeType="1" noTextEdit="1"/>
-          </p:cNvSpPr>
-          <p:nvPr>
-            <p:extLst>
-              <p:ext uri="{386F3935-93C4-4BCD-93E2-E3B085C9AB24}">
-                <p16:designElem xmlns:p16="http://schemas.microsoft.com/office/powerpoint/2015/main" val="1"/>
-              </p:ext>
-            </p:extLst>
-          </p:nvPr>
-        </p:nvSpPr>
-        <p:spPr>
-          <a:xfrm>
-            <a:off x="10437812" y="0"/>
-            <a:ext cx="685800" cy="1143000"/>
-          </a:xfrm>
-          <a:prstGeom prst="rect">
-            <a:avLst/>
-          </a:prstGeom>
-          <a:solidFill>
-            <a:schemeClr val="accent1"/>
-          </a:solidFill>
-          <a:ln>
-            <a:noFill/>
-          </a:ln>
-        </p:spPr>
-        <p:style>
-          <a:lnRef idx="1">
-            <a:schemeClr val="accent1"/>
-          </a:lnRef>
-          <a:fillRef idx="3">
-            <a:schemeClr val="accent1"/>
-          </a:fillRef>
-          <a:effectRef idx="2">
-            <a:schemeClr val="accent1"/>
-          </a:effectRef>
-          <a:fontRef idx="minor">
-            <a:schemeClr val="lt1"/>
-          </a:fontRef>
-        </p:style>
-      </p:sp>
-      <p:sp>
-        <p:nvSpPr>
-          <p:cNvPr id="3" name="Título 2">
-            <a:extLst>
-              <a:ext uri="{FF2B5EF4-FFF2-40B4-BE49-F238E27FC236}">
-                <a16:creationId xmlns:a16="http://schemas.microsoft.com/office/drawing/2014/main" id="{9A850E04-00D7-9AF6-A9C0-571E441C698A}"/>
-              </a:ext>
-            </a:extLst>
-          </p:cNvPr>
-          <p:cNvSpPr>
-            <a:spLocks noGrp="1"/>
-          </p:cNvSpPr>
-          <p:nvPr>
-            <p:ph type="title"/>
-          </p:nvPr>
-        </p:nvSpPr>
-        <p:spPr>
-          <a:xfrm>
-            <a:off x="1393638" y="274277"/>
-            <a:ext cx="9404723" cy="1400530"/>
-          </a:xfrm>
-        </p:spPr>
-        <p:txBody>
-          <a:bodyPr/>
-          <a:lstStyle/>
-          <a:p>
-            <a:r>
-              <a:rPr lang="es-MX" dirty="0"/>
-              <a:t>NN para identificar imágenes o</a:t>
-            </a:r>
-            <a:br>
-              <a:rPr lang="es-MX" dirty="0"/>
-            </a:br>
-            <a:r>
-              <a:rPr lang="es-MX" dirty="0"/>
-              <a:t>NN CONVOLUCIONALES</a:t>
-            </a:r>
-          </a:p>
-        </p:txBody>
-      </p:sp>
-      <p:pic>
-        <p:nvPicPr>
-          <p:cNvPr id="5" name="Imagen 4">
-            <a:extLst>
-              <a:ext uri="{FF2B5EF4-FFF2-40B4-BE49-F238E27FC236}">
-                <a16:creationId xmlns:a16="http://schemas.microsoft.com/office/drawing/2014/main" id="{3FD19286-7AE7-4175-1E70-B87E326E0E32}"/>
-              </a:ext>
-            </a:extLst>
-          </p:cNvPr>
-          <p:cNvPicPr>
-            <a:picLocks noChangeAspect="1"/>
-          </p:cNvPicPr>
-          <p:nvPr/>
-        </p:nvPicPr>
-        <p:blipFill rotWithShape="1">
-          <a:blip r:embed="rId8"/>
-          <a:srcRect t="18960" b="15950"/>
-          <a:stretch/>
-        </p:blipFill>
-        <p:spPr>
-          <a:xfrm>
-            <a:off x="2376881" y="1909006"/>
-            <a:ext cx="7435059" cy="3410465"/>
-          </a:xfrm>
-          <a:prstGeom prst="rect">
-            <a:avLst/>
-          </a:prstGeom>
-        </p:spPr>
-      </p:pic>
-      <p:sp>
-        <p:nvSpPr>
-          <p:cNvPr id="8" name="CuadroTexto 7">
-            <a:extLst>
-              <a:ext uri="{FF2B5EF4-FFF2-40B4-BE49-F238E27FC236}">
-                <a16:creationId xmlns:a16="http://schemas.microsoft.com/office/drawing/2014/main" id="{34A644AD-CD33-7587-DE54-4B0E7D1797D1}"/>
-              </a:ext>
-            </a:extLst>
-          </p:cNvPr>
-          <p:cNvSpPr txBox="1"/>
-          <p:nvPr/>
-        </p:nvSpPr>
-        <p:spPr>
-          <a:xfrm>
-            <a:off x="1602730" y="5553670"/>
-            <a:ext cx="8983362" cy="923330"/>
-          </a:xfrm>
-          <a:prstGeom prst="rect">
-            <a:avLst/>
-          </a:prstGeom>
-          <a:noFill/>
-        </p:spPr>
-        <p:txBody>
-          <a:bodyPr wrap="square" rtlCol="0">
-            <a:spAutoFit/>
-          </a:bodyPr>
-          <a:lstStyle/>
-          <a:p>
-            <a:r>
-              <a:rPr lang="es-MX" i="1" dirty="0"/>
-              <a:t>La convolución consiste en realizar un barrido de la imagen para tomar grupos de píxeles cercanos entre sí de la imagen de entrada y realizar un producto punto contra un kernel.</a:t>
-            </a:r>
-          </a:p>
-        </p:txBody>
-      </p:sp>
-    </p:spTree>
-    <p:extLst>
-      <p:ext uri="{BB962C8B-B14F-4D97-AF65-F5344CB8AC3E}">
-        <p14:creationId xmlns:p14="http://schemas.microsoft.com/office/powerpoint/2010/main" val="555089011"/>
-      </p:ext>
-    </p:extLst>
-  </p:cSld>
-  <p:clrMapOvr>
-    <a:masterClrMapping/>
-  </p:clrMapOvr>
-</p:sld>
-</file>
-
-<file path=ppt/slides/slide4.xml><?xml version="1.0" encoding="utf-8"?>
-<p:sld xmlns:a="http://schemas.openxmlformats.org/drawingml/2006/main" xmlns:r="http://schemas.openxmlformats.org/officeDocument/2006/relationships" xmlns:p="http://schemas.openxmlformats.org/presentationml/2006/main">
-  <p:cSld>
-    <p:bg>
-      <p:bgPr>
-        <a:blipFill rotWithShape="1">
-          <a:blip r:embed="rId3">
-            <a:duotone>
-              <a:schemeClr val="bg2">
-                <a:shade val="62000"/>
-                <a:hueMod val="108000"/>
-                <a:satMod val="164000"/>
-                <a:lumMod val="69000"/>
-              </a:schemeClr>
-              <a:schemeClr val="bg2">
-                <a:tint val="96000"/>
-                <a:hueMod val="90000"/>
-                <a:satMod val="130000"/>
-                <a:lumMod val="134000"/>
-              </a:schemeClr>
-            </a:duotone>
-          </a:blip>
-          <a:stretch/>
-        </a:blipFill>
-        <a:effectLst/>
-      </p:bgPr>
-    </p:bg>
-    <p:spTree>
-      <p:nvGrpSpPr>
-        <p:cNvPr id="1" name=""/>
-        <p:cNvGrpSpPr/>
-        <p:nvPr/>
-      </p:nvGrpSpPr>
-      <p:grpSpPr>
-        <a:xfrm>
-          <a:off x="0" y="0"/>
-          <a:ext cx="0" cy="0"/>
-          <a:chOff x="0" y="0"/>
-          <a:chExt cx="0" cy="0"/>
-        </a:xfrm>
-      </p:grpSpPr>
-      <p:pic>
-        <p:nvPicPr>
-          <p:cNvPr id="49" name="Imagen 48">
-            <a:extLst>
-              <a:ext uri="{FF2B5EF4-FFF2-40B4-BE49-F238E27FC236}">
-                <a16:creationId xmlns:a16="http://schemas.microsoft.com/office/drawing/2014/main" id="{AA085689-791F-4B8F-9F30-12415B97D366}"/>
-              </a:ext>
-              <a:ext uri="{C183D7F6-B498-43B3-948B-1728B52AA6E4}">
-                <adec:decorative xmlns:adec="http://schemas.microsoft.com/office/drawing/2017/decorative" val="1"/>
-              </a:ext>
-            </a:extLst>
-          </p:cNvPr>
-          <p:cNvPicPr>
-            <a:picLocks noGrp="1" noRot="1" noChangeAspect="1" noMove="1" noResize="1" noEditPoints="1" noAdjustHandles="1" noChangeArrowheads="1" noChangeShapeType="1" noCrop="1"/>
-          </p:cNvPicPr>
-          <p:nvPr>
-            <p:extLst>
-              <p:ext uri="{386F3935-93C4-4BCD-93E2-E3B085C9AB24}">
-                <p16:designElem xmlns:p16="http://schemas.microsoft.com/office/powerpoint/2015/main" val="1"/>
-              </p:ext>
-            </p:extLst>
-          </p:nvPr>
-        </p:nvPicPr>
-        <p:blipFill rotWithShape="1">
-          <a:blip r:embed="rId4">
-            <a:extLst>
-              <a:ext uri="{28A0092B-C50C-407E-A947-70E740481C1C}">
-                <a14:useLocalDpi xmlns:a14="http://schemas.microsoft.com/office/drawing/2010/main"/>
-              </a:ext>
-            </a:extLst>
-          </a:blip>
-          <a:srcRect l="3613"/>
-          <a:stretch/>
-        </p:blipFill>
-        <p:spPr>
-          <a:xfrm>
-            <a:off x="0" y="2669685"/>
-            <a:ext cx="4037012" cy="4188315"/>
-          </a:xfrm>
-          <a:prstGeom prst="rect">
-            <a:avLst/>
-          </a:prstGeom>
-        </p:spPr>
-      </p:pic>
-      <p:pic>
-        <p:nvPicPr>
-          <p:cNvPr id="51" name="Imagen 50">
-            <a:extLst>
-              <a:ext uri="{FF2B5EF4-FFF2-40B4-BE49-F238E27FC236}">
-                <a16:creationId xmlns:a16="http://schemas.microsoft.com/office/drawing/2014/main" id="{AA3FED7F-6821-47C0-A464-E9278B24129E}"/>
-              </a:ext>
-              <a:ext uri="{C183D7F6-B498-43B3-948B-1728B52AA6E4}">
-                <adec:decorative xmlns:adec="http://schemas.microsoft.com/office/drawing/2017/decorative" val="1"/>
-              </a:ext>
-            </a:extLst>
-          </p:cNvPr>
-          <p:cNvPicPr>
-            <a:picLocks noGrp="1" noRot="1" noChangeAspect="1" noMove="1" noResize="1" noEditPoints="1" noAdjustHandles="1" noChangeArrowheads="1" noChangeShapeType="1" noCrop="1"/>
-          </p:cNvPicPr>
-          <p:nvPr>
-            <p:extLst>
-              <p:ext uri="{386F3935-93C4-4BCD-93E2-E3B085C9AB24}">
-                <p16:designElem xmlns:p16="http://schemas.microsoft.com/office/powerpoint/2015/main" val="1"/>
-              </p:ext>
-            </p:extLst>
-          </p:nvPr>
-        </p:nvPicPr>
-        <p:blipFill rotWithShape="1">
-          <a:blip r:embed="rId5">
-            <a:extLst>
-              <a:ext uri="{28A0092B-C50C-407E-A947-70E740481C1C}">
-                <a14:useLocalDpi xmlns:a14="http://schemas.microsoft.com/office/drawing/2010/main"/>
-              </a:ext>
-            </a:extLst>
-          </a:blip>
-          <a:srcRect l="35640"/>
-          <a:stretch/>
-        </p:blipFill>
-        <p:spPr>
-          <a:xfrm>
-            <a:off x="0" y="2892347"/>
-            <a:ext cx="1522412" cy="2365453"/>
-          </a:xfrm>
-          <a:prstGeom prst="rect">
-            <a:avLst/>
-          </a:prstGeom>
-        </p:spPr>
-      </p:pic>
-      <p:sp>
-        <p:nvSpPr>
-          <p:cNvPr id="53" name="Elipse 52">
-            <a:extLst>
-              <a:ext uri="{FF2B5EF4-FFF2-40B4-BE49-F238E27FC236}">
-                <a16:creationId xmlns:a16="http://schemas.microsoft.com/office/drawing/2014/main" id="{8F54B2FB-3F54-4350-8D1B-F86D677CA7ED}"/>
-              </a:ext>
-              <a:ext uri="{C183D7F6-B498-43B3-948B-1728B52AA6E4}">
-                <adec:decorative xmlns:adec="http://schemas.microsoft.com/office/drawing/2017/decorative" val="1"/>
-              </a:ext>
-            </a:extLst>
-          </p:cNvPr>
-          <p:cNvSpPr>
-            <a:spLocks noGrp="1" noRot="1" noChangeAspect="1" noMove="1" noResize="1" noEditPoints="1" noAdjustHandles="1" noChangeArrowheads="1" noChangeShapeType="1" noTextEdit="1"/>
-          </p:cNvSpPr>
-          <p:nvPr>
-            <p:extLst>
-              <p:ext uri="{386F3935-93C4-4BCD-93E2-E3B085C9AB24}">
-                <p16:designElem xmlns:p16="http://schemas.microsoft.com/office/powerpoint/2015/main" val="1"/>
-              </p:ext>
-            </p:extLst>
-          </p:nvPr>
-        </p:nvSpPr>
-        <p:spPr>
-          <a:xfrm>
-            <a:off x="8609012" y="1676400"/>
-            <a:ext cx="2819400" cy="2819400"/>
-          </a:xfrm>
-          <a:prstGeom prst="ellipse">
-            <a:avLst/>
-          </a:prstGeom>
-          <a:gradFill flip="none" rotWithShape="1">
-            <a:gsLst>
-              <a:gs pos="0">
-                <a:schemeClr val="bg2">
-                  <a:lumMod val="40000"/>
-                  <a:lumOff val="60000"/>
-                  <a:alpha val="7000"/>
-                </a:schemeClr>
-              </a:gs>
-              <a:gs pos="69000">
-                <a:schemeClr val="bg2">
-                  <a:lumMod val="40000"/>
-                  <a:lumOff val="60000"/>
-                  <a:alpha val="0"/>
-                </a:schemeClr>
-              </a:gs>
-              <a:gs pos="36000">
-                <a:schemeClr val="bg2">
-                  <a:lumMod val="40000"/>
-                  <a:lumOff val="60000"/>
-                  <a:alpha val="6000"/>
-                </a:schemeClr>
-              </a:gs>
-            </a:gsLst>
-            <a:path path="circle">
-              <a:fillToRect l="50000" t="50000" r="50000" b="50000"/>
-            </a:path>
-            <a:tileRect/>
-          </a:gradFill>
-          <a:ln>
-            <a:noFill/>
-          </a:ln>
-          <a:effectLst/>
-        </p:spPr>
-        <p:style>
-          <a:lnRef idx="1">
-            <a:schemeClr val="accent1"/>
-          </a:lnRef>
-          <a:fillRef idx="3">
-            <a:schemeClr val="accent1"/>
-          </a:fillRef>
-          <a:effectRef idx="2">
-            <a:schemeClr val="accent1"/>
-          </a:effectRef>
-          <a:fontRef idx="minor">
-            <a:schemeClr val="lt1"/>
-          </a:fontRef>
-        </p:style>
-      </p:sp>
-      <p:pic>
-        <p:nvPicPr>
-          <p:cNvPr id="55" name="Imagen 54">
-            <a:extLst>
-              <a:ext uri="{FF2B5EF4-FFF2-40B4-BE49-F238E27FC236}">
-                <a16:creationId xmlns:a16="http://schemas.microsoft.com/office/drawing/2014/main" id="{561B34F5-88E5-4711-BC16-3005C29AD7C6}"/>
-              </a:ext>
-              <a:ext uri="{C183D7F6-B498-43B3-948B-1728B52AA6E4}">
-                <adec:decorative xmlns:adec="http://schemas.microsoft.com/office/drawing/2017/decorative" val="1"/>
-              </a:ext>
-            </a:extLst>
-          </p:cNvPr>
-          <p:cNvPicPr>
-            <a:picLocks noGrp="1" noRot="1" noChangeAspect="1" noMove="1" noResize="1" noEditPoints="1" noAdjustHandles="1" noChangeArrowheads="1" noChangeShapeType="1" noCrop="1"/>
-          </p:cNvPicPr>
-          <p:nvPr>
-            <p:extLst>
-              <p:ext uri="{386F3935-93C4-4BCD-93E2-E3B085C9AB24}">
-                <p16:designElem xmlns:p16="http://schemas.microsoft.com/office/powerpoint/2015/main" val="1"/>
-              </p:ext>
-            </p:extLst>
-          </p:nvPr>
-        </p:nvPicPr>
-        <p:blipFill rotWithShape="1">
-          <a:blip r:embed="rId6">
-            <a:extLst>
-              <a:ext uri="{28A0092B-C50C-407E-A947-70E740481C1C}">
-                <a14:useLocalDpi xmlns:a14="http://schemas.microsoft.com/office/drawing/2010/main"/>
-              </a:ext>
-            </a:extLst>
-          </a:blip>
-          <a:srcRect t="28813"/>
-          <a:stretch/>
-        </p:blipFill>
-        <p:spPr>
-          <a:xfrm>
-            <a:off x="7999412" y="0"/>
-            <a:ext cx="1603387" cy="1141407"/>
-          </a:xfrm>
-          <a:prstGeom prst="rect">
-            <a:avLst/>
-          </a:prstGeom>
-        </p:spPr>
-      </p:pic>
-      <p:pic>
-        <p:nvPicPr>
-          <p:cNvPr id="57" name="Imagen 56">
-            <a:extLst>
-              <a:ext uri="{FF2B5EF4-FFF2-40B4-BE49-F238E27FC236}">
-                <a16:creationId xmlns:a16="http://schemas.microsoft.com/office/drawing/2014/main" id="{4F3661D0-2268-4D3E-88BA-0647BCBE33AF}"/>
-              </a:ext>
-              <a:ext uri="{C183D7F6-B498-43B3-948B-1728B52AA6E4}">
-                <adec:decorative xmlns:adec="http://schemas.microsoft.com/office/drawing/2017/decorative" val="1"/>
-              </a:ext>
-            </a:extLst>
-          </p:cNvPr>
-          <p:cNvPicPr>
-            <a:picLocks noGrp="1" noRot="1" noChangeAspect="1" noMove="1" noResize="1" noEditPoints="1" noAdjustHandles="1" noChangeArrowheads="1" noChangeShapeType="1" noCrop="1"/>
-          </p:cNvPicPr>
-          <p:nvPr>
-            <p:extLst>
-              <p:ext uri="{386F3935-93C4-4BCD-93E2-E3B085C9AB24}">
-                <p16:designElem xmlns:p16="http://schemas.microsoft.com/office/powerpoint/2015/main" val="1"/>
-              </p:ext>
-            </p:extLst>
-          </p:nvPr>
-        </p:nvPicPr>
-        <p:blipFill rotWithShape="1">
-          <a:blip r:embed="rId7">
-            <a:extLst>
-              <a:ext uri="{28A0092B-C50C-407E-A947-70E740481C1C}">
-                <a14:useLocalDpi xmlns:a14="http://schemas.microsoft.com/office/drawing/2010/main"/>
-              </a:ext>
-            </a:extLst>
-          </a:blip>
-          <a:srcRect b="23320"/>
-          <a:stretch/>
-        </p:blipFill>
-        <p:spPr>
-          <a:xfrm>
-            <a:off x="8609012" y="6096000"/>
-            <a:ext cx="993734" cy="762000"/>
-          </a:xfrm>
-          <a:prstGeom prst="rect">
-            <a:avLst/>
-          </a:prstGeom>
-        </p:spPr>
-      </p:pic>
-      <p:sp>
-        <p:nvSpPr>
-          <p:cNvPr id="59" name="Rectángulo 58">
-            <a:extLst>
-              <a:ext uri="{FF2B5EF4-FFF2-40B4-BE49-F238E27FC236}">
-                <a16:creationId xmlns:a16="http://schemas.microsoft.com/office/drawing/2014/main" id="{DDB56DB5-0324-4F79-9AB8-CB18C1DC8743}"/>
-              </a:ext>
-              <a:ext uri="{C183D7F6-B498-43B3-948B-1728B52AA6E4}">
-                <adec:decorative xmlns:adec="http://schemas.microsoft.com/office/drawing/2017/decorative" val="1"/>
-              </a:ext>
-            </a:extLst>
-          </p:cNvPr>
-          <p:cNvSpPr>
-            <a:spLocks noGrp="1" noRot="1" noChangeAspect="1" noMove="1" noResize="1" noEditPoints="1" noAdjustHandles="1" noChangeArrowheads="1" noChangeShapeType="1" noTextEdit="1"/>
-          </p:cNvSpPr>
-          <p:nvPr>
-            <p:extLst>
-              <p:ext uri="{386F3935-93C4-4BCD-93E2-E3B085C9AB24}">
-                <p16:designElem xmlns:p16="http://schemas.microsoft.com/office/powerpoint/2015/main" val="1"/>
-              </p:ext>
-            </p:extLst>
-          </p:nvPr>
-        </p:nvSpPr>
-        <p:spPr>
-          <a:xfrm>
-            <a:off x="10437812" y="0"/>
-            <a:ext cx="685800" cy="1143000"/>
-          </a:xfrm>
-          <a:prstGeom prst="rect">
-            <a:avLst/>
-          </a:prstGeom>
-          <a:solidFill>
-            <a:schemeClr val="accent1"/>
-          </a:solidFill>
-          <a:ln>
-            <a:noFill/>
-          </a:ln>
-        </p:spPr>
-        <p:style>
-          <a:lnRef idx="1">
-            <a:schemeClr val="accent1"/>
-          </a:lnRef>
-          <a:fillRef idx="3">
-            <a:schemeClr val="accent1"/>
-          </a:fillRef>
-          <a:effectRef idx="2">
-            <a:schemeClr val="accent1"/>
-          </a:effectRef>
-          <a:fontRef idx="minor">
-            <a:schemeClr val="lt1"/>
-          </a:fontRef>
-        </p:style>
-      </p:sp>
-      <p:sp>
-        <p:nvSpPr>
-          <p:cNvPr id="3" name="Título 2">
-            <a:extLst>
-              <a:ext uri="{FF2B5EF4-FFF2-40B4-BE49-F238E27FC236}">
-                <a16:creationId xmlns:a16="http://schemas.microsoft.com/office/drawing/2014/main" id="{9A850E04-00D7-9AF6-A9C0-571E441C698A}"/>
-              </a:ext>
-            </a:extLst>
-          </p:cNvPr>
-          <p:cNvSpPr>
-            <a:spLocks noGrp="1"/>
-          </p:cNvSpPr>
-          <p:nvPr>
-            <p:ph type="title"/>
-          </p:nvPr>
-        </p:nvSpPr>
-        <p:spPr>
-          <a:xfrm>
-            <a:off x="1393638" y="274277"/>
-            <a:ext cx="9404723" cy="795208"/>
-          </a:xfrm>
-        </p:spPr>
-        <p:txBody>
-          <a:bodyPr/>
-          <a:lstStyle/>
-          <a:p>
-            <a:r>
-              <a:rPr lang="es-MX" dirty="0"/>
-              <a:t>NN CONVOLUCIONALES</a:t>
-            </a:r>
-          </a:p>
-        </p:txBody>
-      </p:sp>
-      <p:pic>
-        <p:nvPicPr>
-          <p:cNvPr id="6" name="Imagen 5">
-            <a:extLst>
-              <a:ext uri="{FF2B5EF4-FFF2-40B4-BE49-F238E27FC236}">
-                <a16:creationId xmlns:a16="http://schemas.microsoft.com/office/drawing/2014/main" id="{359BDF74-E9A5-8CDE-440D-7DCC2232438C}"/>
-              </a:ext>
-            </a:extLst>
-          </p:cNvPr>
-          <p:cNvPicPr>
-            <a:picLocks noChangeAspect="1"/>
-          </p:cNvPicPr>
-          <p:nvPr/>
-        </p:nvPicPr>
-        <p:blipFill rotWithShape="1">
-          <a:blip r:embed="rId8"/>
-          <a:srcRect b="10103"/>
-          <a:stretch/>
-        </p:blipFill>
-        <p:spPr>
-          <a:xfrm>
-            <a:off x="959678" y="1869584"/>
-            <a:ext cx="10269467" cy="3765163"/>
-          </a:xfrm>
-          <a:prstGeom prst="rect">
-            <a:avLst/>
-          </a:prstGeom>
-        </p:spPr>
-      </p:pic>
-    </p:spTree>
-    <p:extLst>
-      <p:ext uri="{BB962C8B-B14F-4D97-AF65-F5344CB8AC3E}">
-        <p14:creationId xmlns:p14="http://schemas.microsoft.com/office/powerpoint/2010/main" val="3067767135"/>
-      </p:ext>
-    </p:extLst>
-  </p:cSld>
-  <p:clrMapOvr>
-    <a:masterClrMapping/>
-  </p:clrMapOvr>
-</p:sld>
-</file>
-
-<file path=ppt/slides/slide5.xml><?xml version="1.0" encoding="utf-8"?>
-<p:sld xmlns:a="http://schemas.openxmlformats.org/drawingml/2006/main" xmlns:r="http://schemas.openxmlformats.org/officeDocument/2006/relationships" xmlns:p="http://schemas.openxmlformats.org/presentationml/2006/main">
-  <p:cSld>
-    <p:bg>
-      <p:bgPr>
-        <a:blipFill rotWithShape="1">
-          <a:blip r:embed="rId3">
-            <a:duotone>
-              <a:schemeClr val="bg2">
-                <a:shade val="62000"/>
-                <a:hueMod val="108000"/>
-                <a:satMod val="164000"/>
-                <a:lumMod val="69000"/>
-              </a:schemeClr>
-              <a:schemeClr val="bg2">
-                <a:tint val="96000"/>
-                <a:hueMod val="90000"/>
-                <a:satMod val="130000"/>
-                <a:lumMod val="134000"/>
-              </a:schemeClr>
-            </a:duotone>
-          </a:blip>
-          <a:stretch/>
-        </a:blipFill>
-        <a:effectLst/>
-      </p:bgPr>
-    </p:bg>
-    <p:spTree>
-      <p:nvGrpSpPr>
-        <p:cNvPr id="1" name=""/>
-        <p:cNvGrpSpPr/>
-        <p:nvPr/>
-      </p:nvGrpSpPr>
-      <p:grpSpPr>
-        <a:xfrm>
-          <a:off x="0" y="0"/>
-          <a:ext cx="0" cy="0"/>
-          <a:chOff x="0" y="0"/>
-          <a:chExt cx="0" cy="0"/>
-        </a:xfrm>
-      </p:grpSpPr>
-      <p:pic>
-        <p:nvPicPr>
-          <p:cNvPr id="15" name="Imagen 14" descr="diseño abstracto">
-            <a:extLst>
-              <a:ext uri="{FF2B5EF4-FFF2-40B4-BE49-F238E27FC236}">
-                <a16:creationId xmlns:a16="http://schemas.microsoft.com/office/drawing/2014/main" id="{6D363037-1741-4470-A023-883E2FFD5840}"/>
-              </a:ext>
-            </a:extLst>
-          </p:cNvPr>
-          <p:cNvPicPr>
-            <a:picLocks noChangeAspect="1"/>
-          </p:cNvPicPr>
-          <p:nvPr/>
-        </p:nvPicPr>
-        <p:blipFill rotWithShape="1">
-          <a:blip r:embed="rId4">
-            <a:duotone>
-              <a:prstClr val="black"/>
-              <a:schemeClr val="accent5">
-                <a:tint val="45000"/>
-                <a:satMod val="400000"/>
-              </a:schemeClr>
-            </a:duotone>
-            <a:alphaModFix amt="25000"/>
-          </a:blip>
-          <a:srcRect t="18308" r="6818" b="2872"/>
-          <a:stretch/>
-        </p:blipFill>
-        <p:spPr>
-          <a:xfrm flipH="1">
-            <a:off x="20" y="10"/>
-            <a:ext cx="12191980" cy="6857990"/>
-          </a:xfrm>
-          <a:prstGeom prst="rect">
-            <a:avLst/>
-          </a:prstGeom>
-        </p:spPr>
-      </p:pic>
-      <p:sp>
-        <p:nvSpPr>
-          <p:cNvPr id="57" name="Rectángulo 56">
-            <a:extLst>
-              <a:ext uri="{FF2B5EF4-FFF2-40B4-BE49-F238E27FC236}">
-                <a16:creationId xmlns:a16="http://schemas.microsoft.com/office/drawing/2014/main" id="{318E9D62-7BA3-4D5E-8915-0D0E8661E3D7}"/>
-              </a:ext>
-              <a:ext uri="{C183D7F6-B498-43B3-948B-1728B52AA6E4}">
-                <adec:decorative xmlns:adec="http://schemas.microsoft.com/office/drawing/2017/decorative" val="1"/>
-              </a:ext>
-            </a:extLst>
-          </p:cNvPr>
-          <p:cNvSpPr>
-            <a:spLocks noGrp="1" noRot="1" noChangeAspect="1" noMove="1" noResize="1" noEditPoints="1" noAdjustHandles="1" noChangeArrowheads="1" noChangeShapeType="1" noTextEdit="1"/>
-          </p:cNvSpPr>
-          <p:nvPr>
-            <p:extLst>
-              <p:ext uri="{386F3935-93C4-4BCD-93E2-E3B085C9AB24}">
-                <p16:designElem xmlns:p16="http://schemas.microsoft.com/office/powerpoint/2015/main" val="1"/>
-              </p:ext>
-            </p:extLst>
-          </p:nvPr>
-        </p:nvSpPr>
-        <p:spPr>
-          <a:xfrm>
-            <a:off x="10437812" y="0"/>
-            <a:ext cx="685800" cy="1143000"/>
-          </a:xfrm>
-          <a:prstGeom prst="rect">
-            <a:avLst/>
-          </a:prstGeom>
-          <a:solidFill>
-            <a:schemeClr val="accent1"/>
-          </a:solidFill>
-          <a:ln>
-            <a:noFill/>
-          </a:ln>
-        </p:spPr>
-        <p:style>
-          <a:lnRef idx="1">
-            <a:schemeClr val="accent1"/>
-          </a:lnRef>
-          <a:fillRef idx="3">
-            <a:schemeClr val="accent1"/>
-          </a:fillRef>
-          <a:effectRef idx="2">
-            <a:schemeClr val="accent1"/>
-          </a:effectRef>
-          <a:fontRef idx="minor">
-            <a:schemeClr val="lt1"/>
-          </a:fontRef>
-        </p:style>
-      </p:sp>
-      <p:sp>
-        <p:nvSpPr>
-          <p:cNvPr id="6" name="Título 2">
-            <a:extLst>
-              <a:ext uri="{FF2B5EF4-FFF2-40B4-BE49-F238E27FC236}">
-                <a16:creationId xmlns:a16="http://schemas.microsoft.com/office/drawing/2014/main" id="{78DCA2BF-DACB-0E52-6E1B-4D80B2AFF064}"/>
+                <a16:creationId xmlns:a16="http://schemas.microsoft.com/office/drawing/2014/main" id="{7FC0812D-F7EC-EC02-ED24-D1C05F4BE29C}"/>
               </a:ext>
             </a:extLst>
           </p:cNvPr>
@@ -9599,798 +10052,6 @@
           <a:p>
             <a:r>
               <a:rPr lang="es-MX" sz="4000" dirty="0"/>
-              <a:t>NN CONVOLUCIONALES</a:t>
-            </a:r>
-          </a:p>
-        </p:txBody>
-      </p:sp>
-      <p:sp>
-        <p:nvSpPr>
-          <p:cNvPr id="7" name="CuadroTexto 6">
-            <a:extLst>
-              <a:ext uri="{FF2B5EF4-FFF2-40B4-BE49-F238E27FC236}">
-                <a16:creationId xmlns:a16="http://schemas.microsoft.com/office/drawing/2014/main" id="{E84792A2-82FA-A087-0A53-8A8D330CFA34}"/>
-              </a:ext>
-            </a:extLst>
-          </p:cNvPr>
-          <p:cNvSpPr txBox="1"/>
-          <p:nvPr/>
-        </p:nvSpPr>
-        <p:spPr>
-          <a:xfrm>
-            <a:off x="972534" y="1142990"/>
-            <a:ext cx="1733595" cy="523220"/>
-          </a:xfrm>
-          <a:prstGeom prst="rect">
-            <a:avLst/>
-          </a:prstGeom>
-          <a:noFill/>
-        </p:spPr>
-        <p:txBody>
-          <a:bodyPr wrap="square" rtlCol="0">
-            <a:spAutoFit/>
-          </a:bodyPr>
-          <a:lstStyle/>
-          <a:p>
-            <a:r>
-              <a:rPr lang="es-MX" sz="2800" i="1" dirty="0"/>
-              <a:t>¿</a:t>
-            </a:r>
-            <a:r>
-              <a:rPr lang="es-MX" sz="2800" dirty="0"/>
-              <a:t>Kernel</a:t>
-            </a:r>
-            <a:r>
-              <a:rPr lang="es-MX" sz="2800" i="1" dirty="0"/>
-              <a:t>?</a:t>
-            </a:r>
-          </a:p>
-        </p:txBody>
-      </p:sp>
-      <p:sp>
-        <p:nvSpPr>
-          <p:cNvPr id="8" name="CuadroTexto 7">
-            <a:extLst>
-              <a:ext uri="{FF2B5EF4-FFF2-40B4-BE49-F238E27FC236}">
-                <a16:creationId xmlns:a16="http://schemas.microsoft.com/office/drawing/2014/main" id="{184DAED6-16D3-003C-4412-63F2240D366E}"/>
-              </a:ext>
-            </a:extLst>
-          </p:cNvPr>
-          <p:cNvSpPr txBox="1"/>
-          <p:nvPr/>
-        </p:nvSpPr>
-        <p:spPr>
-          <a:xfrm>
-            <a:off x="842437" y="1738569"/>
-            <a:ext cx="10507126" cy="1569660"/>
-          </a:xfrm>
-          <a:prstGeom prst="rect">
-            <a:avLst/>
-          </a:prstGeom>
-          <a:noFill/>
-        </p:spPr>
-        <p:txBody>
-          <a:bodyPr wrap="square" rtlCol="0">
-            <a:spAutoFit/>
-          </a:bodyPr>
-          <a:lstStyle/>
-          <a:p>
-            <a:r>
-              <a:rPr lang="es-MX" sz="2400" i="1" dirty="0"/>
-              <a:t>Es un filtro, el cual, se le aplica a la imagen a procesar para así extraer características especiales de la imagen para después hacer uso de estos nuevos valores filtrados. Principalmente se detectan bordes, desenfoque, entre otras características. </a:t>
-            </a:r>
-          </a:p>
-        </p:txBody>
-      </p:sp>
-      <p:pic>
-        <p:nvPicPr>
-          <p:cNvPr id="10" name="Imagen 9">
-            <a:extLst>
-              <a:ext uri="{FF2B5EF4-FFF2-40B4-BE49-F238E27FC236}">
-                <a16:creationId xmlns:a16="http://schemas.microsoft.com/office/drawing/2014/main" id="{3D712274-6CD8-36E4-1A45-7C9617227A7B}"/>
-              </a:ext>
-            </a:extLst>
-          </p:cNvPr>
-          <p:cNvPicPr>
-            <a:picLocks noChangeAspect="1"/>
-          </p:cNvPicPr>
-          <p:nvPr/>
-        </p:nvPicPr>
-        <p:blipFill>
-          <a:blip r:embed="rId5"/>
-          <a:stretch>
-            <a:fillRect/>
-          </a:stretch>
-        </p:blipFill>
-        <p:spPr>
-          <a:xfrm>
-            <a:off x="2662739" y="3631198"/>
-            <a:ext cx="6866522" cy="2903833"/>
-          </a:xfrm>
-          <a:prstGeom prst="rect">
-            <a:avLst/>
-          </a:prstGeom>
-        </p:spPr>
-      </p:pic>
-    </p:spTree>
-    <p:extLst>
-      <p:ext uri="{BB962C8B-B14F-4D97-AF65-F5344CB8AC3E}">
-        <p14:creationId xmlns:p14="http://schemas.microsoft.com/office/powerpoint/2010/main" val="510767980"/>
-      </p:ext>
-    </p:extLst>
-  </p:cSld>
-  <p:clrMapOvr>
-    <a:masterClrMapping/>
-  </p:clrMapOvr>
-</p:sld>
-</file>
-
-<file path=ppt/slides/slide6.xml><?xml version="1.0" encoding="utf-8"?>
-<p:sld xmlns:a="http://schemas.openxmlformats.org/drawingml/2006/main" xmlns:r="http://schemas.openxmlformats.org/officeDocument/2006/relationships" xmlns:p="http://schemas.openxmlformats.org/presentationml/2006/main">
-  <p:cSld>
-    <p:bg>
-      <p:bgPr>
-        <a:blipFill rotWithShape="1">
-          <a:blip r:embed="rId3">
-            <a:duotone>
-              <a:schemeClr val="bg2">
-                <a:shade val="62000"/>
-                <a:hueMod val="108000"/>
-                <a:satMod val="164000"/>
-                <a:lumMod val="69000"/>
-              </a:schemeClr>
-              <a:schemeClr val="bg2">
-                <a:tint val="96000"/>
-                <a:hueMod val="90000"/>
-                <a:satMod val="130000"/>
-                <a:lumMod val="134000"/>
-              </a:schemeClr>
-            </a:duotone>
-          </a:blip>
-          <a:stretch/>
-        </a:blipFill>
-        <a:effectLst/>
-      </p:bgPr>
-    </p:bg>
-    <p:spTree>
-      <p:nvGrpSpPr>
-        <p:cNvPr id="1" name=""/>
-        <p:cNvGrpSpPr/>
-        <p:nvPr/>
-      </p:nvGrpSpPr>
-      <p:grpSpPr>
-        <a:xfrm>
-          <a:off x="0" y="0"/>
-          <a:ext cx="0" cy="0"/>
-          <a:chOff x="0" y="0"/>
-          <a:chExt cx="0" cy="0"/>
-        </a:xfrm>
-      </p:grpSpPr>
-      <p:pic>
-        <p:nvPicPr>
-          <p:cNvPr id="49" name="Imagen 48">
-            <a:extLst>
-              <a:ext uri="{FF2B5EF4-FFF2-40B4-BE49-F238E27FC236}">
-                <a16:creationId xmlns:a16="http://schemas.microsoft.com/office/drawing/2014/main" id="{AA085689-791F-4B8F-9F30-12415B97D366}"/>
-              </a:ext>
-              <a:ext uri="{C183D7F6-B498-43B3-948B-1728B52AA6E4}">
-                <adec:decorative xmlns:adec="http://schemas.microsoft.com/office/drawing/2017/decorative" val="1"/>
-              </a:ext>
-            </a:extLst>
-          </p:cNvPr>
-          <p:cNvPicPr>
-            <a:picLocks noGrp="1" noRot="1" noChangeAspect="1" noMove="1" noResize="1" noEditPoints="1" noAdjustHandles="1" noChangeArrowheads="1" noChangeShapeType="1" noCrop="1"/>
-          </p:cNvPicPr>
-          <p:nvPr>
-            <p:extLst>
-              <p:ext uri="{386F3935-93C4-4BCD-93E2-E3B085C9AB24}">
-                <p16:designElem xmlns:p16="http://schemas.microsoft.com/office/powerpoint/2015/main" val="1"/>
-              </p:ext>
-            </p:extLst>
-          </p:nvPr>
-        </p:nvPicPr>
-        <p:blipFill rotWithShape="1">
-          <a:blip r:embed="rId4">
-            <a:extLst>
-              <a:ext uri="{28A0092B-C50C-407E-A947-70E740481C1C}">
-                <a14:useLocalDpi xmlns:a14="http://schemas.microsoft.com/office/drawing/2010/main"/>
-              </a:ext>
-            </a:extLst>
-          </a:blip>
-          <a:srcRect l="3613"/>
-          <a:stretch/>
-        </p:blipFill>
-        <p:spPr>
-          <a:xfrm>
-            <a:off x="0" y="2669685"/>
-            <a:ext cx="4037012" cy="4188315"/>
-          </a:xfrm>
-          <a:prstGeom prst="rect">
-            <a:avLst/>
-          </a:prstGeom>
-        </p:spPr>
-      </p:pic>
-      <p:pic>
-        <p:nvPicPr>
-          <p:cNvPr id="51" name="Imagen 50">
-            <a:extLst>
-              <a:ext uri="{FF2B5EF4-FFF2-40B4-BE49-F238E27FC236}">
-                <a16:creationId xmlns:a16="http://schemas.microsoft.com/office/drawing/2014/main" id="{AA3FED7F-6821-47C0-A464-E9278B24129E}"/>
-              </a:ext>
-              <a:ext uri="{C183D7F6-B498-43B3-948B-1728B52AA6E4}">
-                <adec:decorative xmlns:adec="http://schemas.microsoft.com/office/drawing/2017/decorative" val="1"/>
-              </a:ext>
-            </a:extLst>
-          </p:cNvPr>
-          <p:cNvPicPr>
-            <a:picLocks noGrp="1" noRot="1" noChangeAspect="1" noMove="1" noResize="1" noEditPoints="1" noAdjustHandles="1" noChangeArrowheads="1" noChangeShapeType="1" noCrop="1"/>
-          </p:cNvPicPr>
-          <p:nvPr>
-            <p:extLst>
-              <p:ext uri="{386F3935-93C4-4BCD-93E2-E3B085C9AB24}">
-                <p16:designElem xmlns:p16="http://schemas.microsoft.com/office/powerpoint/2015/main" val="1"/>
-              </p:ext>
-            </p:extLst>
-          </p:nvPr>
-        </p:nvPicPr>
-        <p:blipFill rotWithShape="1">
-          <a:blip r:embed="rId5">
-            <a:extLst>
-              <a:ext uri="{28A0092B-C50C-407E-A947-70E740481C1C}">
-                <a14:useLocalDpi xmlns:a14="http://schemas.microsoft.com/office/drawing/2010/main"/>
-              </a:ext>
-            </a:extLst>
-          </a:blip>
-          <a:srcRect l="35640"/>
-          <a:stretch/>
-        </p:blipFill>
-        <p:spPr>
-          <a:xfrm>
-            <a:off x="0" y="2892347"/>
-            <a:ext cx="1522412" cy="2365453"/>
-          </a:xfrm>
-          <a:prstGeom prst="rect">
-            <a:avLst/>
-          </a:prstGeom>
-        </p:spPr>
-      </p:pic>
-      <p:sp>
-        <p:nvSpPr>
-          <p:cNvPr id="53" name="Elipse 52">
-            <a:extLst>
-              <a:ext uri="{FF2B5EF4-FFF2-40B4-BE49-F238E27FC236}">
-                <a16:creationId xmlns:a16="http://schemas.microsoft.com/office/drawing/2014/main" id="{8F54B2FB-3F54-4350-8D1B-F86D677CA7ED}"/>
-              </a:ext>
-              <a:ext uri="{C183D7F6-B498-43B3-948B-1728B52AA6E4}">
-                <adec:decorative xmlns:adec="http://schemas.microsoft.com/office/drawing/2017/decorative" val="1"/>
-              </a:ext>
-            </a:extLst>
-          </p:cNvPr>
-          <p:cNvSpPr>
-            <a:spLocks noGrp="1" noRot="1" noChangeAspect="1" noMove="1" noResize="1" noEditPoints="1" noAdjustHandles="1" noChangeArrowheads="1" noChangeShapeType="1" noTextEdit="1"/>
-          </p:cNvSpPr>
-          <p:nvPr>
-            <p:extLst>
-              <p:ext uri="{386F3935-93C4-4BCD-93E2-E3B085C9AB24}">
-                <p16:designElem xmlns:p16="http://schemas.microsoft.com/office/powerpoint/2015/main" val="1"/>
-              </p:ext>
-            </p:extLst>
-          </p:nvPr>
-        </p:nvSpPr>
-        <p:spPr>
-          <a:xfrm>
-            <a:off x="8609012" y="1676400"/>
-            <a:ext cx="2819400" cy="2819400"/>
-          </a:xfrm>
-          <a:prstGeom prst="ellipse">
-            <a:avLst/>
-          </a:prstGeom>
-          <a:gradFill flip="none" rotWithShape="1">
-            <a:gsLst>
-              <a:gs pos="0">
-                <a:schemeClr val="bg2">
-                  <a:lumMod val="40000"/>
-                  <a:lumOff val="60000"/>
-                  <a:alpha val="7000"/>
-                </a:schemeClr>
-              </a:gs>
-              <a:gs pos="69000">
-                <a:schemeClr val="bg2">
-                  <a:lumMod val="40000"/>
-                  <a:lumOff val="60000"/>
-                  <a:alpha val="0"/>
-                </a:schemeClr>
-              </a:gs>
-              <a:gs pos="36000">
-                <a:schemeClr val="bg2">
-                  <a:lumMod val="40000"/>
-                  <a:lumOff val="60000"/>
-                  <a:alpha val="6000"/>
-                </a:schemeClr>
-              </a:gs>
-            </a:gsLst>
-            <a:path path="circle">
-              <a:fillToRect l="50000" t="50000" r="50000" b="50000"/>
-            </a:path>
-            <a:tileRect/>
-          </a:gradFill>
-          <a:ln>
-            <a:noFill/>
-          </a:ln>
-          <a:effectLst/>
-        </p:spPr>
-        <p:style>
-          <a:lnRef idx="1">
-            <a:schemeClr val="accent1"/>
-          </a:lnRef>
-          <a:fillRef idx="3">
-            <a:schemeClr val="accent1"/>
-          </a:fillRef>
-          <a:effectRef idx="2">
-            <a:schemeClr val="accent1"/>
-          </a:effectRef>
-          <a:fontRef idx="minor">
-            <a:schemeClr val="lt1"/>
-          </a:fontRef>
-        </p:style>
-      </p:sp>
-      <p:pic>
-        <p:nvPicPr>
-          <p:cNvPr id="55" name="Imagen 54">
-            <a:extLst>
-              <a:ext uri="{FF2B5EF4-FFF2-40B4-BE49-F238E27FC236}">
-                <a16:creationId xmlns:a16="http://schemas.microsoft.com/office/drawing/2014/main" id="{561B34F5-88E5-4711-BC16-3005C29AD7C6}"/>
-              </a:ext>
-              <a:ext uri="{C183D7F6-B498-43B3-948B-1728B52AA6E4}">
-                <adec:decorative xmlns:adec="http://schemas.microsoft.com/office/drawing/2017/decorative" val="1"/>
-              </a:ext>
-            </a:extLst>
-          </p:cNvPr>
-          <p:cNvPicPr>
-            <a:picLocks noGrp="1" noRot="1" noChangeAspect="1" noMove="1" noResize="1" noEditPoints="1" noAdjustHandles="1" noChangeArrowheads="1" noChangeShapeType="1" noCrop="1"/>
-          </p:cNvPicPr>
-          <p:nvPr>
-            <p:extLst>
-              <p:ext uri="{386F3935-93C4-4BCD-93E2-E3B085C9AB24}">
-                <p16:designElem xmlns:p16="http://schemas.microsoft.com/office/powerpoint/2015/main" val="1"/>
-              </p:ext>
-            </p:extLst>
-          </p:nvPr>
-        </p:nvPicPr>
-        <p:blipFill rotWithShape="1">
-          <a:blip r:embed="rId6">
-            <a:extLst>
-              <a:ext uri="{28A0092B-C50C-407E-A947-70E740481C1C}">
-                <a14:useLocalDpi xmlns:a14="http://schemas.microsoft.com/office/drawing/2010/main"/>
-              </a:ext>
-            </a:extLst>
-          </a:blip>
-          <a:srcRect t="28813"/>
-          <a:stretch/>
-        </p:blipFill>
-        <p:spPr>
-          <a:xfrm>
-            <a:off x="7999412" y="0"/>
-            <a:ext cx="1603387" cy="1141407"/>
-          </a:xfrm>
-          <a:prstGeom prst="rect">
-            <a:avLst/>
-          </a:prstGeom>
-        </p:spPr>
-      </p:pic>
-      <p:pic>
-        <p:nvPicPr>
-          <p:cNvPr id="57" name="Imagen 56">
-            <a:extLst>
-              <a:ext uri="{FF2B5EF4-FFF2-40B4-BE49-F238E27FC236}">
-                <a16:creationId xmlns:a16="http://schemas.microsoft.com/office/drawing/2014/main" id="{4F3661D0-2268-4D3E-88BA-0647BCBE33AF}"/>
-              </a:ext>
-              <a:ext uri="{C183D7F6-B498-43B3-948B-1728B52AA6E4}">
-                <adec:decorative xmlns:adec="http://schemas.microsoft.com/office/drawing/2017/decorative" val="1"/>
-              </a:ext>
-            </a:extLst>
-          </p:cNvPr>
-          <p:cNvPicPr>
-            <a:picLocks noGrp="1" noRot="1" noChangeAspect="1" noMove="1" noResize="1" noEditPoints="1" noAdjustHandles="1" noChangeArrowheads="1" noChangeShapeType="1" noCrop="1"/>
-          </p:cNvPicPr>
-          <p:nvPr>
-            <p:extLst>
-              <p:ext uri="{386F3935-93C4-4BCD-93E2-E3B085C9AB24}">
-                <p16:designElem xmlns:p16="http://schemas.microsoft.com/office/powerpoint/2015/main" val="1"/>
-              </p:ext>
-            </p:extLst>
-          </p:nvPr>
-        </p:nvPicPr>
-        <p:blipFill rotWithShape="1">
-          <a:blip r:embed="rId7">
-            <a:extLst>
-              <a:ext uri="{28A0092B-C50C-407E-A947-70E740481C1C}">
-                <a14:useLocalDpi xmlns:a14="http://schemas.microsoft.com/office/drawing/2010/main"/>
-              </a:ext>
-            </a:extLst>
-          </a:blip>
-          <a:srcRect b="23320"/>
-          <a:stretch/>
-        </p:blipFill>
-        <p:spPr>
-          <a:xfrm>
-            <a:off x="8609012" y="6096000"/>
-            <a:ext cx="993734" cy="762000"/>
-          </a:xfrm>
-          <a:prstGeom prst="rect">
-            <a:avLst/>
-          </a:prstGeom>
-        </p:spPr>
-      </p:pic>
-      <p:sp>
-        <p:nvSpPr>
-          <p:cNvPr id="59" name="Rectángulo 58">
-            <a:extLst>
-              <a:ext uri="{FF2B5EF4-FFF2-40B4-BE49-F238E27FC236}">
-                <a16:creationId xmlns:a16="http://schemas.microsoft.com/office/drawing/2014/main" id="{DDB56DB5-0324-4F79-9AB8-CB18C1DC8743}"/>
-              </a:ext>
-              <a:ext uri="{C183D7F6-B498-43B3-948B-1728B52AA6E4}">
-                <adec:decorative xmlns:adec="http://schemas.microsoft.com/office/drawing/2017/decorative" val="1"/>
-              </a:ext>
-            </a:extLst>
-          </p:cNvPr>
-          <p:cNvSpPr>
-            <a:spLocks noGrp="1" noRot="1" noChangeAspect="1" noMove="1" noResize="1" noEditPoints="1" noAdjustHandles="1" noChangeArrowheads="1" noChangeShapeType="1" noTextEdit="1"/>
-          </p:cNvSpPr>
-          <p:nvPr>
-            <p:extLst>
-              <p:ext uri="{386F3935-93C4-4BCD-93E2-E3B085C9AB24}">
-                <p16:designElem xmlns:p16="http://schemas.microsoft.com/office/powerpoint/2015/main" val="1"/>
-              </p:ext>
-            </p:extLst>
-          </p:nvPr>
-        </p:nvSpPr>
-        <p:spPr>
-          <a:xfrm>
-            <a:off x="10437812" y="0"/>
-            <a:ext cx="685800" cy="1143000"/>
-          </a:xfrm>
-          <a:prstGeom prst="rect">
-            <a:avLst/>
-          </a:prstGeom>
-          <a:solidFill>
-            <a:schemeClr val="accent1"/>
-          </a:solidFill>
-          <a:ln>
-            <a:noFill/>
-          </a:ln>
-        </p:spPr>
-        <p:style>
-          <a:lnRef idx="1">
-            <a:schemeClr val="accent1"/>
-          </a:lnRef>
-          <a:fillRef idx="3">
-            <a:schemeClr val="accent1"/>
-          </a:fillRef>
-          <a:effectRef idx="2">
-            <a:schemeClr val="accent1"/>
-          </a:effectRef>
-          <a:fontRef idx="minor">
-            <a:schemeClr val="lt1"/>
-          </a:fontRef>
-        </p:style>
-      </p:sp>
-      <p:sp>
-        <p:nvSpPr>
-          <p:cNvPr id="3" name="Título 2">
-            <a:extLst>
-              <a:ext uri="{FF2B5EF4-FFF2-40B4-BE49-F238E27FC236}">
-                <a16:creationId xmlns:a16="http://schemas.microsoft.com/office/drawing/2014/main" id="{9A850E04-00D7-9AF6-A9C0-571E441C698A}"/>
-              </a:ext>
-            </a:extLst>
-          </p:cNvPr>
-          <p:cNvSpPr>
-            <a:spLocks noGrp="1"/>
-          </p:cNvSpPr>
-          <p:nvPr>
-            <p:ph type="title"/>
-          </p:nvPr>
-        </p:nvSpPr>
-        <p:spPr>
-          <a:xfrm>
-            <a:off x="1393638" y="274277"/>
-            <a:ext cx="9404723" cy="795208"/>
-          </a:xfrm>
-        </p:spPr>
-        <p:txBody>
-          <a:bodyPr/>
-          <a:lstStyle/>
-          <a:p>
-            <a:r>
-              <a:rPr lang="es-MX" dirty="0"/>
-              <a:t>NN CONVOLUCIONALES</a:t>
-            </a:r>
-          </a:p>
-        </p:txBody>
-      </p:sp>
-      <p:pic>
-        <p:nvPicPr>
-          <p:cNvPr id="4" name="Imagen 3">
-            <a:extLst>
-              <a:ext uri="{FF2B5EF4-FFF2-40B4-BE49-F238E27FC236}">
-                <a16:creationId xmlns:a16="http://schemas.microsoft.com/office/drawing/2014/main" id="{802334DE-B0FD-6EC3-CD00-EB0B77C58170}"/>
-              </a:ext>
-            </a:extLst>
-          </p:cNvPr>
-          <p:cNvPicPr>
-            <a:picLocks noChangeAspect="1"/>
-          </p:cNvPicPr>
-          <p:nvPr/>
-        </p:nvPicPr>
-        <p:blipFill>
-          <a:blip r:embed="rId8"/>
-          <a:stretch>
-            <a:fillRect/>
-          </a:stretch>
-        </p:blipFill>
-        <p:spPr>
-          <a:xfrm>
-            <a:off x="1447655" y="1295400"/>
-            <a:ext cx="8848725" cy="5181600"/>
-          </a:xfrm>
-          <a:prstGeom prst="rect">
-            <a:avLst/>
-          </a:prstGeom>
-          <a:ln>
-            <a:noFill/>
-          </a:ln>
-          <a:effectLst>
-            <a:softEdge rad="112500"/>
-          </a:effectLst>
-        </p:spPr>
-      </p:pic>
-    </p:spTree>
-    <p:extLst>
-      <p:ext uri="{BB962C8B-B14F-4D97-AF65-F5344CB8AC3E}">
-        <p14:creationId xmlns:p14="http://schemas.microsoft.com/office/powerpoint/2010/main" val="1323269416"/>
-      </p:ext>
-    </p:extLst>
-  </p:cSld>
-  <p:clrMapOvr>
-    <a:masterClrMapping/>
-  </p:clrMapOvr>
-</p:sld>
-</file>
-
-<file path=ppt/slides/slide7.xml><?xml version="1.0" encoding="utf-8"?>
-<p:sld xmlns:a="http://schemas.openxmlformats.org/drawingml/2006/main" xmlns:r="http://schemas.openxmlformats.org/officeDocument/2006/relationships" xmlns:p="http://schemas.openxmlformats.org/presentationml/2006/main">
-  <p:cSld>
-    <p:bg>
-      <p:bgPr>
-        <a:blipFill rotWithShape="1">
-          <a:blip r:embed="rId3">
-            <a:duotone>
-              <a:schemeClr val="bg2">
-                <a:shade val="62000"/>
-                <a:hueMod val="108000"/>
-                <a:satMod val="164000"/>
-                <a:lumMod val="69000"/>
-              </a:schemeClr>
-              <a:schemeClr val="bg2">
-                <a:tint val="96000"/>
-                <a:hueMod val="90000"/>
-                <a:satMod val="130000"/>
-                <a:lumMod val="134000"/>
-              </a:schemeClr>
-            </a:duotone>
-          </a:blip>
-          <a:stretch/>
-        </a:blipFill>
-        <a:effectLst/>
-      </p:bgPr>
-    </p:bg>
-    <p:spTree>
-      <p:nvGrpSpPr>
-        <p:cNvPr id="1" name=""/>
-        <p:cNvGrpSpPr/>
-        <p:nvPr/>
-      </p:nvGrpSpPr>
-      <p:grpSpPr>
-        <a:xfrm>
-          <a:off x="0" y="0"/>
-          <a:ext cx="0" cy="0"/>
-          <a:chOff x="0" y="0"/>
-          <a:chExt cx="0" cy="0"/>
-        </a:xfrm>
-      </p:grpSpPr>
-      <p:pic>
-        <p:nvPicPr>
-          <p:cNvPr id="15" name="Imagen 14" descr="diseño abstracto">
-            <a:extLst>
-              <a:ext uri="{FF2B5EF4-FFF2-40B4-BE49-F238E27FC236}">
-                <a16:creationId xmlns:a16="http://schemas.microsoft.com/office/drawing/2014/main" id="{6D363037-1741-4470-A023-883E2FFD5840}"/>
-              </a:ext>
-            </a:extLst>
-          </p:cNvPr>
-          <p:cNvPicPr>
-            <a:picLocks noChangeAspect="1"/>
-          </p:cNvPicPr>
-          <p:nvPr/>
-        </p:nvPicPr>
-        <p:blipFill rotWithShape="1">
-          <a:blip r:embed="rId4">
-            <a:duotone>
-              <a:prstClr val="black"/>
-              <a:schemeClr val="accent5">
-                <a:tint val="45000"/>
-                <a:satMod val="400000"/>
-              </a:schemeClr>
-            </a:duotone>
-            <a:alphaModFix amt="25000"/>
-          </a:blip>
-          <a:srcRect t="18308" r="6818" b="2872"/>
-          <a:stretch/>
-        </p:blipFill>
-        <p:spPr>
-          <a:xfrm flipH="1">
-            <a:off x="20" y="10"/>
-            <a:ext cx="12191980" cy="6857990"/>
-          </a:xfrm>
-          <a:prstGeom prst="rect">
-            <a:avLst/>
-          </a:prstGeom>
-        </p:spPr>
-      </p:pic>
-      <p:sp>
-        <p:nvSpPr>
-          <p:cNvPr id="57" name="Rectángulo 56">
-            <a:extLst>
-              <a:ext uri="{FF2B5EF4-FFF2-40B4-BE49-F238E27FC236}">
-                <a16:creationId xmlns:a16="http://schemas.microsoft.com/office/drawing/2014/main" id="{318E9D62-7BA3-4D5E-8915-0D0E8661E3D7}"/>
-              </a:ext>
-              <a:ext uri="{C183D7F6-B498-43B3-948B-1728B52AA6E4}">
-                <adec:decorative xmlns:adec="http://schemas.microsoft.com/office/drawing/2017/decorative" val="1"/>
-              </a:ext>
-            </a:extLst>
-          </p:cNvPr>
-          <p:cNvSpPr>
-            <a:spLocks noGrp="1" noRot="1" noChangeAspect="1" noMove="1" noResize="1" noEditPoints="1" noAdjustHandles="1" noChangeArrowheads="1" noChangeShapeType="1" noTextEdit="1"/>
-          </p:cNvSpPr>
-          <p:nvPr>
-            <p:extLst>
-              <p:ext uri="{386F3935-93C4-4BCD-93E2-E3B085C9AB24}">
-                <p16:designElem xmlns:p16="http://schemas.microsoft.com/office/powerpoint/2015/main" val="1"/>
-              </p:ext>
-            </p:extLst>
-          </p:nvPr>
-        </p:nvSpPr>
-        <p:spPr>
-          <a:xfrm>
-            <a:off x="10437812" y="0"/>
-            <a:ext cx="685800" cy="1143000"/>
-          </a:xfrm>
-          <a:prstGeom prst="rect">
-            <a:avLst/>
-          </a:prstGeom>
-          <a:solidFill>
-            <a:schemeClr val="accent1"/>
-          </a:solidFill>
-          <a:ln>
-            <a:noFill/>
-          </a:ln>
-        </p:spPr>
-        <p:style>
-          <a:lnRef idx="1">
-            <a:schemeClr val="accent1"/>
-          </a:lnRef>
-          <a:fillRef idx="3">
-            <a:schemeClr val="accent1"/>
-          </a:fillRef>
-          <a:effectRef idx="2">
-            <a:schemeClr val="accent1"/>
-          </a:effectRef>
-          <a:fontRef idx="minor">
-            <a:schemeClr val="lt1"/>
-          </a:fontRef>
-        </p:style>
-      </p:sp>
-      <p:sp>
-        <p:nvSpPr>
-          <p:cNvPr id="2" name="Título 2">
-            <a:extLst>
-              <a:ext uri="{FF2B5EF4-FFF2-40B4-BE49-F238E27FC236}">
-                <a16:creationId xmlns:a16="http://schemas.microsoft.com/office/drawing/2014/main" id="{7FC0812D-F7EC-EC02-ED24-D1C05F4BE29C}"/>
-              </a:ext>
-            </a:extLst>
-          </p:cNvPr>
-          <p:cNvSpPr txBox="1">
-            <a:spLocks/>
-          </p:cNvSpPr>
-          <p:nvPr/>
-        </p:nvSpPr>
-        <p:spPr>
-          <a:xfrm>
-            <a:off x="2443963" y="185118"/>
-            <a:ext cx="9404723" cy="772764"/>
-          </a:xfrm>
-          <a:prstGeom prst="rect">
-            <a:avLst/>
-          </a:prstGeom>
-        </p:spPr>
-        <p:txBody>
-          <a:bodyPr vert="horz" lIns="91440" tIns="45720" rIns="91440" bIns="45720" rtlCol="0" anchor="b">
-            <a:noAutofit/>
-          </a:bodyPr>
-          <a:lstStyle>
-            <a:lvl1pPr algn="l" defTabSz="457200" rtl="0" eaLnBrk="1" latinLnBrk="0" hangingPunct="1">
-              <a:spcBef>
-                <a:spcPct val="0"/>
-              </a:spcBef>
-              <a:buNone/>
-              <a:defRPr sz="7200" b="0" i="0" kern="1200">
-                <a:solidFill>
-                  <a:schemeClr val="tx2"/>
-                </a:solidFill>
-                <a:latin typeface="+mj-lt"/>
-                <a:ea typeface="+mj-ea"/>
-                <a:cs typeface="+mj-cs"/>
-              </a:defRPr>
-            </a:lvl1pPr>
-            <a:lvl2pPr eaLnBrk="1" hangingPunct="1">
-              <a:defRPr>
-                <a:solidFill>
-                  <a:schemeClr val="tx2"/>
-                </a:solidFill>
-              </a:defRPr>
-            </a:lvl2pPr>
-            <a:lvl3pPr eaLnBrk="1" hangingPunct="1">
-              <a:defRPr>
-                <a:solidFill>
-                  <a:schemeClr val="tx2"/>
-                </a:solidFill>
-              </a:defRPr>
-            </a:lvl3pPr>
-            <a:lvl4pPr eaLnBrk="1" hangingPunct="1">
-              <a:defRPr>
-                <a:solidFill>
-                  <a:schemeClr val="tx2"/>
-                </a:solidFill>
-              </a:defRPr>
-            </a:lvl4pPr>
-            <a:lvl5pPr eaLnBrk="1" hangingPunct="1">
-              <a:defRPr>
-                <a:solidFill>
-                  <a:schemeClr val="tx2"/>
-                </a:solidFill>
-              </a:defRPr>
-            </a:lvl5pPr>
-            <a:lvl6pPr eaLnBrk="1" hangingPunct="1">
-              <a:defRPr>
-                <a:solidFill>
-                  <a:schemeClr val="tx2"/>
-                </a:solidFill>
-              </a:defRPr>
-            </a:lvl6pPr>
-            <a:lvl7pPr eaLnBrk="1" hangingPunct="1">
-              <a:defRPr>
-                <a:solidFill>
-                  <a:schemeClr val="tx2"/>
-                </a:solidFill>
-              </a:defRPr>
-            </a:lvl7pPr>
-            <a:lvl8pPr eaLnBrk="1" hangingPunct="1">
-              <a:defRPr>
-                <a:solidFill>
-                  <a:schemeClr val="tx2"/>
-                </a:solidFill>
-              </a:defRPr>
-            </a:lvl8pPr>
-            <a:lvl9pPr eaLnBrk="1" hangingPunct="1">
-              <a:defRPr>
-                <a:solidFill>
-                  <a:schemeClr val="tx2"/>
-                </a:solidFill>
-              </a:defRPr>
-            </a:lvl9pPr>
-          </a:lstStyle>
-          <a:p>
-            <a:r>
-              <a:rPr lang="es-MX" sz="4000" dirty="0"/>
               <a:t>POOLING</a:t>
             </a:r>
           </a:p>
@@ -10933,8 +10594,8 @@
         </p:nvSpPr>
         <p:spPr>
           <a:xfrm>
-            <a:off x="1170404" y="1928537"/>
-            <a:ext cx="9627957" cy="2031325"/>
+            <a:off x="1235675" y="1953094"/>
+            <a:ext cx="10385134" cy="2031325"/>
           </a:xfrm>
           <a:prstGeom prst="rect">
             <a:avLst/>
@@ -10942,20 +10603,14 @@
           <a:noFill/>
         </p:spPr>
         <p:txBody>
-          <a:bodyPr wrap="none" rtlCol="0">
+          <a:bodyPr wrap="square" rtlCol="0">
             <a:spAutoFit/>
           </a:bodyPr>
           <a:lstStyle/>
           <a:p>
             <a:r>
               <a:rPr lang="es-MX" dirty="0"/>
-              <a:t>Concebida en 1998 por Yann LeCun, primera Red Convolucional qué logró resolver </a:t>
-            </a:r>
-          </a:p>
-          <a:p>
-            <a:r>
-              <a:rPr lang="es-MX" dirty="0"/>
-              <a:t>El problema de visión artificial: La clasificación de dígitos escritos a mano.</a:t>
+              <a:t>Primera Red Convolucional qué logró resolver el problema de visión artificial: La clasificación de dígitos escritos a mano.</a:t>
             </a:r>
           </a:p>
           <a:p>
@@ -12372,15 +12027,6 @@
 </file>
 
 <file path=customXml/item1.xml><?xml version="1.0" encoding="utf-8"?>
-<p:properties xmlns:p="http://schemas.microsoft.com/office/2006/metadata/properties" xmlns:xsi="http://www.w3.org/2001/XMLSchema-instance" xmlns:pc="http://schemas.microsoft.com/office/infopath/2007/PartnerControls">
-  <documentManagement>
-    <Status xmlns="71af3243-3dd4-4a8d-8c0d-dd76da1f02a5">Not started</Status>
-    <MediaServiceKeyPoints xmlns="71af3243-3dd4-4a8d-8c0d-dd76da1f02a5" xsi:nil="true"/>
-  </documentManagement>
-</p:properties>
-</file>
-
-<file path=customXml/item2.xml><?xml version="1.0" encoding="utf-8"?>
 <ct:contentTypeSchema xmlns:ct="http://schemas.microsoft.com/office/2006/metadata/contentType" xmlns:ma="http://schemas.microsoft.com/office/2006/metadata/properties/metaAttributes" ct:_="" ma:_="" ma:contentTypeName="Document" ma:contentTypeID="0x01010079F111ED35F8CC479449609E8A0923A6" ma:contentTypeVersion="12" ma:contentTypeDescription="Create a new document." ma:contentTypeScope="" ma:versionID="93813dd7ca6ad654711aa0ab317e03a3">
   <xsd:schema xmlns:xsd="http://www.w3.org/2001/XMLSchema" xmlns:xs="http://www.w3.org/2001/XMLSchema" xmlns:p="http://schemas.microsoft.com/office/2006/metadata/properties" xmlns:ns2="71af3243-3dd4-4a8d-8c0d-dd76da1f02a5" xmlns:ns3="16c05727-aa75-4e4a-9b5f-8a80a1165891" targetNamespace="http://schemas.microsoft.com/office/2006/metadata/properties" ma:root="true" ma:fieldsID="f11dc0ce689dd3925e84e4e35398c6e7" ns2:_="" ns3:_="">
     <xsd:import namespace="71af3243-3dd4-4a8d-8c0d-dd76da1f02a5"/>
@@ -12601,6 +12247,15 @@
 </ct:contentTypeSchema>
 </file>
 
+<file path=customXml/item2.xml><?xml version="1.0" encoding="utf-8"?>
+<p:properties xmlns:p="http://schemas.microsoft.com/office/2006/metadata/properties" xmlns:xsi="http://www.w3.org/2001/XMLSchema-instance" xmlns:pc="http://schemas.microsoft.com/office/infopath/2007/PartnerControls">
+  <documentManagement>
+    <Status xmlns="71af3243-3dd4-4a8d-8c0d-dd76da1f02a5">Not started</Status>
+    <MediaServiceKeyPoints xmlns="71af3243-3dd4-4a8d-8c0d-dd76da1f02a5" xsi:nil="true"/>
+  </documentManagement>
+</p:properties>
+</file>
+
 <file path=customXml/item3.xml><?xml version="1.0" encoding="utf-8"?>
 <?mso-contentType ?>
 <FormTemplates xmlns="http://schemas.microsoft.com/sharepoint/v3/contenttype/forms">
@@ -12611,16 +12266,6 @@
 </file>
 
 <file path=customXml/itemProps1.xml><?xml version="1.0" encoding="utf-8"?>
-<ds:datastoreItem xmlns:ds="http://schemas.openxmlformats.org/officeDocument/2006/customXml" ds:itemID="{048C88F1-1664-415F-AFCE-F6CF45809817}">
-  <ds:schemaRefs>
-    <ds:schemaRef ds:uri="http://schemas.microsoft.com/office/2006/metadata/properties"/>
-    <ds:schemaRef ds:uri="http://schemas.microsoft.com/office/infopath/2007/PartnerControls"/>
-    <ds:schemaRef ds:uri="71af3243-3dd4-4a8d-8c0d-dd76da1f02a5"/>
-  </ds:schemaRefs>
-</ds:datastoreItem>
-</file>
-
-<file path=customXml/itemProps2.xml><?xml version="1.0" encoding="utf-8"?>
 <ds:datastoreItem xmlns:ds="http://schemas.openxmlformats.org/officeDocument/2006/customXml" ds:itemID="{CC30393A-FEC6-4A44-9E4A-6EA49F1F7DC0}">
   <ds:schemaRefs>
     <ds:schemaRef ds:uri="http://schemas.microsoft.com/office/2006/metadata/contentType"/>
@@ -12639,6 +12284,16 @@
 </ds:datastoreItem>
 </file>
 
+<file path=customXml/itemProps2.xml><?xml version="1.0" encoding="utf-8"?>
+<ds:datastoreItem xmlns:ds="http://schemas.openxmlformats.org/officeDocument/2006/customXml" ds:itemID="{048C88F1-1664-415F-AFCE-F6CF45809817}">
+  <ds:schemaRefs>
+    <ds:schemaRef ds:uri="http://schemas.microsoft.com/office/2006/metadata/properties"/>
+    <ds:schemaRef ds:uri="http://schemas.microsoft.com/office/infopath/2007/PartnerControls"/>
+    <ds:schemaRef ds:uri="71af3243-3dd4-4a8d-8c0d-dd76da1f02a5"/>
+  </ds:schemaRefs>
+</ds:datastoreItem>
+</file>
+
 <file path=customXml/itemProps3.xml><?xml version="1.0" encoding="utf-8"?>
 <ds:datastoreItem xmlns:ds="http://schemas.openxmlformats.org/officeDocument/2006/customXml" ds:itemID="{0D16958A-754B-4396-9457-FD7A427A37DD}">
   <ds:schemaRefs>
